--- a/doc/Gitforsmarties.pptx
+++ b/doc/Gitforsmarties.pptx
@@ -298,7 +298,7 @@
           <a:p>
             <a:fld id="{3EA844A9-CFBD-4074-B5B6-8474B686FD52}" type="datetimeFigureOut">
               <a:rPr lang="nn-NO" smtClean="0"/>
-              <a:t>12.04.2013</a:t>
+              <a:t>13.05.2013</a:t>
             </a:fld>
             <a:endParaRPr lang="nn-NO"/>
           </a:p>
@@ -468,7 +468,7 @@
           <a:p>
             <a:fld id="{3EA844A9-CFBD-4074-B5B6-8474B686FD52}" type="datetimeFigureOut">
               <a:rPr lang="nn-NO" smtClean="0"/>
-              <a:t>12.04.2013</a:t>
+              <a:t>13.05.2013</a:t>
             </a:fld>
             <a:endParaRPr lang="nn-NO"/>
           </a:p>
@@ -648,7 +648,7 @@
           <a:p>
             <a:fld id="{3EA844A9-CFBD-4074-B5B6-8474B686FD52}" type="datetimeFigureOut">
               <a:rPr lang="nn-NO" smtClean="0"/>
-              <a:t>12.04.2013</a:t>
+              <a:t>13.05.2013</a:t>
             </a:fld>
             <a:endParaRPr lang="nn-NO"/>
           </a:p>
@@ -818,7 +818,7 @@
           <a:p>
             <a:fld id="{3EA844A9-CFBD-4074-B5B6-8474B686FD52}" type="datetimeFigureOut">
               <a:rPr lang="nn-NO" smtClean="0"/>
-              <a:t>12.04.2013</a:t>
+              <a:t>13.05.2013</a:t>
             </a:fld>
             <a:endParaRPr lang="nn-NO"/>
           </a:p>
@@ -1064,7 +1064,7 @@
           <a:p>
             <a:fld id="{3EA844A9-CFBD-4074-B5B6-8474B686FD52}" type="datetimeFigureOut">
               <a:rPr lang="nn-NO" smtClean="0"/>
-              <a:t>12.04.2013</a:t>
+              <a:t>13.05.2013</a:t>
             </a:fld>
             <a:endParaRPr lang="nn-NO"/>
           </a:p>
@@ -1352,7 +1352,7 @@
           <a:p>
             <a:fld id="{3EA844A9-CFBD-4074-B5B6-8474B686FD52}" type="datetimeFigureOut">
               <a:rPr lang="nn-NO" smtClean="0"/>
-              <a:t>12.04.2013</a:t>
+              <a:t>13.05.2013</a:t>
             </a:fld>
             <a:endParaRPr lang="nn-NO"/>
           </a:p>
@@ -1774,7 +1774,7 @@
           <a:p>
             <a:fld id="{3EA844A9-CFBD-4074-B5B6-8474B686FD52}" type="datetimeFigureOut">
               <a:rPr lang="nn-NO" smtClean="0"/>
-              <a:t>12.04.2013</a:t>
+              <a:t>13.05.2013</a:t>
             </a:fld>
             <a:endParaRPr lang="nn-NO"/>
           </a:p>
@@ -1892,7 +1892,7 @@
           <a:p>
             <a:fld id="{3EA844A9-CFBD-4074-B5B6-8474B686FD52}" type="datetimeFigureOut">
               <a:rPr lang="nn-NO" smtClean="0"/>
-              <a:t>12.04.2013</a:t>
+              <a:t>13.05.2013</a:t>
             </a:fld>
             <a:endParaRPr lang="nn-NO"/>
           </a:p>
@@ -1987,7 +1987,7 @@
           <a:p>
             <a:fld id="{3EA844A9-CFBD-4074-B5B6-8474B686FD52}" type="datetimeFigureOut">
               <a:rPr lang="nn-NO" smtClean="0"/>
-              <a:t>12.04.2013</a:t>
+              <a:t>13.05.2013</a:t>
             </a:fld>
             <a:endParaRPr lang="nn-NO"/>
           </a:p>
@@ -2264,7 +2264,7 @@
           <a:p>
             <a:fld id="{3EA844A9-CFBD-4074-B5B6-8474B686FD52}" type="datetimeFigureOut">
               <a:rPr lang="nn-NO" smtClean="0"/>
-              <a:t>12.04.2013</a:t>
+              <a:t>13.05.2013</a:t>
             </a:fld>
             <a:endParaRPr lang="nn-NO"/>
           </a:p>
@@ -2517,7 +2517,7 @@
           <a:p>
             <a:fld id="{3EA844A9-CFBD-4074-B5B6-8474B686FD52}" type="datetimeFigureOut">
               <a:rPr lang="nn-NO" smtClean="0"/>
-              <a:t>12.04.2013</a:t>
+              <a:t>13.05.2013</a:t>
             </a:fld>
             <a:endParaRPr lang="nn-NO"/>
           </a:p>
@@ -2730,7 +2730,7 @@
           <a:p>
             <a:fld id="{3EA844A9-CFBD-4074-B5B6-8474B686FD52}" type="datetimeFigureOut">
               <a:rPr lang="nn-NO" smtClean="0"/>
-              <a:t>12.04.2013</a:t>
+              <a:t>13.05.2013</a:t>
             </a:fld>
             <a:endParaRPr lang="nn-NO"/>
           </a:p>
@@ -3760,7 +3760,7 @@
         <p:spPr/>
         <p:txBody>
           <a:bodyPr>
-            <a:normAutofit fontScale="77500" lnSpcReduction="20000"/>
+            <a:normAutofit fontScale="62500" lnSpcReduction="20000"/>
           </a:bodyPr>
           <a:lstStyle/>
           <a:p>
@@ -3770,7 +3770,7 @@
             </a:pPr>
             <a:r>
               <a:rPr lang="nn-NO" dirty="0" smtClean="0"/>
-              <a:t>Klon </a:t>
+              <a:t>Fork CRAVA/</a:t>
             </a:r>
             <a:r>
               <a:rPr lang="nn-NO" dirty="0" err="1" smtClean="0"/>
@@ -3778,25 +3778,13 @@
             </a:r>
             <a:r>
               <a:rPr lang="nn-NO" dirty="0" smtClean="0"/>
-              <a:t> frå code.nr.no</a:t>
-            </a:r>
-            <a:r>
-              <a:rPr lang="en-GB" dirty="0" smtClean="0"/>
-              <a:t>/</a:t>
-            </a:r>
-            <a:r>
-              <a:rPr lang="en-GB" dirty="0" err="1" smtClean="0"/>
-              <a:t>scm</a:t>
-            </a:r>
-            <a:r>
-              <a:rPr lang="en-GB" dirty="0" smtClean="0"/>
-              <a:t>/git/</a:t>
-            </a:r>
-            <a:r>
-              <a:rPr lang="en-GB" dirty="0" err="1" smtClean="0"/>
-              <a:t>crava</a:t>
-            </a:r>
-            <a:endParaRPr lang="en-GB" dirty="0" smtClean="0"/>
+              <a:t> til din bruker på </a:t>
+            </a:r>
+            <a:r>
+              <a:rPr lang="nn-NO" dirty="0" err="1" smtClean="0"/>
+              <a:t>GitHub</a:t>
+            </a:r>
+            <a:endParaRPr lang="nn-NO" dirty="0" smtClean="0"/>
           </a:p>
           <a:p>
             <a:pPr marL="514350" indent="-514350">
@@ -3804,45 +3792,36 @@
               <a:buAutoNum type="arabicPeriod"/>
             </a:pPr>
             <a:r>
-              <a:rPr lang="en-GB" dirty="0" smtClean="0"/>
-              <a:t>Lag </a:t>
-            </a:r>
-            <a:r>
-              <a:rPr lang="en-GB" dirty="0" err="1" smtClean="0"/>
-              <a:t>ein</a:t>
-            </a:r>
-            <a:r>
-              <a:rPr lang="en-GB" dirty="0" smtClean="0"/>
-              <a:t> branch for den </a:t>
-            </a:r>
-            <a:r>
-              <a:rPr lang="en-GB" dirty="0" err="1" smtClean="0"/>
-              <a:t>featuren</a:t>
-            </a:r>
-            <a:r>
-              <a:rPr lang="en-GB" dirty="0" smtClean="0"/>
-              <a:t> du </a:t>
-            </a:r>
-            <a:r>
-              <a:rPr lang="en-GB" dirty="0" err="1" smtClean="0"/>
-              <a:t>jobbar</a:t>
-            </a:r>
-            <a:r>
-              <a:rPr lang="en-GB" dirty="0" smtClean="0"/>
-              <a:t> med. Hugs </a:t>
-            </a:r>
-            <a:r>
-              <a:rPr lang="nn-NO" dirty="0" smtClean="0"/>
-              <a:t>å byta til denne </a:t>
-            </a:r>
-            <a:r>
-              <a:rPr lang="nn-NO" dirty="0" err="1" smtClean="0"/>
-              <a:t>branchen</a:t>
-            </a:r>
-            <a:r>
-              <a:rPr lang="nn-NO" dirty="0" smtClean="0"/>
-              <a:t>.</a:t>
-            </a:r>
+              <a:rPr lang="nn-NO" dirty="0" smtClean="0"/>
+              <a:t>Klon </a:t>
+            </a:r>
+            <a:r>
+              <a:rPr lang="nn-NO" dirty="0" err="1" smtClean="0"/>
+              <a:t>crava</a:t>
+            </a:r>
+            <a:r>
+              <a:rPr lang="nn-NO" dirty="0" smtClean="0"/>
+              <a:t> frå </a:t>
+            </a:r>
+            <a:r>
+              <a:rPr lang="nn-NO" dirty="0">
+                <a:hlinkClick r:id="rId2"/>
+              </a:rPr>
+              <a:t>https://</a:t>
+            </a:r>
+            <a:r>
+              <a:rPr lang="nn-NO" dirty="0" smtClean="0">
+                <a:hlinkClick r:id="rId2"/>
+              </a:rPr>
+              <a:t>github.com/[din bruker]/</a:t>
+            </a:r>
+            <a:r>
+              <a:rPr lang="nn-NO" dirty="0" err="1" smtClean="0">
+                <a:hlinkClick r:id="rId2"/>
+              </a:rPr>
+              <a:t>crava.git</a:t>
+            </a:r>
+            <a:endParaRPr lang="nn-NO" dirty="0" smtClean="0"/>
           </a:p>
           <a:p>
             <a:pPr marL="514350" indent="-514350">
@@ -3850,16 +3829,44 @@
               <a:buAutoNum type="arabicPeriod"/>
             </a:pPr>
             <a:r>
-              <a:rPr lang="nn-NO" dirty="0" smtClean="0"/>
-              <a:t>Jobb i veg. Du kan no ta </a:t>
-            </a:r>
-            <a:r>
-              <a:rPr lang="nn-NO" dirty="0" err="1" smtClean="0"/>
-              <a:t>commit</a:t>
-            </a:r>
-            <a:r>
-              <a:rPr lang="nn-NO" dirty="0" smtClean="0"/>
-              <a:t> så ofte du vil, sidan du berre gjer dette lokalt hos deg.</a:t>
+              <a:rPr lang="en-GB" dirty="0" smtClean="0"/>
+              <a:t>Lag </a:t>
+            </a:r>
+            <a:r>
+              <a:rPr lang="en-GB" dirty="0" err="1" smtClean="0"/>
+              <a:t>ein</a:t>
+            </a:r>
+            <a:r>
+              <a:rPr lang="en-GB" dirty="0" smtClean="0"/>
+              <a:t> branch for den </a:t>
+            </a:r>
+            <a:r>
+              <a:rPr lang="en-GB" dirty="0" err="1" smtClean="0"/>
+              <a:t>featuren</a:t>
+            </a:r>
+            <a:r>
+              <a:rPr lang="en-GB" dirty="0" smtClean="0"/>
+              <a:t> du </a:t>
+            </a:r>
+            <a:r>
+              <a:rPr lang="en-GB" dirty="0" err="1" smtClean="0"/>
+              <a:t>jobbar</a:t>
+            </a:r>
+            <a:r>
+              <a:rPr lang="en-GB" dirty="0" smtClean="0"/>
+              <a:t> med. Hugs </a:t>
+            </a:r>
+            <a:r>
+              <a:rPr lang="nn-NO" dirty="0" smtClean="0"/>
+              <a:t>å byta til denne </a:t>
+            </a:r>
+            <a:r>
+              <a:rPr lang="nn-NO" dirty="0" err="1" smtClean="0"/>
+              <a:t>branchen</a:t>
+            </a:r>
+            <a:r>
+              <a:rPr lang="nn-NO" dirty="0" smtClean="0"/>
+              <a:t>.</a:t>
             </a:r>
           </a:p>
           <a:p>
@@ -3869,6 +3876,24 @@
             </a:pPr>
             <a:r>
               <a:rPr lang="nn-NO" dirty="0" smtClean="0"/>
+              <a:t>Jobb i veg. Du kan no ta </a:t>
+            </a:r>
+            <a:r>
+              <a:rPr lang="nn-NO" dirty="0" err="1" smtClean="0"/>
+              <a:t>commit</a:t>
+            </a:r>
+            <a:r>
+              <a:rPr lang="nn-NO" dirty="0" smtClean="0"/>
+              <a:t> så ofte du vil, sidan du berre gjer dette lokalt hos deg.</a:t>
+            </a:r>
+          </a:p>
+          <a:p>
+            <a:pPr marL="514350" indent="-514350">
+              <a:buFont typeface="+mj-lt"/>
+              <a:buAutoNum type="arabicPeriod"/>
+            </a:pPr>
+            <a:r>
+              <a:rPr lang="nn-NO" dirty="0" smtClean="0"/>
               <a:t>Når du er nøgd gjer du følgjande:</a:t>
             </a:r>
           </a:p>
@@ -3897,7 +3922,63 @@
             </a:pPr>
             <a:r>
               <a:rPr lang="nn-NO" dirty="0" smtClean="0"/>
-              <a:t>Pull frå sentral master, så du får alle oppdateringar.</a:t>
+              <a:t>Pull frå </a:t>
+            </a:r>
+            <a:r>
+              <a:rPr lang="nn-NO" dirty="0" err="1" smtClean="0"/>
+              <a:t>upstream</a:t>
+            </a:r>
+            <a:r>
+              <a:rPr lang="nn-NO" dirty="0" smtClean="0"/>
+              <a:t>, så du får alle oppdateringar</a:t>
+            </a:r>
+            <a:r>
+              <a:rPr lang="nn-NO" dirty="0"/>
+              <a:t>. </a:t>
+            </a:r>
+            <a:r>
+              <a:rPr lang="nn-NO" dirty="0" smtClean="0"/>
+              <a:t>(Dette </a:t>
+            </a:r>
+            <a:r>
+              <a:rPr lang="nn-NO" dirty="0" err="1" smtClean="0"/>
+              <a:t>gjøres</a:t>
+            </a:r>
+            <a:r>
+              <a:rPr lang="nn-NO" dirty="0" smtClean="0"/>
+              <a:t> ved å lage en </a:t>
+            </a:r>
+            <a:r>
+              <a:rPr lang="nn-NO" dirty="0" err="1" smtClean="0"/>
+              <a:t>upstream</a:t>
+            </a:r>
+            <a:r>
+              <a:rPr lang="nn-NO" dirty="0" smtClean="0"/>
+              <a:t> under pull (</a:t>
+            </a:r>
+            <a:r>
+              <a:rPr lang="nn-NO" dirty="0" err="1" smtClean="0"/>
+              <a:t>Manage</a:t>
+            </a:r>
+            <a:r>
+              <a:rPr lang="nn-NO" dirty="0" smtClean="0"/>
+              <a:t> Remotes) og bruke  </a:t>
+            </a:r>
+            <a:r>
+              <a:rPr lang="nn-NO" dirty="0" err="1" smtClean="0"/>
+              <a:t>adressen</a:t>
+            </a:r>
+            <a:r>
+              <a:rPr lang="nn-NO" dirty="0" smtClean="0"/>
+              <a:t> https</a:t>
+            </a:r>
+            <a:r>
+              <a:rPr lang="nn-NO" dirty="0"/>
+              <a:t>://</a:t>
+            </a:r>
+            <a:r>
+              <a:rPr lang="nn-NO" dirty="0" smtClean="0"/>
+              <a:t>github.com/CRAVA/crava.git)</a:t>
             </a:r>
           </a:p>
           <a:p>
@@ -3965,6 +4046,29 @@
               <a:rPr lang="nn-NO" dirty="0" smtClean="0"/>
               <a:t> din.</a:t>
             </a:r>
+          </a:p>
+          <a:p>
+            <a:pPr marL="914400" lvl="1" indent="-514350">
+              <a:buFont typeface="+mj-lt"/>
+              <a:buAutoNum type="arabicPeriod"/>
+            </a:pPr>
+            <a:r>
+              <a:rPr lang="nn-NO" dirty="0" smtClean="0"/>
+              <a:t>Lag en pull </a:t>
+            </a:r>
+            <a:r>
+              <a:rPr lang="nn-NO" dirty="0" err="1" smtClean="0"/>
+              <a:t>request</a:t>
+            </a:r>
+            <a:r>
+              <a:rPr lang="nn-NO" dirty="0" smtClean="0"/>
+              <a:t> under din bruker på </a:t>
+            </a:r>
+            <a:r>
+              <a:rPr lang="nn-NO" dirty="0" err="1" smtClean="0"/>
+              <a:t>GitHub</a:t>
+            </a:r>
+            <a:endParaRPr lang="nn-NO" dirty="0" smtClean="0"/>
           </a:p>
           <a:p>
             <a:pPr marL="514350" indent="-514350">

--- a/doc/Gitforsmarties.pptx
+++ b/doc/Gitforsmarties.pptx
@@ -7,15 +7,19 @@
   <p:sldIdLst>
     <p:sldId id="256" r:id="rId2"/>
     <p:sldId id="257" r:id="rId3"/>
-    <p:sldId id="258" r:id="rId4"/>
-    <p:sldId id="259" r:id="rId5"/>
-    <p:sldId id="260" r:id="rId6"/>
-    <p:sldId id="261" r:id="rId7"/>
-    <p:sldId id="262" r:id="rId8"/>
-    <p:sldId id="263" r:id="rId9"/>
-    <p:sldId id="264" r:id="rId10"/>
-    <p:sldId id="265" r:id="rId11"/>
-    <p:sldId id="266" r:id="rId12"/>
+    <p:sldId id="270" r:id="rId4"/>
+    <p:sldId id="267" r:id="rId5"/>
+    <p:sldId id="258" r:id="rId6"/>
+    <p:sldId id="268" r:id="rId7"/>
+    <p:sldId id="259" r:id="rId8"/>
+    <p:sldId id="260" r:id="rId9"/>
+    <p:sldId id="261" r:id="rId10"/>
+    <p:sldId id="263" r:id="rId11"/>
+    <p:sldId id="262" r:id="rId12"/>
+    <p:sldId id="264" r:id="rId13"/>
+    <p:sldId id="265" r:id="rId14"/>
+    <p:sldId id="269" r:id="rId15"/>
+    <p:sldId id="266" r:id="rId16"/>
   </p:sldIdLst>
   <p:sldSz cx="9144000" cy="6858000" type="screen4x3"/>
   <p:notesSz cx="6858000" cy="9144000"/>
@@ -298,7 +302,7 @@
           <a:p>
             <a:fld id="{3EA844A9-CFBD-4074-B5B6-8474B686FD52}" type="datetimeFigureOut">
               <a:rPr lang="nn-NO" smtClean="0"/>
-              <a:t>13.05.2013</a:t>
+              <a:t>06.06.2013</a:t>
             </a:fld>
             <a:endParaRPr lang="nn-NO"/>
           </a:p>
@@ -468,7 +472,7 @@
           <a:p>
             <a:fld id="{3EA844A9-CFBD-4074-B5B6-8474B686FD52}" type="datetimeFigureOut">
               <a:rPr lang="nn-NO" smtClean="0"/>
-              <a:t>13.05.2013</a:t>
+              <a:t>06.06.2013</a:t>
             </a:fld>
             <a:endParaRPr lang="nn-NO"/>
           </a:p>
@@ -648,7 +652,7 @@
           <a:p>
             <a:fld id="{3EA844A9-CFBD-4074-B5B6-8474B686FD52}" type="datetimeFigureOut">
               <a:rPr lang="nn-NO" smtClean="0"/>
-              <a:t>13.05.2013</a:t>
+              <a:t>06.06.2013</a:t>
             </a:fld>
             <a:endParaRPr lang="nn-NO"/>
           </a:p>
@@ -818,7 +822,7 @@
           <a:p>
             <a:fld id="{3EA844A9-CFBD-4074-B5B6-8474B686FD52}" type="datetimeFigureOut">
               <a:rPr lang="nn-NO" smtClean="0"/>
-              <a:t>13.05.2013</a:t>
+              <a:t>06.06.2013</a:t>
             </a:fld>
             <a:endParaRPr lang="nn-NO"/>
           </a:p>
@@ -1064,7 +1068,7 @@
           <a:p>
             <a:fld id="{3EA844A9-CFBD-4074-B5B6-8474B686FD52}" type="datetimeFigureOut">
               <a:rPr lang="nn-NO" smtClean="0"/>
-              <a:t>13.05.2013</a:t>
+              <a:t>06.06.2013</a:t>
             </a:fld>
             <a:endParaRPr lang="nn-NO"/>
           </a:p>
@@ -1352,7 +1356,7 @@
           <a:p>
             <a:fld id="{3EA844A9-CFBD-4074-B5B6-8474B686FD52}" type="datetimeFigureOut">
               <a:rPr lang="nn-NO" smtClean="0"/>
-              <a:t>13.05.2013</a:t>
+              <a:t>06.06.2013</a:t>
             </a:fld>
             <a:endParaRPr lang="nn-NO"/>
           </a:p>
@@ -1774,7 +1778,7 @@
           <a:p>
             <a:fld id="{3EA844A9-CFBD-4074-B5B6-8474B686FD52}" type="datetimeFigureOut">
               <a:rPr lang="nn-NO" smtClean="0"/>
-              <a:t>13.05.2013</a:t>
+              <a:t>06.06.2013</a:t>
             </a:fld>
             <a:endParaRPr lang="nn-NO"/>
           </a:p>
@@ -1892,7 +1896,7 @@
           <a:p>
             <a:fld id="{3EA844A9-CFBD-4074-B5B6-8474B686FD52}" type="datetimeFigureOut">
               <a:rPr lang="nn-NO" smtClean="0"/>
-              <a:t>13.05.2013</a:t>
+              <a:t>06.06.2013</a:t>
             </a:fld>
             <a:endParaRPr lang="nn-NO"/>
           </a:p>
@@ -1987,7 +1991,7 @@
           <a:p>
             <a:fld id="{3EA844A9-CFBD-4074-B5B6-8474B686FD52}" type="datetimeFigureOut">
               <a:rPr lang="nn-NO" smtClean="0"/>
-              <a:t>13.05.2013</a:t>
+              <a:t>06.06.2013</a:t>
             </a:fld>
             <a:endParaRPr lang="nn-NO"/>
           </a:p>
@@ -2264,7 +2268,7 @@
           <a:p>
             <a:fld id="{3EA844A9-CFBD-4074-B5B6-8474B686FD52}" type="datetimeFigureOut">
               <a:rPr lang="nn-NO" smtClean="0"/>
-              <a:t>13.05.2013</a:t>
+              <a:t>06.06.2013</a:t>
             </a:fld>
             <a:endParaRPr lang="nn-NO"/>
           </a:p>
@@ -2517,7 +2521,7 @@
           <a:p>
             <a:fld id="{3EA844A9-CFBD-4074-B5B6-8474B686FD52}" type="datetimeFigureOut">
               <a:rPr lang="nn-NO" smtClean="0"/>
-              <a:t>13.05.2013</a:t>
+              <a:t>06.06.2013</a:t>
             </a:fld>
             <a:endParaRPr lang="nn-NO"/>
           </a:p>
@@ -2730,7 +2734,7 @@
           <a:p>
             <a:fld id="{3EA844A9-CFBD-4074-B5B6-8474B686FD52}" type="datetimeFigureOut">
               <a:rPr lang="nn-NO" smtClean="0"/>
-              <a:t>13.05.2013</a:t>
+              <a:t>06.06.2013</a:t>
             </a:fld>
             <a:endParaRPr lang="nn-NO"/>
           </a:p>
@@ -3225,24 +3229,38 @@
         </p:nvSpPr>
         <p:spPr/>
         <p:txBody>
-          <a:bodyPr/>
-          <a:lstStyle/>
-          <a:p>
-            <a:r>
-              <a:rPr lang="nn-NO" dirty="0" smtClean="0"/>
-              <a:t>4.5 Slett </a:t>
+          <a:bodyPr>
+            <a:normAutofit fontScale="90000"/>
+          </a:bodyPr>
+          <a:lstStyle/>
+          <a:p>
+            <a:r>
+              <a:rPr lang="nn-NO" dirty="0" smtClean="0"/>
+              <a:t>7.2 </a:t>
+            </a:r>
+            <a:r>
+              <a:rPr lang="nn-NO" dirty="0" err="1" smtClean="0"/>
+              <a:t>Merge</a:t>
+            </a:r>
+            <a:r>
+              <a:rPr lang="nn-NO" dirty="0" smtClean="0"/>
+              <a:t> din </a:t>
             </a:r>
             <a:r>
               <a:rPr lang="nn-NO" dirty="0" err="1" smtClean="0"/>
               <a:t>branch</a:t>
             </a:r>
+            <a:r>
+              <a:rPr lang="nn-NO" dirty="0" smtClean="0"/>
+              <a:t> inn på master</a:t>
+            </a:r>
             <a:endParaRPr lang="nn-NO" dirty="0"/>
           </a:p>
         </p:txBody>
       </p:sp>
       <p:sp>
         <p:nvSpPr>
-          <p:cNvPr id="5" name="Content Placeholder 2"/>
+          <p:cNvPr id="3" name="Content Placeholder 2"/>
           <p:cNvSpPr>
             <a:spLocks noGrp="1"/>
           </p:cNvSpPr>
@@ -3250,14 +3268,11 @@
             <p:ph sz="half" idx="1"/>
           </p:nvPr>
         </p:nvSpPr>
-        <p:spPr>
-          <a:xfrm>
-            <a:off x="457200" y="1600200"/>
-            <a:ext cx="4038600" cy="4525963"/>
-          </a:xfrm>
-        </p:spPr>
-        <p:txBody>
-          <a:bodyPr/>
+        <p:spPr/>
+        <p:txBody>
+          <a:bodyPr>
+            <a:normAutofit/>
+          </a:bodyPr>
           <a:lstStyle/>
           <a:p>
             <a:pPr marL="514350" indent="-514350">
@@ -3266,11 +3281,11 @@
             </a:pPr>
             <a:r>
               <a:rPr lang="nn-NO" dirty="0" smtClean="0"/>
-              <a:t>Høgreklikk i </a:t>
-            </a:r>
-            <a:r>
-              <a:rPr lang="nn-NO" dirty="0" err="1" smtClean="0"/>
-              <a:t>repositoriet</a:t>
+              <a:t>Høgreklikk på toppnivå av </a:t>
+            </a:r>
+            <a:r>
+              <a:rPr lang="nn-NO" dirty="0" err="1" smtClean="0"/>
+              <a:t>repository</a:t>
             </a:r>
             <a:r>
               <a:rPr lang="nn-NO" dirty="0" smtClean="0"/>
@@ -3290,11 +3305,11 @@
             </a:r>
             <a:r>
               <a:rPr lang="nn-NO" dirty="0" smtClean="0"/>
-              <a:t>-&gt; Switch/</a:t>
-            </a:r>
-            <a:r>
-              <a:rPr lang="nn-NO" dirty="0" err="1" smtClean="0"/>
-              <a:t>Checkout</a:t>
+              <a:t>-&gt;</a:t>
+            </a:r>
+            <a:r>
+              <a:rPr lang="nn-NO" dirty="0" err="1" smtClean="0"/>
+              <a:t>Merge</a:t>
             </a:r>
             <a:r>
               <a:rPr lang="nn-NO" dirty="0" smtClean="0"/>
@@ -3307,8 +3322,44 @@
               <a:buAutoNum type="arabicPeriod"/>
             </a:pPr>
             <a:r>
-              <a:rPr lang="nn-NO" dirty="0" smtClean="0"/>
-              <a:t>Tykk på ... ved sidan av Branch.</a:t>
+              <a:rPr lang="nn-NO" dirty="0" err="1" smtClean="0"/>
+              <a:t>Velg</a:t>
+            </a:r>
+            <a:r>
+              <a:rPr lang="nn-NO" dirty="0" smtClean="0"/>
+              <a:t> din </a:t>
+            </a:r>
+            <a:r>
+              <a:rPr lang="nn-NO" dirty="0" err="1" smtClean="0"/>
+              <a:t>branch</a:t>
+            </a:r>
+            <a:r>
+              <a:rPr lang="nn-NO" dirty="0" smtClean="0"/>
+              <a:t> under from. På </a:t>
+            </a:r>
+            <a:r>
+              <a:rPr lang="nn-NO" dirty="0" err="1" smtClean="0"/>
+              <a:t>Merge</a:t>
+            </a:r>
+            <a:r>
+              <a:rPr lang="nn-NO" dirty="0" smtClean="0"/>
+              <a:t> </a:t>
+            </a:r>
+            <a:r>
+              <a:rPr lang="nn-NO" dirty="0"/>
+              <a:t>M</a:t>
+            </a:r>
+            <a:r>
+              <a:rPr lang="nn-NO" dirty="0" smtClean="0"/>
+              <a:t>essage skriv du tekst tilsvarande dagens SVN-</a:t>
+            </a:r>
+            <a:r>
+              <a:rPr lang="nn-NO" dirty="0" err="1" smtClean="0"/>
+              <a:t>innsjekk</a:t>
+            </a:r>
+            <a:r>
+              <a:rPr lang="nn-NO" dirty="0" smtClean="0"/>
+              <a:t>.</a:t>
             </a:r>
           </a:p>
           <a:p>
@@ -3318,15 +3369,7 @@
             </a:pPr>
             <a:r>
               <a:rPr lang="nn-NO" dirty="0" smtClean="0"/>
-              <a:t>Høgreklikk på din </a:t>
-            </a:r>
-            <a:r>
-              <a:rPr lang="nn-NO" dirty="0" err="1" smtClean="0"/>
-              <a:t>branch</a:t>
-            </a:r>
-            <a:r>
-              <a:rPr lang="nn-NO" dirty="0" smtClean="0"/>
-              <a:t>, og slett.</a:t>
+              <a:t>Trykk OK. </a:t>
             </a:r>
             <a:endParaRPr lang="nn-NO" dirty="0"/>
           </a:p>
@@ -3334,7 +3377,7 @@
       </p:sp>
       <p:pic>
         <p:nvPicPr>
-          <p:cNvPr id="7170" name="Picture 2"/>
+          <p:cNvPr id="6146" name="Picture 2"/>
           <p:cNvPicPr>
             <a:picLocks noChangeAspect="1" noChangeArrowheads="1"/>
           </p:cNvPicPr>
@@ -3355,8 +3398,8 @@
         </p:blipFill>
         <p:spPr bwMode="auto">
           <a:xfrm>
-            <a:off x="6012160" y="1556792"/>
-            <a:ext cx="2865140" cy="2079128"/>
+            <a:off x="4716016" y="1844824"/>
+            <a:ext cx="4346648" cy="3336205"/>
           </a:xfrm>
           <a:prstGeom prst="rect">
             <a:avLst/>
@@ -3386,16 +3429,138 @@
           </a:extLst>
         </p:spPr>
       </p:pic>
+      <p:sp>
+        <p:nvSpPr>
+          <p:cNvPr id="6" name="Oval 5"/>
+          <p:cNvSpPr/>
+          <p:nvPr/>
+        </p:nvSpPr>
+        <p:spPr>
+          <a:xfrm>
+            <a:off x="5707036" y="2293964"/>
+            <a:ext cx="3024336" cy="288032"/>
+          </a:xfrm>
+          <a:prstGeom prst="ellipse">
+            <a:avLst/>
+          </a:prstGeom>
+          <a:noFill/>
+          <a:ln w="38100">
+            <a:solidFill>
+              <a:srgbClr val="FF0000"/>
+            </a:solidFill>
+          </a:ln>
+        </p:spPr>
+        <p:style>
+          <a:lnRef idx="2">
+            <a:schemeClr val="accent1">
+              <a:shade val="50000"/>
+            </a:schemeClr>
+          </a:lnRef>
+          <a:fillRef idx="1">
+            <a:schemeClr val="accent1"/>
+          </a:fillRef>
+          <a:effectRef idx="0">
+            <a:schemeClr val="accent1"/>
+          </a:effectRef>
+          <a:fontRef idx="minor">
+            <a:schemeClr val="lt1"/>
+          </a:fontRef>
+        </p:style>
+        <p:txBody>
+          <a:bodyPr rtlCol="0" anchor="ctr"/>
+          <a:lstStyle/>
+          <a:p>
+            <a:pPr algn="ctr"/>
+            <a:endParaRPr lang="nn-NO"/>
+          </a:p>
+        </p:txBody>
+      </p:sp>
+      <p:sp>
+        <p:nvSpPr>
+          <p:cNvPr id="7" name="Oval 6"/>
+          <p:cNvSpPr/>
+          <p:nvPr/>
+        </p:nvSpPr>
+        <p:spPr>
+          <a:xfrm>
+            <a:off x="5004048" y="3861048"/>
+            <a:ext cx="3727324" cy="792088"/>
+          </a:xfrm>
+          <a:prstGeom prst="ellipse">
+            <a:avLst/>
+          </a:prstGeom>
+          <a:noFill/>
+          <a:ln w="38100">
+            <a:solidFill>
+              <a:srgbClr val="FF0000"/>
+            </a:solidFill>
+          </a:ln>
+        </p:spPr>
+        <p:style>
+          <a:lnRef idx="2">
+            <a:schemeClr val="accent1">
+              <a:shade val="50000"/>
+            </a:schemeClr>
+          </a:lnRef>
+          <a:fillRef idx="1">
+            <a:schemeClr val="accent1"/>
+          </a:fillRef>
+          <a:effectRef idx="0">
+            <a:schemeClr val="accent1"/>
+          </a:effectRef>
+          <a:fontRef idx="minor">
+            <a:schemeClr val="lt1"/>
+          </a:fontRef>
+        </p:style>
+        <p:txBody>
+          <a:bodyPr rtlCol="0" anchor="ctr"/>
+          <a:lstStyle/>
+          <a:p>
+            <a:pPr algn="ctr"/>
+            <a:endParaRPr lang="nn-NO"/>
+          </a:p>
+        </p:txBody>
+      </p:sp>
+    </p:spTree>
+    <p:extLst>
+      <p:ext uri="{BB962C8B-B14F-4D97-AF65-F5344CB8AC3E}">
+        <p14:creationId xmlns:p14="http://schemas.microsoft.com/office/powerpoint/2010/main" val="1724476074"/>
+      </p:ext>
+    </p:extLst>
+  </p:cSld>
+  <p:clrMapOvr>
+    <a:masterClrMapping/>
+  </p:clrMapOvr>
+</p:sld>
+</file>
+
+<file path=ppt/slides/slide11.xml><?xml version="1.0" encoding="utf-8"?>
+<p:sld xmlns:a="http://schemas.openxmlformats.org/drawingml/2006/main" xmlns:r="http://schemas.openxmlformats.org/officeDocument/2006/relationships" xmlns:p="http://schemas.openxmlformats.org/presentationml/2006/main">
+  <p:cSld>
+    <p:spTree>
+      <p:nvGrpSpPr>
+        <p:cNvPr id="1" name=""/>
+        <p:cNvGrpSpPr/>
+        <p:nvPr/>
+      </p:nvGrpSpPr>
+      <p:grpSpPr>
+        <a:xfrm>
+          <a:off x="0" y="0"/>
+          <a:ext cx="0" cy="0"/>
+          <a:chOff x="0" y="0"/>
+          <a:chExt cx="0" cy="0"/>
+        </a:xfrm>
+      </p:grpSpPr>
       <p:pic>
         <p:nvPicPr>
-          <p:cNvPr id="7171" name="Picture 3"/>
+          <p:cNvPr id="4098" name="Picture 2"/>
           <p:cNvPicPr>
             <a:picLocks noChangeAspect="1" noChangeArrowheads="1"/>
           </p:cNvPicPr>
           <p:nvPr/>
         </p:nvPicPr>
         <p:blipFill>
-          <a:blip r:embed="rId3">
+          <a:blip r:embed="rId2">
             <a:extLst>
               <a:ext uri="{28A0092B-C50C-407E-A947-70E740481C1C}">
                 <a14:useLocalDpi xmlns:a14="http://schemas.microsoft.com/office/drawing/2010/main" val="0"/>
@@ -3409,8 +3574,8 @@
         </p:blipFill>
         <p:spPr bwMode="auto">
           <a:xfrm>
-            <a:off x="4788024" y="4061567"/>
-            <a:ext cx="4355976" cy="2720942"/>
+            <a:off x="4706491" y="2111672"/>
+            <a:ext cx="4513709" cy="3409691"/>
           </a:xfrm>
           <a:prstGeom prst="rect">
             <a:avLst/>
@@ -3440,6 +3605,1200 @@
           </a:extLst>
         </p:spPr>
       </p:pic>
+      <p:sp>
+        <p:nvSpPr>
+          <p:cNvPr id="2" name="Title 1"/>
+          <p:cNvSpPr>
+            <a:spLocks noGrp="1"/>
+          </p:cNvSpPr>
+          <p:nvPr>
+            <p:ph type="title"/>
+          </p:nvPr>
+        </p:nvSpPr>
+        <p:spPr/>
+        <p:txBody>
+          <a:bodyPr/>
+          <a:lstStyle/>
+          <a:p>
+            <a:r>
+              <a:rPr lang="nn-NO" dirty="0" smtClean="0"/>
+              <a:t>7.3 Pull frå sentral master</a:t>
+            </a:r>
+            <a:endParaRPr lang="nn-NO" dirty="0"/>
+          </a:p>
+        </p:txBody>
+      </p:sp>
+      <p:sp>
+        <p:nvSpPr>
+          <p:cNvPr id="3" name="Content Placeholder 2"/>
+          <p:cNvSpPr>
+            <a:spLocks noGrp="1"/>
+          </p:cNvSpPr>
+          <p:nvPr>
+            <p:ph sz="half" idx="1"/>
+          </p:nvPr>
+        </p:nvSpPr>
+        <p:spPr/>
+        <p:txBody>
+          <a:bodyPr>
+            <a:normAutofit fontScale="92500" lnSpcReduction="10000"/>
+          </a:bodyPr>
+          <a:lstStyle/>
+          <a:p>
+            <a:pPr marL="514350" indent="-514350">
+              <a:buFont typeface="+mj-lt"/>
+              <a:buAutoNum type="arabicPeriod"/>
+            </a:pPr>
+            <a:r>
+              <a:rPr lang="nn-NO" dirty="0" smtClean="0"/>
+              <a:t>Høgreklikk på toppnivå av </a:t>
+            </a:r>
+            <a:r>
+              <a:rPr lang="nn-NO" dirty="0" err="1" smtClean="0"/>
+              <a:t>repository</a:t>
+            </a:r>
+            <a:r>
+              <a:rPr lang="nn-NO" dirty="0" smtClean="0"/>
+              <a:t>, og </a:t>
+            </a:r>
+            <a:r>
+              <a:rPr lang="nn-NO" dirty="0" err="1" smtClean="0"/>
+              <a:t>velg</a:t>
+            </a:r>
+            <a:r>
+              <a:rPr lang="nn-NO" dirty="0" smtClean="0"/>
+              <a:t> </a:t>
+            </a:r>
+            <a:r>
+              <a:rPr lang="nn-NO" dirty="0" err="1" smtClean="0"/>
+              <a:t>Git</a:t>
+            </a:r>
+            <a:r>
+              <a:rPr lang="nn-NO" dirty="0" smtClean="0"/>
+              <a:t> </a:t>
+            </a:r>
+            <a:r>
+              <a:rPr lang="nn-NO" dirty="0" err="1" smtClean="0"/>
+              <a:t>Sync</a:t>
+            </a:r>
+            <a:r>
+              <a:rPr lang="nn-NO" dirty="0" smtClean="0"/>
+              <a:t>.</a:t>
+            </a:r>
+          </a:p>
+          <a:p>
+            <a:pPr marL="514350" indent="-514350">
+              <a:buFont typeface="+mj-lt"/>
+              <a:buAutoNum type="arabicPeriod"/>
+            </a:pPr>
+            <a:r>
+              <a:rPr lang="nn-NO" dirty="0" smtClean="0"/>
+              <a:t>Pass på at </a:t>
+            </a:r>
+            <a:r>
+              <a:rPr lang="nn-NO" dirty="0" err="1" smtClean="0"/>
+              <a:t>local</a:t>
+            </a:r>
+            <a:r>
+              <a:rPr lang="nn-NO" dirty="0" smtClean="0"/>
+              <a:t> og </a:t>
+            </a:r>
+            <a:r>
+              <a:rPr lang="nn-NO" dirty="0" err="1" smtClean="0"/>
+              <a:t>remote</a:t>
+            </a:r>
+            <a:r>
+              <a:rPr lang="nn-NO" dirty="0" smtClean="0"/>
+              <a:t> </a:t>
+            </a:r>
+            <a:r>
+              <a:rPr lang="nn-NO" dirty="0" err="1" smtClean="0"/>
+              <a:t>branch</a:t>
+            </a:r>
+            <a:r>
+              <a:rPr lang="nn-NO" dirty="0" smtClean="0"/>
+              <a:t> er lik.</a:t>
+            </a:r>
+          </a:p>
+          <a:p>
+            <a:pPr marL="514350" indent="-514350">
+              <a:buFont typeface="+mj-lt"/>
+              <a:buAutoNum type="arabicPeriod"/>
+            </a:pPr>
+            <a:r>
+              <a:rPr lang="nn-NO" dirty="0" err="1" smtClean="0"/>
+              <a:t>Velg</a:t>
+            </a:r>
+            <a:r>
+              <a:rPr lang="nn-NO" dirty="0" smtClean="0"/>
+              <a:t> </a:t>
+            </a:r>
+            <a:r>
+              <a:rPr lang="nn-NO" dirty="0" err="1" smtClean="0"/>
+              <a:t>upstream</a:t>
+            </a:r>
+            <a:r>
+              <a:rPr lang="nn-NO" dirty="0" smtClean="0"/>
+              <a:t> som </a:t>
+            </a:r>
+            <a:r>
+              <a:rPr lang="nn-NO" dirty="0" err="1" smtClean="0"/>
+              <a:t>remote</a:t>
+            </a:r>
+            <a:r>
+              <a:rPr lang="nn-NO" dirty="0" smtClean="0"/>
+              <a:t> URL (ikkje </a:t>
+            </a:r>
+            <a:r>
+              <a:rPr lang="nn-NO" dirty="0" err="1" smtClean="0"/>
+              <a:t>origin</a:t>
+            </a:r>
+            <a:r>
+              <a:rPr lang="nn-NO" dirty="0" smtClean="0"/>
+              <a:t>).</a:t>
+            </a:r>
+          </a:p>
+          <a:p>
+            <a:pPr marL="514350" indent="-514350">
+              <a:buFont typeface="+mj-lt"/>
+              <a:buAutoNum type="arabicPeriod"/>
+            </a:pPr>
+            <a:r>
+              <a:rPr lang="nn-NO" dirty="0" smtClean="0"/>
+              <a:t>Trykk Pull</a:t>
+            </a:r>
+            <a:r>
+              <a:rPr lang="nn-NO" dirty="0"/>
+              <a:t>. Det er no mulig du må løysa konfliktar</a:t>
+            </a:r>
+            <a:r>
+              <a:rPr lang="nn-NO" dirty="0" smtClean="0"/>
+              <a:t>.</a:t>
+            </a:r>
+            <a:endParaRPr lang="nn-NO" dirty="0"/>
+          </a:p>
+        </p:txBody>
+      </p:sp>
+      <p:sp>
+        <p:nvSpPr>
+          <p:cNvPr id="6" name="Oval 5"/>
+          <p:cNvSpPr/>
+          <p:nvPr/>
+        </p:nvSpPr>
+        <p:spPr>
+          <a:xfrm>
+            <a:off x="5253243" y="2436967"/>
+            <a:ext cx="696434" cy="281478"/>
+          </a:xfrm>
+          <a:prstGeom prst="ellipse">
+            <a:avLst/>
+          </a:prstGeom>
+          <a:noFill/>
+          <a:ln w="38100">
+            <a:solidFill>
+              <a:srgbClr val="21FF21"/>
+            </a:solidFill>
+          </a:ln>
+        </p:spPr>
+        <p:style>
+          <a:lnRef idx="2">
+            <a:schemeClr val="accent1">
+              <a:shade val="50000"/>
+            </a:schemeClr>
+          </a:lnRef>
+          <a:fillRef idx="1">
+            <a:schemeClr val="accent1"/>
+          </a:fillRef>
+          <a:effectRef idx="0">
+            <a:schemeClr val="accent1"/>
+          </a:effectRef>
+          <a:fontRef idx="minor">
+            <a:schemeClr val="lt1"/>
+          </a:fontRef>
+        </p:style>
+        <p:txBody>
+          <a:bodyPr rtlCol="0" anchor="ctr"/>
+          <a:lstStyle/>
+          <a:p>
+            <a:pPr algn="ctr"/>
+            <a:endParaRPr lang="nn-NO"/>
+          </a:p>
+        </p:txBody>
+      </p:sp>
+      <p:sp>
+        <p:nvSpPr>
+          <p:cNvPr id="5" name="TextBox 4"/>
+          <p:cNvSpPr txBox="1"/>
+          <p:nvPr/>
+        </p:nvSpPr>
+        <p:spPr>
+          <a:xfrm>
+            <a:off x="6236211" y="1541974"/>
+            <a:ext cx="1277979" cy="369332"/>
+          </a:xfrm>
+          <a:prstGeom prst="rect">
+            <a:avLst/>
+          </a:prstGeom>
+          <a:noFill/>
+        </p:spPr>
+        <p:txBody>
+          <a:bodyPr wrap="none" rtlCol="0">
+            <a:spAutoFit/>
+          </a:bodyPr>
+          <a:lstStyle/>
+          <a:p>
+            <a:r>
+              <a:rPr lang="nn-NO" dirty="0" smtClean="0"/>
+              <a:t>Sjekk at like</a:t>
+            </a:r>
+            <a:endParaRPr lang="nn-NO" dirty="0"/>
+          </a:p>
+        </p:txBody>
+      </p:sp>
+      <p:cxnSp>
+        <p:nvCxnSpPr>
+          <p:cNvPr id="9" name="Straight Arrow Connector 8"/>
+          <p:cNvCxnSpPr/>
+          <p:nvPr/>
+        </p:nvCxnSpPr>
+        <p:spPr>
+          <a:xfrm flipH="1">
+            <a:off x="5868144" y="1911306"/>
+            <a:ext cx="576064" cy="509582"/>
+          </a:xfrm>
+          <a:prstGeom prst="straightConnector1">
+            <a:avLst/>
+          </a:prstGeom>
+          <a:ln w="38100">
+            <a:solidFill>
+              <a:schemeClr val="tx1"/>
+            </a:solidFill>
+            <a:tailEnd type="arrow"/>
+          </a:ln>
+        </p:spPr>
+        <p:style>
+          <a:lnRef idx="1">
+            <a:schemeClr val="accent1"/>
+          </a:lnRef>
+          <a:fillRef idx="0">
+            <a:schemeClr val="accent1"/>
+          </a:fillRef>
+          <a:effectRef idx="0">
+            <a:schemeClr val="accent1"/>
+          </a:effectRef>
+          <a:fontRef idx="minor">
+            <a:schemeClr val="tx1"/>
+          </a:fontRef>
+        </p:style>
+      </p:cxnSp>
+      <p:cxnSp>
+        <p:nvCxnSpPr>
+          <p:cNvPr id="12" name="Straight Arrow Connector 11"/>
+          <p:cNvCxnSpPr/>
+          <p:nvPr/>
+        </p:nvCxnSpPr>
+        <p:spPr>
+          <a:xfrm>
+            <a:off x="7236296" y="1916832"/>
+            <a:ext cx="144016" cy="432048"/>
+          </a:xfrm>
+          <a:prstGeom prst="straightConnector1">
+            <a:avLst/>
+          </a:prstGeom>
+          <a:ln w="38100">
+            <a:solidFill>
+              <a:schemeClr val="tx1"/>
+            </a:solidFill>
+            <a:tailEnd type="arrow"/>
+          </a:ln>
+        </p:spPr>
+        <p:style>
+          <a:lnRef idx="1">
+            <a:schemeClr val="accent1"/>
+          </a:lnRef>
+          <a:fillRef idx="0">
+            <a:schemeClr val="accent1"/>
+          </a:fillRef>
+          <a:effectRef idx="0">
+            <a:schemeClr val="accent1"/>
+          </a:effectRef>
+          <a:fontRef idx="minor">
+            <a:schemeClr val="tx1"/>
+          </a:fontRef>
+        </p:style>
+      </p:cxnSp>
+      <p:sp>
+        <p:nvSpPr>
+          <p:cNvPr id="14" name="Oval 13"/>
+          <p:cNvSpPr/>
+          <p:nvPr/>
+        </p:nvSpPr>
+        <p:spPr>
+          <a:xfrm>
+            <a:off x="4656177" y="4852068"/>
+            <a:ext cx="929081" cy="288032"/>
+          </a:xfrm>
+          <a:prstGeom prst="ellipse">
+            <a:avLst/>
+          </a:prstGeom>
+          <a:noFill/>
+          <a:ln w="38100">
+            <a:solidFill>
+              <a:srgbClr val="FF0000"/>
+            </a:solidFill>
+          </a:ln>
+        </p:spPr>
+        <p:style>
+          <a:lnRef idx="2">
+            <a:schemeClr val="accent1">
+              <a:shade val="50000"/>
+            </a:schemeClr>
+          </a:lnRef>
+          <a:fillRef idx="1">
+            <a:schemeClr val="accent1"/>
+          </a:fillRef>
+          <a:effectRef idx="0">
+            <a:schemeClr val="accent1"/>
+          </a:effectRef>
+          <a:fontRef idx="minor">
+            <a:schemeClr val="lt1"/>
+          </a:fontRef>
+        </p:style>
+        <p:txBody>
+          <a:bodyPr rtlCol="0" anchor="ctr"/>
+          <a:lstStyle/>
+          <a:p>
+            <a:pPr algn="ctr"/>
+            <a:endParaRPr lang="nn-NO"/>
+          </a:p>
+        </p:txBody>
+      </p:sp>
+      <p:sp>
+        <p:nvSpPr>
+          <p:cNvPr id="13" name="Oval 12"/>
+          <p:cNvSpPr/>
+          <p:nvPr/>
+        </p:nvSpPr>
+        <p:spPr>
+          <a:xfrm>
+            <a:off x="7259942" y="2420888"/>
+            <a:ext cx="696434" cy="281478"/>
+          </a:xfrm>
+          <a:prstGeom prst="ellipse">
+            <a:avLst/>
+          </a:prstGeom>
+          <a:noFill/>
+          <a:ln w="38100">
+            <a:solidFill>
+              <a:srgbClr val="21FF21"/>
+            </a:solidFill>
+          </a:ln>
+        </p:spPr>
+        <p:style>
+          <a:lnRef idx="2">
+            <a:schemeClr val="accent1">
+              <a:shade val="50000"/>
+            </a:schemeClr>
+          </a:lnRef>
+          <a:fillRef idx="1">
+            <a:schemeClr val="accent1"/>
+          </a:fillRef>
+          <a:effectRef idx="0">
+            <a:schemeClr val="accent1"/>
+          </a:effectRef>
+          <a:fontRef idx="minor">
+            <a:schemeClr val="lt1"/>
+          </a:fontRef>
+        </p:style>
+        <p:txBody>
+          <a:bodyPr rtlCol="0" anchor="ctr"/>
+          <a:lstStyle/>
+          <a:p>
+            <a:pPr algn="ctr"/>
+            <a:endParaRPr lang="nn-NO"/>
+          </a:p>
+        </p:txBody>
+      </p:sp>
+      <p:sp>
+        <p:nvSpPr>
+          <p:cNvPr id="15" name="Oval 14"/>
+          <p:cNvSpPr/>
+          <p:nvPr/>
+        </p:nvSpPr>
+        <p:spPr>
+          <a:xfrm>
+            <a:off x="5371111" y="2718444"/>
+            <a:ext cx="785065" cy="206499"/>
+          </a:xfrm>
+          <a:prstGeom prst="ellipse">
+            <a:avLst/>
+          </a:prstGeom>
+          <a:noFill/>
+          <a:ln w="38100">
+            <a:solidFill>
+              <a:srgbClr val="FF0000"/>
+            </a:solidFill>
+          </a:ln>
+        </p:spPr>
+        <p:style>
+          <a:lnRef idx="2">
+            <a:schemeClr val="accent1">
+              <a:shade val="50000"/>
+            </a:schemeClr>
+          </a:lnRef>
+          <a:fillRef idx="1">
+            <a:schemeClr val="accent1"/>
+          </a:fillRef>
+          <a:effectRef idx="0">
+            <a:schemeClr val="accent1"/>
+          </a:effectRef>
+          <a:fontRef idx="minor">
+            <a:schemeClr val="lt1"/>
+          </a:fontRef>
+        </p:style>
+        <p:txBody>
+          <a:bodyPr rtlCol="0" anchor="ctr"/>
+          <a:lstStyle/>
+          <a:p>
+            <a:pPr algn="ctr"/>
+            <a:endParaRPr lang="nn-NO"/>
+          </a:p>
+        </p:txBody>
+      </p:sp>
+    </p:spTree>
+    <p:extLst>
+      <p:ext uri="{BB962C8B-B14F-4D97-AF65-F5344CB8AC3E}">
+        <p14:creationId xmlns:p14="http://schemas.microsoft.com/office/powerpoint/2010/main" val="3098394504"/>
+      </p:ext>
+    </p:extLst>
+  </p:cSld>
+  <p:clrMapOvr>
+    <a:masterClrMapping/>
+  </p:clrMapOvr>
+</p:sld>
+</file>
+
+<file path=ppt/slides/slide12.xml><?xml version="1.0" encoding="utf-8"?>
+<p:sld xmlns:a="http://schemas.openxmlformats.org/drawingml/2006/main" xmlns:r="http://schemas.openxmlformats.org/officeDocument/2006/relationships" xmlns:p="http://schemas.openxmlformats.org/presentationml/2006/main">
+  <p:cSld>
+    <p:spTree>
+      <p:nvGrpSpPr>
+        <p:cNvPr id="1" name=""/>
+        <p:cNvGrpSpPr/>
+        <p:nvPr/>
+      </p:nvGrpSpPr>
+      <p:grpSpPr>
+        <a:xfrm>
+          <a:off x="0" y="0"/>
+          <a:ext cx="0" cy="0"/>
+          <a:chOff x="0" y="0"/>
+          <a:chExt cx="0" cy="0"/>
+        </a:xfrm>
+      </p:grpSpPr>
+      <p:sp>
+        <p:nvSpPr>
+          <p:cNvPr id="2" name="Title 1"/>
+          <p:cNvSpPr>
+            <a:spLocks noGrp="1"/>
+          </p:cNvSpPr>
+          <p:nvPr>
+            <p:ph type="title"/>
+          </p:nvPr>
+        </p:nvSpPr>
+        <p:spPr/>
+        <p:txBody>
+          <a:bodyPr/>
+          <a:lstStyle/>
+          <a:p>
+            <a:r>
+              <a:rPr lang="nn-NO" dirty="0" smtClean="0"/>
+              <a:t>7.6 Push til sentral master</a:t>
+            </a:r>
+            <a:endParaRPr lang="nn-NO" dirty="0"/>
+          </a:p>
+        </p:txBody>
+      </p:sp>
+      <p:sp>
+        <p:nvSpPr>
+          <p:cNvPr id="3" name="Content Placeholder 2"/>
+          <p:cNvSpPr>
+            <a:spLocks noGrp="1"/>
+          </p:cNvSpPr>
+          <p:nvPr>
+            <p:ph sz="half" idx="1"/>
+          </p:nvPr>
+        </p:nvSpPr>
+        <p:spPr/>
+        <p:txBody>
+          <a:bodyPr>
+            <a:normAutofit fontScale="92500" lnSpcReduction="10000"/>
+          </a:bodyPr>
+          <a:lstStyle/>
+          <a:p>
+            <a:pPr marL="514350" indent="-514350">
+              <a:buFont typeface="+mj-lt"/>
+              <a:buAutoNum type="arabicPeriod"/>
+            </a:pPr>
+            <a:r>
+              <a:rPr lang="nn-NO" dirty="0" smtClean="0"/>
+              <a:t>Pass på at koden din går gjennom testsuiten.</a:t>
+            </a:r>
+          </a:p>
+          <a:p>
+            <a:pPr marL="514350" indent="-514350">
+              <a:buFont typeface="+mj-lt"/>
+              <a:buAutoNum type="arabicPeriod"/>
+            </a:pPr>
+            <a:r>
+              <a:rPr lang="nn-NO" dirty="0" smtClean="0"/>
+              <a:t>Høgreklikk på toppnivå, </a:t>
+            </a:r>
+            <a:r>
+              <a:rPr lang="nn-NO" dirty="0" err="1" smtClean="0"/>
+              <a:t>velg</a:t>
+            </a:r>
+            <a:r>
+              <a:rPr lang="nn-NO" dirty="0" smtClean="0"/>
+              <a:t> </a:t>
+            </a:r>
+            <a:r>
+              <a:rPr lang="nn-NO" dirty="0" err="1" smtClean="0"/>
+              <a:t>Git</a:t>
+            </a:r>
+            <a:r>
+              <a:rPr lang="nn-NO" dirty="0" smtClean="0"/>
+              <a:t> </a:t>
+            </a:r>
+            <a:r>
+              <a:rPr lang="nn-NO" dirty="0" err="1" smtClean="0"/>
+              <a:t>Sync</a:t>
+            </a:r>
+            <a:r>
+              <a:rPr lang="nn-NO" dirty="0" smtClean="0"/>
+              <a:t>.</a:t>
+            </a:r>
+          </a:p>
+          <a:p>
+            <a:pPr marL="514350" indent="-514350">
+              <a:buFont typeface="+mj-lt"/>
+              <a:buAutoNum type="arabicPeriod"/>
+            </a:pPr>
+            <a:r>
+              <a:rPr lang="nn-NO" dirty="0" smtClean="0"/>
+              <a:t>Sjekk at </a:t>
+            </a:r>
+            <a:r>
+              <a:rPr lang="nn-NO" dirty="0" err="1" smtClean="0"/>
+              <a:t>branch</a:t>
+            </a:r>
+            <a:r>
+              <a:rPr lang="nn-NO" dirty="0" smtClean="0"/>
+              <a:t> er lik.</a:t>
+            </a:r>
+          </a:p>
+          <a:p>
+            <a:pPr marL="514350" indent="-514350">
+              <a:buFont typeface="+mj-lt"/>
+              <a:buAutoNum type="arabicPeriod"/>
+            </a:pPr>
+            <a:r>
+              <a:rPr lang="nn-NO" dirty="0" smtClean="0"/>
+              <a:t>Trykk Push.</a:t>
+            </a:r>
+          </a:p>
+          <a:p>
+            <a:pPr marL="514350" indent="-514350">
+              <a:buFont typeface="+mj-lt"/>
+              <a:buAutoNum type="arabicPeriod"/>
+            </a:pPr>
+            <a:r>
+              <a:rPr lang="nn-NO" dirty="0" smtClean="0"/>
+              <a:t>Dette </a:t>
+            </a:r>
+            <a:r>
+              <a:rPr lang="nn-NO" dirty="0" err="1" smtClean="0"/>
+              <a:t>tilsvarar</a:t>
+            </a:r>
+            <a:r>
+              <a:rPr lang="nn-NO" dirty="0" smtClean="0"/>
+              <a:t> SVN </a:t>
+            </a:r>
+            <a:r>
+              <a:rPr lang="nn-NO" dirty="0" err="1" smtClean="0"/>
+              <a:t>commit</a:t>
+            </a:r>
+            <a:r>
+              <a:rPr lang="nn-NO" dirty="0" smtClean="0"/>
+              <a:t>, og er einaste operasjon der du kan skapa problem for andre.</a:t>
+            </a:r>
+          </a:p>
+          <a:p>
+            <a:pPr marL="514350" indent="-514350">
+              <a:buFont typeface="+mj-lt"/>
+              <a:buAutoNum type="arabicPeriod"/>
+            </a:pPr>
+            <a:endParaRPr lang="nn-NO" dirty="0" smtClean="0"/>
+          </a:p>
+          <a:p>
+            <a:pPr marL="514350" indent="-514350">
+              <a:buFont typeface="+mj-lt"/>
+              <a:buAutoNum type="arabicPeriod"/>
+            </a:pPr>
+            <a:endParaRPr lang="nn-NO" dirty="0"/>
+          </a:p>
+        </p:txBody>
+      </p:sp>
+      <p:pic>
+        <p:nvPicPr>
+          <p:cNvPr id="6" name="Picture 2"/>
+          <p:cNvPicPr>
+            <a:picLocks noChangeAspect="1" noChangeArrowheads="1"/>
+          </p:cNvPicPr>
+          <p:nvPr/>
+        </p:nvPicPr>
+        <p:blipFill>
+          <a:blip r:embed="rId2">
+            <a:extLst>
+              <a:ext uri="{28A0092B-C50C-407E-A947-70E740481C1C}">
+                <a14:useLocalDpi xmlns:a14="http://schemas.microsoft.com/office/drawing/2010/main" val="0"/>
+              </a:ext>
+            </a:extLst>
+          </a:blip>
+          <a:srcRect/>
+          <a:stretch>
+            <a:fillRect/>
+          </a:stretch>
+        </p:blipFill>
+        <p:spPr bwMode="auto">
+          <a:xfrm>
+            <a:off x="4659723" y="2132856"/>
+            <a:ext cx="4480198" cy="3384376"/>
+          </a:xfrm>
+          <a:prstGeom prst="rect">
+            <a:avLst/>
+          </a:prstGeom>
+          <a:noFill/>
+          <a:ln>
+            <a:noFill/>
+          </a:ln>
+          <a:extLst>
+            <a:ext uri="{909E8E84-426E-40DD-AFC4-6F175D3DCCD1}">
+              <a14:hiddenFill xmlns:a14="http://schemas.microsoft.com/office/drawing/2010/main">
+                <a:solidFill>
+                  <a:schemeClr val="accent1"/>
+                </a:solidFill>
+              </a14:hiddenFill>
+            </a:ext>
+            <a:ext uri="{91240B29-F687-4F45-9708-019B960494DF}">
+              <a14:hiddenLine xmlns:a14="http://schemas.microsoft.com/office/drawing/2010/main" w="9525">
+                <a:solidFill>
+                  <a:schemeClr val="tx1"/>
+                </a:solidFill>
+                <a:miter lim="800000"/>
+                <a:headEnd/>
+                <a:tailEnd/>
+              </a14:hiddenLine>
+            </a:ext>
+          </a:extLst>
+        </p:spPr>
+      </p:pic>
+      <p:sp>
+        <p:nvSpPr>
+          <p:cNvPr id="7" name="Oval 6"/>
+          <p:cNvSpPr/>
+          <p:nvPr/>
+        </p:nvSpPr>
+        <p:spPr>
+          <a:xfrm>
+            <a:off x="5243718" y="2427442"/>
+            <a:ext cx="1056474" cy="360040"/>
+          </a:xfrm>
+          <a:prstGeom prst="ellipse">
+            <a:avLst/>
+          </a:prstGeom>
+          <a:noFill/>
+          <a:ln w="38100">
+            <a:solidFill>
+              <a:srgbClr val="21FF21"/>
+            </a:solidFill>
+          </a:ln>
+        </p:spPr>
+        <p:style>
+          <a:lnRef idx="2">
+            <a:schemeClr val="accent1">
+              <a:shade val="50000"/>
+            </a:schemeClr>
+          </a:lnRef>
+          <a:fillRef idx="1">
+            <a:schemeClr val="accent1"/>
+          </a:fillRef>
+          <a:effectRef idx="0">
+            <a:schemeClr val="accent1"/>
+          </a:effectRef>
+          <a:fontRef idx="minor">
+            <a:schemeClr val="lt1"/>
+          </a:fontRef>
+        </p:style>
+        <p:txBody>
+          <a:bodyPr rtlCol="0" anchor="ctr"/>
+          <a:lstStyle/>
+          <a:p>
+            <a:pPr algn="ctr"/>
+            <a:endParaRPr lang="nn-NO"/>
+          </a:p>
+        </p:txBody>
+      </p:sp>
+      <p:sp>
+        <p:nvSpPr>
+          <p:cNvPr id="8" name="Oval 7"/>
+          <p:cNvSpPr/>
+          <p:nvPr/>
+        </p:nvSpPr>
+        <p:spPr>
+          <a:xfrm>
+            <a:off x="7020272" y="2427442"/>
+            <a:ext cx="1056474" cy="360040"/>
+          </a:xfrm>
+          <a:prstGeom prst="ellipse">
+            <a:avLst/>
+          </a:prstGeom>
+          <a:noFill/>
+          <a:ln w="38100">
+            <a:solidFill>
+              <a:srgbClr val="21FF21"/>
+            </a:solidFill>
+          </a:ln>
+        </p:spPr>
+        <p:style>
+          <a:lnRef idx="2">
+            <a:schemeClr val="accent1">
+              <a:shade val="50000"/>
+            </a:schemeClr>
+          </a:lnRef>
+          <a:fillRef idx="1">
+            <a:schemeClr val="accent1"/>
+          </a:fillRef>
+          <a:effectRef idx="0">
+            <a:schemeClr val="accent1"/>
+          </a:effectRef>
+          <a:fontRef idx="minor">
+            <a:schemeClr val="lt1"/>
+          </a:fontRef>
+        </p:style>
+        <p:txBody>
+          <a:bodyPr rtlCol="0" anchor="ctr"/>
+          <a:lstStyle/>
+          <a:p>
+            <a:pPr algn="ctr"/>
+            <a:endParaRPr lang="nn-NO"/>
+          </a:p>
+        </p:txBody>
+      </p:sp>
+      <p:sp>
+        <p:nvSpPr>
+          <p:cNvPr id="9" name="TextBox 8"/>
+          <p:cNvSpPr txBox="1"/>
+          <p:nvPr/>
+        </p:nvSpPr>
+        <p:spPr>
+          <a:xfrm>
+            <a:off x="6236211" y="1541974"/>
+            <a:ext cx="1277979" cy="369332"/>
+          </a:xfrm>
+          <a:prstGeom prst="rect">
+            <a:avLst/>
+          </a:prstGeom>
+          <a:noFill/>
+        </p:spPr>
+        <p:txBody>
+          <a:bodyPr wrap="none" rtlCol="0">
+            <a:spAutoFit/>
+          </a:bodyPr>
+          <a:lstStyle/>
+          <a:p>
+            <a:r>
+              <a:rPr lang="nn-NO" dirty="0" smtClean="0"/>
+              <a:t>Sjekk at like</a:t>
+            </a:r>
+            <a:endParaRPr lang="nn-NO" dirty="0"/>
+          </a:p>
+        </p:txBody>
+      </p:sp>
+      <p:cxnSp>
+        <p:nvCxnSpPr>
+          <p:cNvPr id="10" name="Straight Arrow Connector 9"/>
+          <p:cNvCxnSpPr/>
+          <p:nvPr/>
+        </p:nvCxnSpPr>
+        <p:spPr>
+          <a:xfrm flipH="1">
+            <a:off x="6084168" y="1911306"/>
+            <a:ext cx="360040" cy="516136"/>
+          </a:xfrm>
+          <a:prstGeom prst="straightConnector1">
+            <a:avLst/>
+          </a:prstGeom>
+          <a:ln w="38100">
+            <a:solidFill>
+              <a:schemeClr val="tx1"/>
+            </a:solidFill>
+            <a:tailEnd type="arrow"/>
+          </a:ln>
+        </p:spPr>
+        <p:style>
+          <a:lnRef idx="1">
+            <a:schemeClr val="accent1"/>
+          </a:lnRef>
+          <a:fillRef idx="0">
+            <a:schemeClr val="accent1"/>
+          </a:fillRef>
+          <a:effectRef idx="0">
+            <a:schemeClr val="accent1"/>
+          </a:effectRef>
+          <a:fontRef idx="minor">
+            <a:schemeClr val="tx1"/>
+          </a:fontRef>
+        </p:style>
+      </p:cxnSp>
+      <p:cxnSp>
+        <p:nvCxnSpPr>
+          <p:cNvPr id="11" name="Straight Arrow Connector 10"/>
+          <p:cNvCxnSpPr/>
+          <p:nvPr/>
+        </p:nvCxnSpPr>
+        <p:spPr>
+          <a:xfrm>
+            <a:off x="7236296" y="1916832"/>
+            <a:ext cx="72008" cy="516136"/>
+          </a:xfrm>
+          <a:prstGeom prst="straightConnector1">
+            <a:avLst/>
+          </a:prstGeom>
+          <a:ln w="38100">
+            <a:solidFill>
+              <a:schemeClr val="tx1"/>
+            </a:solidFill>
+            <a:tailEnd type="arrow"/>
+          </a:ln>
+        </p:spPr>
+        <p:style>
+          <a:lnRef idx="1">
+            <a:schemeClr val="accent1"/>
+          </a:lnRef>
+          <a:fillRef idx="0">
+            <a:schemeClr val="accent1"/>
+          </a:fillRef>
+          <a:effectRef idx="0">
+            <a:schemeClr val="accent1"/>
+          </a:effectRef>
+          <a:fontRef idx="minor">
+            <a:schemeClr val="tx1"/>
+          </a:fontRef>
+        </p:style>
+      </p:cxnSp>
+      <p:sp>
+        <p:nvSpPr>
+          <p:cNvPr id="12" name="Oval 11"/>
+          <p:cNvSpPr/>
+          <p:nvPr/>
+        </p:nvSpPr>
+        <p:spPr>
+          <a:xfrm>
+            <a:off x="5585258" y="4850125"/>
+            <a:ext cx="929081" cy="288032"/>
+          </a:xfrm>
+          <a:prstGeom prst="ellipse">
+            <a:avLst/>
+          </a:prstGeom>
+          <a:noFill/>
+          <a:ln w="38100">
+            <a:solidFill>
+              <a:srgbClr val="FF0000"/>
+            </a:solidFill>
+          </a:ln>
+        </p:spPr>
+        <p:style>
+          <a:lnRef idx="2">
+            <a:schemeClr val="accent1">
+              <a:shade val="50000"/>
+            </a:schemeClr>
+          </a:lnRef>
+          <a:fillRef idx="1">
+            <a:schemeClr val="accent1"/>
+          </a:fillRef>
+          <a:effectRef idx="0">
+            <a:schemeClr val="accent1"/>
+          </a:effectRef>
+          <a:fontRef idx="minor">
+            <a:schemeClr val="lt1"/>
+          </a:fontRef>
+        </p:style>
+        <p:txBody>
+          <a:bodyPr rtlCol="0" anchor="ctr"/>
+          <a:lstStyle/>
+          <a:p>
+            <a:pPr algn="ctr"/>
+            <a:endParaRPr lang="nn-NO"/>
+          </a:p>
+        </p:txBody>
+      </p:sp>
+    </p:spTree>
+    <p:extLst>
+      <p:ext uri="{BB962C8B-B14F-4D97-AF65-F5344CB8AC3E}">
+        <p14:creationId xmlns:p14="http://schemas.microsoft.com/office/powerpoint/2010/main" val="3935319813"/>
+      </p:ext>
+    </p:extLst>
+  </p:cSld>
+  <p:clrMapOvr>
+    <a:masterClrMapping/>
+  </p:clrMapOvr>
+</p:sld>
+</file>
+
+<file path=ppt/slides/slide13.xml><?xml version="1.0" encoding="utf-8"?>
+<p:sld xmlns:a="http://schemas.openxmlformats.org/drawingml/2006/main" xmlns:r="http://schemas.openxmlformats.org/officeDocument/2006/relationships" xmlns:p="http://schemas.openxmlformats.org/presentationml/2006/main">
+  <p:cSld>
+    <p:spTree>
+      <p:nvGrpSpPr>
+        <p:cNvPr id="1" name=""/>
+        <p:cNvGrpSpPr/>
+        <p:nvPr/>
+      </p:nvGrpSpPr>
+      <p:grpSpPr>
+        <a:xfrm>
+          <a:off x="0" y="0"/>
+          <a:ext cx="0" cy="0"/>
+          <a:chOff x="0" y="0"/>
+          <a:chExt cx="0" cy="0"/>
+        </a:xfrm>
+      </p:grpSpPr>
+      <p:sp>
+        <p:nvSpPr>
+          <p:cNvPr id="2" name="Title 1"/>
+          <p:cNvSpPr>
+            <a:spLocks noGrp="1"/>
+          </p:cNvSpPr>
+          <p:nvPr>
+            <p:ph type="title"/>
+          </p:nvPr>
+        </p:nvSpPr>
+        <p:spPr/>
+        <p:txBody>
+          <a:bodyPr/>
+          <a:lstStyle/>
+          <a:p>
+            <a:r>
+              <a:rPr lang="nn-NO" dirty="0" smtClean="0"/>
+              <a:t>7.7 Slett </a:t>
+            </a:r>
+            <a:r>
+              <a:rPr lang="nn-NO" dirty="0" err="1" smtClean="0"/>
+              <a:t>branch</a:t>
+            </a:r>
+            <a:endParaRPr lang="nn-NO" dirty="0"/>
+          </a:p>
+        </p:txBody>
+      </p:sp>
+      <p:sp>
+        <p:nvSpPr>
+          <p:cNvPr id="5" name="Content Placeholder 2"/>
+          <p:cNvSpPr>
+            <a:spLocks noGrp="1"/>
+          </p:cNvSpPr>
+          <p:nvPr>
+            <p:ph sz="half" idx="1"/>
+          </p:nvPr>
+        </p:nvSpPr>
+        <p:spPr>
+          <a:xfrm>
+            <a:off x="457200" y="1600200"/>
+            <a:ext cx="4038600" cy="4525963"/>
+          </a:xfrm>
+        </p:spPr>
+        <p:txBody>
+          <a:bodyPr/>
+          <a:lstStyle/>
+          <a:p>
+            <a:pPr marL="514350" indent="-514350">
+              <a:buFont typeface="+mj-lt"/>
+              <a:buAutoNum type="arabicPeriod"/>
+            </a:pPr>
+            <a:r>
+              <a:rPr lang="nn-NO" dirty="0" smtClean="0"/>
+              <a:t>Høgreklikk i </a:t>
+            </a:r>
+            <a:r>
+              <a:rPr lang="nn-NO" dirty="0" err="1" smtClean="0"/>
+              <a:t>repositoriet</a:t>
+            </a:r>
+            <a:r>
+              <a:rPr lang="nn-NO" dirty="0" smtClean="0"/>
+              <a:t>, og </a:t>
+            </a:r>
+            <a:r>
+              <a:rPr lang="nn-NO" dirty="0" err="1" smtClean="0"/>
+              <a:t>velg</a:t>
+            </a:r>
+            <a:r>
+              <a:rPr lang="nn-NO" dirty="0" smtClean="0"/>
+              <a:t> </a:t>
+            </a:r>
+            <a:r>
+              <a:rPr lang="nn-NO" dirty="0" err="1" smtClean="0"/>
+              <a:t>TortoiseGit</a:t>
+            </a:r>
+            <a:r>
+              <a:rPr lang="nn-NO" dirty="0" smtClean="0"/>
+              <a:t>-&gt; Switch/</a:t>
+            </a:r>
+            <a:r>
+              <a:rPr lang="nn-NO" dirty="0" err="1" smtClean="0"/>
+              <a:t>Checkout</a:t>
+            </a:r>
+            <a:r>
+              <a:rPr lang="nn-NO" dirty="0" smtClean="0"/>
+              <a:t>.</a:t>
+            </a:r>
+          </a:p>
+          <a:p>
+            <a:pPr marL="514350" indent="-514350">
+              <a:buFont typeface="+mj-lt"/>
+              <a:buAutoNum type="arabicPeriod"/>
+            </a:pPr>
+            <a:r>
+              <a:rPr lang="nn-NO" dirty="0" smtClean="0"/>
+              <a:t>Tykk på ... ved sidan av Branch.</a:t>
+            </a:r>
+          </a:p>
+          <a:p>
+            <a:pPr marL="514350" indent="-514350">
+              <a:buFont typeface="+mj-lt"/>
+              <a:buAutoNum type="arabicPeriod"/>
+            </a:pPr>
+            <a:r>
+              <a:rPr lang="nn-NO" dirty="0" smtClean="0"/>
+              <a:t>Høgreklikk på din </a:t>
+            </a:r>
+            <a:r>
+              <a:rPr lang="nn-NO" dirty="0" err="1" smtClean="0"/>
+              <a:t>branch</a:t>
+            </a:r>
+            <a:r>
+              <a:rPr lang="nn-NO" dirty="0" smtClean="0"/>
+              <a:t>, og slett.</a:t>
+            </a:r>
+            <a:endParaRPr lang="nn-NO" dirty="0"/>
+          </a:p>
+        </p:txBody>
+      </p:sp>
+      <p:pic>
+        <p:nvPicPr>
+          <p:cNvPr id="7170" name="Picture 2"/>
+          <p:cNvPicPr>
+            <a:picLocks noChangeAspect="1" noChangeArrowheads="1"/>
+          </p:cNvPicPr>
+          <p:nvPr/>
+        </p:nvPicPr>
+        <p:blipFill>
+          <a:blip r:embed="rId2">
+            <a:extLst>
+              <a:ext uri="{28A0092B-C50C-407E-A947-70E740481C1C}">
+                <a14:useLocalDpi xmlns:a14="http://schemas.microsoft.com/office/drawing/2010/main" val="0"/>
+              </a:ext>
+            </a:extLst>
+          </a:blip>
+          <a:srcRect/>
+          <a:stretch>
+            <a:fillRect/>
+          </a:stretch>
+        </p:blipFill>
+        <p:spPr bwMode="auto">
+          <a:xfrm>
+            <a:off x="6012160" y="1556792"/>
+            <a:ext cx="2865140" cy="2079128"/>
+          </a:xfrm>
+          <a:prstGeom prst="rect">
+            <a:avLst/>
+          </a:prstGeom>
+          <a:noFill/>
+          <a:ln>
+            <a:noFill/>
+          </a:ln>
+          <a:extLst>
+            <a:ext uri="{909E8E84-426E-40DD-AFC4-6F175D3DCCD1}">
+              <a14:hiddenFill xmlns:a14="http://schemas.microsoft.com/office/drawing/2010/main">
+                <a:solidFill>
+                  <a:schemeClr val="accent1"/>
+                </a:solidFill>
+              </a14:hiddenFill>
+            </a:ext>
+            <a:ext uri="{91240B29-F687-4F45-9708-019B960494DF}">
+              <a14:hiddenLine xmlns:a14="http://schemas.microsoft.com/office/drawing/2010/main" w="9525">
+                <a:solidFill>
+                  <a:schemeClr val="tx1"/>
+                </a:solidFill>
+                <a:miter lim="800000"/>
+                <a:headEnd/>
+                <a:tailEnd/>
+              </a14:hiddenLine>
+            </a:ext>
+          </a:extLst>
+        </p:spPr>
+      </p:pic>
+      <p:pic>
+        <p:nvPicPr>
+          <p:cNvPr id="7171" name="Picture 3"/>
+          <p:cNvPicPr>
+            <a:picLocks noChangeAspect="1" noChangeArrowheads="1"/>
+          </p:cNvPicPr>
+          <p:nvPr/>
+        </p:nvPicPr>
+        <p:blipFill>
+          <a:blip r:embed="rId3">
+            <a:extLst>
+              <a:ext uri="{28A0092B-C50C-407E-A947-70E740481C1C}">
+                <a14:useLocalDpi xmlns:a14="http://schemas.microsoft.com/office/drawing/2010/main" val="0"/>
+              </a:ext>
+            </a:extLst>
+          </a:blip>
+          <a:srcRect/>
+          <a:stretch>
+            <a:fillRect/>
+          </a:stretch>
+        </p:blipFill>
+        <p:spPr bwMode="auto">
+          <a:xfrm>
+            <a:off x="4788024" y="4061567"/>
+            <a:ext cx="4355976" cy="2720942"/>
+          </a:xfrm>
+          <a:prstGeom prst="rect">
+            <a:avLst/>
+          </a:prstGeom>
+          <a:noFill/>
+          <a:ln>
+            <a:noFill/>
+          </a:ln>
+          <a:extLst>
+            <a:ext uri="{909E8E84-426E-40DD-AFC4-6F175D3DCCD1}">
+              <a14:hiddenFill xmlns:a14="http://schemas.microsoft.com/office/drawing/2010/main">
+                <a:solidFill>
+                  <a:schemeClr val="accent1"/>
+                </a:solidFill>
+              </a14:hiddenFill>
+            </a:ext>
+            <a:ext uri="{91240B29-F687-4F45-9708-019B960494DF}">
+              <a14:hiddenLine xmlns:a14="http://schemas.microsoft.com/office/drawing/2010/main" w="9525">
+                <a:solidFill>
+                  <a:schemeClr val="tx1"/>
+                </a:solidFill>
+                <a:miter lim="800000"/>
+                <a:headEnd/>
+                <a:tailEnd/>
+              </a14:hiddenLine>
+            </a:ext>
+          </a:extLst>
+        </p:spPr>
+      </p:pic>
       <p:cxnSp>
         <p:nvCxnSpPr>
           <p:cNvPr id="7" name="Straight Arrow Connector 6"/>
@@ -3581,7 +4940,131 @@
 </p:sld>
 </file>
 
-<file path=ppt/slides/slide11.xml><?xml version="1.0" encoding="utf-8"?>
+<file path=ppt/slides/slide14.xml><?xml version="1.0" encoding="utf-8"?>
+<p:sld xmlns:a="http://schemas.openxmlformats.org/drawingml/2006/main" xmlns:r="http://schemas.openxmlformats.org/officeDocument/2006/relationships" xmlns:p="http://schemas.openxmlformats.org/presentationml/2006/main">
+  <p:cSld>
+    <p:spTree>
+      <p:nvGrpSpPr>
+        <p:cNvPr id="1" name=""/>
+        <p:cNvGrpSpPr/>
+        <p:nvPr/>
+      </p:nvGrpSpPr>
+      <p:grpSpPr>
+        <a:xfrm>
+          <a:off x="0" y="0"/>
+          <a:ext cx="0" cy="0"/>
+          <a:chOff x="0" y="0"/>
+          <a:chExt cx="0" cy="0"/>
+        </a:xfrm>
+      </p:grpSpPr>
+      <p:sp>
+        <p:nvSpPr>
+          <p:cNvPr id="2" name="Title 1"/>
+          <p:cNvSpPr>
+            <a:spLocks noGrp="1"/>
+          </p:cNvSpPr>
+          <p:nvPr>
+            <p:ph type="title"/>
+          </p:nvPr>
+        </p:nvSpPr>
+        <p:spPr/>
+        <p:txBody>
+          <a:bodyPr/>
+          <a:lstStyle/>
+          <a:p>
+            <a:r>
+              <a:rPr lang="nn-NO" dirty="0" smtClean="0"/>
+              <a:t>7.8 Pull </a:t>
+            </a:r>
+            <a:r>
+              <a:rPr lang="nn-NO" dirty="0" err="1" smtClean="0"/>
+              <a:t>request</a:t>
+            </a:r>
+            <a:endParaRPr lang="nn-NO" dirty="0"/>
+          </a:p>
+        </p:txBody>
+      </p:sp>
+      <p:sp>
+        <p:nvSpPr>
+          <p:cNvPr id="5" name="Content Placeholder 4"/>
+          <p:cNvSpPr>
+            <a:spLocks noGrp="1"/>
+          </p:cNvSpPr>
+          <p:nvPr>
+            <p:ph idx="1"/>
+          </p:nvPr>
+        </p:nvSpPr>
+        <p:spPr/>
+        <p:txBody>
+          <a:bodyPr>
+            <a:normAutofit/>
+          </a:bodyPr>
+          <a:lstStyle/>
+          <a:p>
+            <a:r>
+              <a:rPr lang="nn-NO" dirty="0" smtClean="0"/>
+              <a:t>Pull </a:t>
+            </a:r>
+            <a:r>
+              <a:rPr lang="nn-NO" dirty="0" err="1" smtClean="0"/>
+              <a:t>request</a:t>
+            </a:r>
+            <a:r>
+              <a:rPr lang="nn-NO" dirty="0" smtClean="0"/>
+              <a:t> i CRAVA skal normalt gå til Marit.</a:t>
+            </a:r>
+          </a:p>
+          <a:p>
+            <a:r>
+              <a:rPr lang="nn-NO" dirty="0" smtClean="0"/>
+              <a:t>Dersom ho er borte og det hastar, er Ragnar og Pål dei neste på lista.</a:t>
+            </a:r>
+          </a:p>
+          <a:p>
+            <a:r>
+              <a:rPr lang="nn-NO" dirty="0" smtClean="0"/>
+              <a:t>Det kan i enkelte tilfelle vera naturleg å senda pull </a:t>
+            </a:r>
+            <a:r>
+              <a:rPr lang="nn-NO" dirty="0" err="1" smtClean="0"/>
+              <a:t>requests</a:t>
+            </a:r>
+            <a:r>
+              <a:rPr lang="nn-NO" dirty="0" smtClean="0"/>
+              <a:t> til bestemte personar (t.d. når du endrar ei rutine vedkommande har skrive).</a:t>
+            </a:r>
+          </a:p>
+          <a:p>
+            <a:r>
+              <a:rPr lang="nn-NO" dirty="0" smtClean="0"/>
+              <a:t>Dersom noko er kritisk å få inn med ein gong kan du godkjenna din eigen pull </a:t>
+            </a:r>
+            <a:r>
+              <a:rPr lang="nn-NO" dirty="0" err="1" smtClean="0"/>
+              <a:t>request</a:t>
+            </a:r>
+            <a:r>
+              <a:rPr lang="nn-NO" dirty="0" smtClean="0"/>
+              <a:t>.</a:t>
+            </a:r>
+            <a:endParaRPr lang="nn-NO" dirty="0"/>
+          </a:p>
+        </p:txBody>
+      </p:sp>
+    </p:spTree>
+    <p:extLst>
+      <p:ext uri="{BB962C8B-B14F-4D97-AF65-F5344CB8AC3E}">
+        <p14:creationId xmlns:p14="http://schemas.microsoft.com/office/powerpoint/2010/main" val="715286942"/>
+      </p:ext>
+    </p:extLst>
+  </p:cSld>
+  <p:clrMapOvr>
+    <a:masterClrMapping/>
+  </p:clrMapOvr>
+</p:sld>
+</file>
+
+<file path=ppt/slides/slide15.xml><?xml version="1.0" encoding="utf-8"?>
 <p:sld xmlns:a="http://schemas.openxmlformats.org/drawingml/2006/main" xmlns:r="http://schemas.openxmlformats.org/officeDocument/2006/relationships" xmlns:p="http://schemas.openxmlformats.org/presentationml/2006/main">
   <p:cSld>
     <p:spTree>
@@ -3757,7 +5240,12 @@
             <p:ph idx="1"/>
           </p:nvPr>
         </p:nvSpPr>
-        <p:spPr/>
+        <p:spPr>
+          <a:xfrm>
+            <a:off x="457200" y="1340768"/>
+            <a:ext cx="8229600" cy="5256584"/>
+          </a:xfrm>
+        </p:spPr>
         <p:txBody>
           <a:bodyPr>
             <a:normAutofit fontScale="62500" lnSpcReduction="20000"/>
@@ -3829,44 +5317,50 @@
               <a:buAutoNum type="arabicPeriod"/>
             </a:pPr>
             <a:r>
-              <a:rPr lang="en-GB" dirty="0" smtClean="0"/>
-              <a:t>Lag </a:t>
-            </a:r>
-            <a:r>
-              <a:rPr lang="en-GB" dirty="0" err="1" smtClean="0"/>
-              <a:t>ein</a:t>
-            </a:r>
-            <a:r>
-              <a:rPr lang="en-GB" dirty="0" smtClean="0"/>
-              <a:t> branch for den </a:t>
-            </a:r>
-            <a:r>
-              <a:rPr lang="en-GB" dirty="0" err="1" smtClean="0"/>
-              <a:t>featuren</a:t>
-            </a:r>
-            <a:r>
-              <a:rPr lang="en-GB" dirty="0" smtClean="0"/>
-              <a:t> du </a:t>
-            </a:r>
-            <a:r>
-              <a:rPr lang="en-GB" dirty="0" err="1" smtClean="0"/>
-              <a:t>jobbar</a:t>
-            </a:r>
-            <a:r>
-              <a:rPr lang="en-GB" dirty="0" smtClean="0"/>
-              <a:t> med. Hugs </a:t>
-            </a:r>
-            <a:r>
-              <a:rPr lang="nn-NO" dirty="0" smtClean="0"/>
-              <a:t>å byta til denne </a:t>
-            </a:r>
-            <a:r>
-              <a:rPr lang="nn-NO" dirty="0" err="1" smtClean="0"/>
-              <a:t>branchen</a:t>
-            </a:r>
-            <a:r>
-              <a:rPr lang="nn-NO" dirty="0" smtClean="0"/>
-              <a:t>.</a:t>
+              <a:rPr lang="nn-NO" dirty="0" smtClean="0"/>
+              <a:t>Klon </a:t>
+            </a:r>
+            <a:r>
+              <a:rPr lang="nn-NO" dirty="0" err="1" smtClean="0"/>
+              <a:t>crava_test</a:t>
+            </a:r>
+            <a:r>
+              <a:rPr lang="nn-NO" dirty="0" err="1"/>
+              <a:t>_</a:t>
+            </a:r>
+            <a:r>
+              <a:rPr lang="nn-NO" dirty="0" err="1" smtClean="0"/>
+              <a:t>suite</a:t>
+            </a:r>
+            <a:r>
+              <a:rPr lang="nn-NO" dirty="0" smtClean="0"/>
+              <a:t> frå </a:t>
+            </a:r>
+            <a:r>
+              <a:rPr lang="nn-NO" dirty="0" smtClean="0">
+                <a:hlinkClick r:id="rId3"/>
+              </a:rPr>
+              <a:t>https://code.nr.no</a:t>
+            </a:r>
+            <a:r>
+              <a:rPr lang="nn-NO" dirty="0" smtClean="0"/>
+              <a:t>. Kopier den inn i </a:t>
+            </a:r>
+            <a:r>
+              <a:rPr lang="nn-NO" dirty="0" err="1" smtClean="0"/>
+              <a:t>katalgoen</a:t>
+            </a:r>
+            <a:r>
+              <a:rPr lang="nn-NO" dirty="0" smtClean="0"/>
+              <a:t> du klona </a:t>
+            </a:r>
+            <a:r>
+              <a:rPr lang="nn-NO" dirty="0" err="1" smtClean="0"/>
+              <a:t>crava</a:t>
+            </a:r>
+            <a:r>
+              <a:rPr lang="nn-NO" dirty="0" smtClean="0"/>
+              <a:t> til.</a:t>
             </a:r>
           </a:p>
           <a:p>
@@ -3876,15 +5370,23 @@
             </a:pPr>
             <a:r>
               <a:rPr lang="nn-NO" dirty="0" smtClean="0"/>
-              <a:t>Jobb i veg. Du kan no ta </a:t>
-            </a:r>
-            <a:r>
-              <a:rPr lang="nn-NO" dirty="0" err="1" smtClean="0"/>
-              <a:t>commit</a:t>
-            </a:r>
-            <a:r>
-              <a:rPr lang="nn-NO" dirty="0" smtClean="0"/>
-              <a:t> så ofte du vil, sidan du berre gjer dette lokalt hos deg.</a:t>
+              <a:t>Sett opp ein </a:t>
+            </a:r>
+            <a:r>
+              <a:rPr lang="nn-NO" dirty="0" err="1" smtClean="0"/>
+              <a:t>upstream</a:t>
+            </a:r>
+            <a:r>
+              <a:rPr lang="nn-NO" dirty="0" smtClean="0"/>
+              <a:t> i </a:t>
+            </a:r>
+            <a:r>
+              <a:rPr lang="nn-NO" dirty="0" err="1" smtClean="0"/>
+              <a:t>git</a:t>
+            </a:r>
+            <a:r>
+              <a:rPr lang="nn-NO" dirty="0" smtClean="0"/>
+              <a:t>.</a:t>
             </a:r>
           </a:p>
           <a:p>
@@ -3893,6 +5395,70 @@
               <a:buAutoNum type="arabicPeriod"/>
             </a:pPr>
             <a:r>
+              <a:rPr lang="en-GB" dirty="0" smtClean="0"/>
+              <a:t>Lag </a:t>
+            </a:r>
+            <a:r>
+              <a:rPr lang="en-GB" dirty="0" err="1" smtClean="0"/>
+              <a:t>ein</a:t>
+            </a:r>
+            <a:r>
+              <a:rPr lang="en-GB" dirty="0" smtClean="0"/>
+              <a:t> branch for den </a:t>
+            </a:r>
+            <a:r>
+              <a:rPr lang="en-GB" dirty="0" err="1" smtClean="0"/>
+              <a:t>featuren</a:t>
+            </a:r>
+            <a:r>
+              <a:rPr lang="en-GB" dirty="0" smtClean="0"/>
+              <a:t> du </a:t>
+            </a:r>
+            <a:r>
+              <a:rPr lang="en-GB" dirty="0" err="1" smtClean="0"/>
+              <a:t>jobbar</a:t>
+            </a:r>
+            <a:r>
+              <a:rPr lang="en-GB" dirty="0" smtClean="0"/>
+              <a:t> med. Hugs </a:t>
+            </a:r>
+            <a:r>
+              <a:rPr lang="nn-NO" dirty="0" smtClean="0"/>
+              <a:t>å byta til denne </a:t>
+            </a:r>
+            <a:r>
+              <a:rPr lang="nn-NO" dirty="0" err="1" smtClean="0"/>
+              <a:t>branchen</a:t>
+            </a:r>
+            <a:r>
+              <a:rPr lang="nn-NO" dirty="0" smtClean="0"/>
+              <a:t>.</a:t>
+            </a:r>
+          </a:p>
+          <a:p>
+            <a:pPr marL="514350" indent="-514350">
+              <a:buFont typeface="+mj-lt"/>
+              <a:buAutoNum type="arabicPeriod"/>
+            </a:pPr>
+            <a:r>
+              <a:rPr lang="nn-NO" dirty="0" smtClean="0"/>
+              <a:t>Jobb i veg. Ta </a:t>
+            </a:r>
+            <a:r>
+              <a:rPr lang="nn-NO" dirty="0" err="1" smtClean="0"/>
+              <a:t>commit</a:t>
+            </a:r>
+            <a:r>
+              <a:rPr lang="nn-NO" dirty="0" smtClean="0"/>
+              <a:t> når du vil, sidan det berre er lokalt hos deg.</a:t>
+            </a:r>
+          </a:p>
+          <a:p>
+            <a:pPr marL="514350" indent="-514350">
+              <a:buFont typeface="+mj-lt"/>
+              <a:buAutoNum type="arabicPeriod"/>
+            </a:pPr>
+            <a:r>
               <a:rPr lang="nn-NO" dirty="0" smtClean="0"/>
               <a:t>Når du er nøgd gjer du følgjande:</a:t>
             </a:r>
@@ -3921,64 +5487,24 @@
               <a:buAutoNum type="arabicPeriod"/>
             </a:pPr>
             <a:r>
-              <a:rPr lang="nn-NO" dirty="0" smtClean="0"/>
-              <a:t>Pull frå </a:t>
-            </a:r>
-            <a:r>
-              <a:rPr lang="nn-NO" dirty="0" err="1" smtClean="0"/>
-              <a:t>upstream</a:t>
-            </a:r>
-            <a:r>
-              <a:rPr lang="nn-NO" dirty="0" smtClean="0"/>
-              <a:t>, så du får alle oppdateringar</a:t>
+              <a:rPr lang="nn-NO" dirty="0" err="1"/>
+              <a:t>Merge</a:t>
             </a:r>
             <a:r>
               <a:rPr lang="nn-NO" dirty="0"/>
-              <a:t>. </a:t>
-            </a:r>
-            <a:r>
-              <a:rPr lang="nn-NO" dirty="0" smtClean="0"/>
-              <a:t>(Dette </a:t>
-            </a:r>
-            <a:r>
-              <a:rPr lang="nn-NO" dirty="0" err="1" smtClean="0"/>
-              <a:t>gjøres</a:t>
-            </a:r>
-            <a:r>
-              <a:rPr lang="nn-NO" dirty="0" smtClean="0"/>
-              <a:t> ved å lage en </a:t>
-            </a:r>
-            <a:r>
-              <a:rPr lang="nn-NO" dirty="0" err="1" smtClean="0"/>
-              <a:t>upstream</a:t>
-            </a:r>
-            <a:r>
-              <a:rPr lang="nn-NO" dirty="0" smtClean="0"/>
-              <a:t> under pull (</a:t>
-            </a:r>
-            <a:r>
-              <a:rPr lang="nn-NO" dirty="0" err="1" smtClean="0"/>
-              <a:t>Manage</a:t>
-            </a:r>
-            <a:r>
-              <a:rPr lang="nn-NO" dirty="0" smtClean="0"/>
-              <a:t> Remotes) og bruke  </a:t>
-            </a:r>
-            <a:r>
-              <a:rPr lang="nn-NO" dirty="0" err="1" smtClean="0"/>
-              <a:t>adressen</a:t>
-            </a:r>
-            <a:r>
-              <a:rPr lang="nn-NO" dirty="0" smtClean="0"/>
-              <a:t> https</a:t>
+              <a:t> din </a:t>
+            </a:r>
+            <a:r>
+              <a:rPr lang="nn-NO" dirty="0" err="1"/>
+              <a:t>branch</a:t>
             </a:r>
             <a:r>
               <a:rPr lang="nn-NO" dirty="0"/>
-              <a:t>://</a:t>
-            </a:r>
-            <a:r>
-              <a:rPr lang="nn-NO" dirty="0" smtClean="0"/>
-              <a:t>github.com/CRAVA/crava.git)</a:t>
+              <a:t> inn i din master</a:t>
+            </a:r>
+            <a:r>
+              <a:rPr lang="nn-NO" dirty="0" smtClean="0"/>
+              <a:t>.</a:t>
             </a:r>
           </a:p>
           <a:p>
@@ -3987,20 +5513,24 @@
               <a:buAutoNum type="arabicPeriod"/>
             </a:pPr>
             <a:r>
-              <a:rPr lang="nn-NO" dirty="0" err="1" smtClean="0"/>
-              <a:t>Merge</a:t>
-            </a:r>
-            <a:r>
-              <a:rPr lang="nn-NO" dirty="0" smtClean="0"/>
-              <a:t> din </a:t>
-            </a:r>
-            <a:r>
-              <a:rPr lang="nn-NO" dirty="0" err="1" smtClean="0"/>
-              <a:t>branch</a:t>
-            </a:r>
-            <a:r>
-              <a:rPr lang="nn-NO" dirty="0" smtClean="0"/>
-              <a:t> inn i din master.</a:t>
+              <a:rPr lang="nn-NO" dirty="0" smtClean="0"/>
+              <a:t>Pull frå </a:t>
+            </a:r>
+            <a:r>
+              <a:rPr lang="nn-NO" b="1" dirty="0" err="1" smtClean="0"/>
+              <a:t>upstream</a:t>
+            </a:r>
+            <a:r>
+              <a:rPr lang="nn-NO" b="1" dirty="0" smtClean="0"/>
+              <a:t> </a:t>
+            </a:r>
+            <a:r>
+              <a:rPr lang="nn-NO" dirty="0" smtClean="0"/>
+              <a:t>til din master, så du får alle oppdateringar</a:t>
+            </a:r>
+            <a:r>
+              <a:rPr lang="nn-NO" dirty="0"/>
+              <a:t>. </a:t>
             </a:r>
           </a:p>
           <a:p>
@@ -4010,23 +5540,15 @@
             </a:pPr>
             <a:r>
               <a:rPr lang="nn-NO" dirty="0" smtClean="0"/>
-              <a:t>Push dette til sentral master. Dette siste steget </a:t>
-            </a:r>
-            <a:r>
-              <a:rPr lang="nn-NO" dirty="0" err="1" smtClean="0"/>
-              <a:t>tilsvarer</a:t>
-            </a:r>
-            <a:r>
-              <a:rPr lang="nn-NO" dirty="0" smtClean="0"/>
-              <a:t> SVN </a:t>
-            </a:r>
-            <a:r>
-              <a:rPr lang="nn-NO" dirty="0" err="1" smtClean="0"/>
-              <a:t>commit</a:t>
-            </a:r>
-            <a:r>
-              <a:rPr lang="nn-NO" dirty="0" smtClean="0"/>
-              <a:t>.</a:t>
+              <a:t>Løys eventuelle konfliktar som oppstod i </a:t>
+            </a:r>
+            <a:r>
+              <a:rPr lang="nn-NO" dirty="0" err="1" smtClean="0"/>
+              <a:t>forrige</a:t>
+            </a:r>
+            <a:r>
+              <a:rPr lang="nn-NO" dirty="0" smtClean="0"/>
+              <a:t> punkt.</a:t>
             </a:r>
           </a:p>
           <a:p>
@@ -4036,15 +5558,15 @@
             </a:pPr>
             <a:r>
               <a:rPr lang="nn-NO" dirty="0" smtClean="0"/>
-              <a:t>Slett </a:t>
-            </a:r>
-            <a:r>
-              <a:rPr lang="nn-NO" dirty="0" err="1" smtClean="0"/>
-              <a:t>branchen</a:t>
-            </a:r>
-            <a:r>
-              <a:rPr lang="nn-NO" dirty="0" smtClean="0"/>
-              <a:t> din.</a:t>
+              <a:t>Ta </a:t>
+            </a:r>
+            <a:r>
+              <a:rPr lang="nn-NO" dirty="0" err="1" smtClean="0"/>
+              <a:t>commit</a:t>
+            </a:r>
+            <a:r>
+              <a:rPr lang="nn-NO" dirty="0" smtClean="0"/>
+              <a:t> på din master.</a:t>
             </a:r>
           </a:p>
           <a:p>
@@ -4054,6 +5576,58 @@
             </a:pPr>
             <a:r>
               <a:rPr lang="nn-NO" dirty="0" smtClean="0"/>
+              <a:t>Push dette til </a:t>
+            </a:r>
+            <a:r>
+              <a:rPr lang="nn-NO" dirty="0" err="1" smtClean="0"/>
+              <a:t>origin</a:t>
+            </a:r>
+            <a:r>
+              <a:rPr lang="nn-NO" dirty="0" smtClean="0"/>
+              <a:t>. Dette siste steget </a:t>
+            </a:r>
+            <a:r>
+              <a:rPr lang="nn-NO" dirty="0" err="1" smtClean="0"/>
+              <a:t>tilsvarer</a:t>
+            </a:r>
+            <a:r>
+              <a:rPr lang="nn-NO" dirty="0" smtClean="0"/>
+              <a:t> SVN </a:t>
+            </a:r>
+            <a:r>
+              <a:rPr lang="nn-NO" dirty="0" err="1" smtClean="0"/>
+              <a:t>commit</a:t>
+            </a:r>
+            <a:r>
+              <a:rPr lang="nn-NO" dirty="0" smtClean="0"/>
+              <a:t>.</a:t>
+            </a:r>
+          </a:p>
+          <a:p>
+            <a:pPr marL="914400" lvl="1" indent="-514350">
+              <a:buFont typeface="+mj-lt"/>
+              <a:buAutoNum type="arabicPeriod"/>
+            </a:pPr>
+            <a:r>
+              <a:rPr lang="nn-NO" dirty="0" smtClean="0"/>
+              <a:t>Slett </a:t>
+            </a:r>
+            <a:r>
+              <a:rPr lang="nn-NO" dirty="0" err="1" smtClean="0"/>
+              <a:t>branchen</a:t>
+            </a:r>
+            <a:r>
+              <a:rPr lang="nn-NO" dirty="0" smtClean="0"/>
+              <a:t> din.</a:t>
+            </a:r>
+          </a:p>
+          <a:p>
+            <a:pPr marL="914400" lvl="1" indent="-514350">
+              <a:buFont typeface="+mj-lt"/>
+              <a:buAutoNum type="arabicPeriod"/>
+            </a:pPr>
+            <a:r>
+              <a:rPr lang="nn-NO" dirty="0" smtClean="0"/>
               <a:t>Lag en pull </a:t>
             </a:r>
             <a:r>
@@ -4077,7 +5651,7 @@
             </a:pPr>
             <a:r>
               <a:rPr lang="nn-NO" dirty="0" smtClean="0"/>
-              <a:t>Gå til 2.</a:t>
+              <a:t>Gå til 5.</a:t>
             </a:r>
             <a:endParaRPr lang="nn-NO" dirty="0"/>
           </a:p>
@@ -4128,17 +5702,9 @@
           <a:bodyPr/>
           <a:lstStyle/>
           <a:p>
-            <a:pPr marL="742950" indent="-742950">
-              <a:buFont typeface="+mj-lt"/>
-              <a:buAutoNum type="arabicPeriod"/>
-            </a:pPr>
-            <a:r>
-              <a:rPr lang="nn-NO" dirty="0" smtClean="0"/>
-              <a:t>Kloning av </a:t>
-            </a:r>
-            <a:r>
-              <a:rPr lang="nn-NO" dirty="0" err="1" smtClean="0"/>
-              <a:t>repository</a:t>
+            <a:r>
+              <a:rPr lang="nn-NO" dirty="0" smtClean="0"/>
+              <a:t>Modell</a:t>
             </a:r>
             <a:endParaRPr lang="nn-NO" dirty="0"/>
           </a:p>
@@ -4146,12 +5712,1113 @@
       </p:sp>
       <p:sp>
         <p:nvSpPr>
-          <p:cNvPr id="3" name="Content Placeholder 2"/>
+          <p:cNvPr id="4" name="TextBox 3"/>
+          <p:cNvSpPr txBox="1"/>
+          <p:nvPr/>
+        </p:nvSpPr>
+        <p:spPr>
+          <a:xfrm>
+            <a:off x="971600" y="1484784"/>
+            <a:ext cx="1386790" cy="923330"/>
+          </a:xfrm>
+          <a:prstGeom prst="rect">
+            <a:avLst/>
+          </a:prstGeom>
+          <a:noFill/>
+          <a:ln w="50800">
+            <a:solidFill>
+              <a:schemeClr val="tx1"/>
+            </a:solidFill>
+          </a:ln>
+        </p:spPr>
+        <p:txBody>
+          <a:bodyPr wrap="none" rtlCol="0">
+            <a:spAutoFit/>
+          </a:bodyPr>
+          <a:lstStyle/>
+          <a:p>
+            <a:endParaRPr lang="nn-NO" dirty="0" smtClean="0"/>
+          </a:p>
+          <a:p>
+            <a:r>
+              <a:rPr lang="nn-NO" dirty="0" smtClean="0"/>
+              <a:t>CRAVA/</a:t>
+            </a:r>
+            <a:r>
+              <a:rPr lang="nn-NO" dirty="0" err="1" smtClean="0"/>
+              <a:t>crava</a:t>
+            </a:r>
+            <a:endParaRPr lang="nn-NO" dirty="0" smtClean="0"/>
+          </a:p>
+          <a:p>
+            <a:r>
+              <a:rPr lang="nn-NO" dirty="0" smtClean="0"/>
+              <a:t>(</a:t>
+            </a:r>
+            <a:r>
+              <a:rPr lang="nn-NO" dirty="0" err="1" smtClean="0"/>
+              <a:t>upstream</a:t>
+            </a:r>
+            <a:r>
+              <a:rPr lang="nn-NO" dirty="0" smtClean="0"/>
+              <a:t>)</a:t>
+            </a:r>
+            <a:endParaRPr lang="nn-NO" dirty="0"/>
+          </a:p>
+        </p:txBody>
+      </p:sp>
+      <p:sp>
+        <p:nvSpPr>
+          <p:cNvPr id="5" name="TextBox 4"/>
+          <p:cNvSpPr txBox="1"/>
+          <p:nvPr/>
+        </p:nvSpPr>
+        <p:spPr>
+          <a:xfrm>
+            <a:off x="971600" y="3183359"/>
+            <a:ext cx="1399614" cy="923330"/>
+          </a:xfrm>
+          <a:prstGeom prst="rect">
+            <a:avLst/>
+          </a:prstGeom>
+          <a:noFill/>
+          <a:ln w="50800">
+            <a:solidFill>
+              <a:schemeClr val="tx1"/>
+            </a:solidFill>
+          </a:ln>
+        </p:spPr>
+        <p:txBody>
+          <a:bodyPr wrap="none" rtlCol="0">
+            <a:spAutoFit/>
+          </a:bodyPr>
+          <a:lstStyle/>
+          <a:p>
+            <a:endParaRPr lang="nn-NO" dirty="0" smtClean="0"/>
+          </a:p>
+          <a:p>
+            <a:r>
+              <a:rPr lang="nn-NO" dirty="0" smtClean="0"/>
+              <a:t>&lt;</a:t>
+            </a:r>
+            <a:r>
+              <a:rPr lang="nn-NO" dirty="0" err="1" smtClean="0"/>
+              <a:t>user</a:t>
+            </a:r>
+            <a:r>
+              <a:rPr lang="nn-NO" dirty="0" smtClean="0"/>
+              <a:t>&gt;/</a:t>
+            </a:r>
+            <a:r>
+              <a:rPr lang="nn-NO" dirty="0" err="1" smtClean="0"/>
+              <a:t>crava</a:t>
+            </a:r>
+            <a:endParaRPr lang="nn-NO" dirty="0" smtClean="0"/>
+          </a:p>
+          <a:p>
+            <a:r>
+              <a:rPr lang="nn-NO" dirty="0" smtClean="0"/>
+              <a:t>(</a:t>
+            </a:r>
+            <a:r>
+              <a:rPr lang="nn-NO" dirty="0" err="1" smtClean="0"/>
+              <a:t>origin</a:t>
+            </a:r>
+            <a:r>
+              <a:rPr lang="nn-NO" dirty="0" smtClean="0"/>
+              <a:t>)</a:t>
+            </a:r>
+            <a:endParaRPr lang="nn-NO" dirty="0"/>
+          </a:p>
+        </p:txBody>
+      </p:sp>
+      <p:cxnSp>
+        <p:nvCxnSpPr>
+          <p:cNvPr id="7" name="Straight Arrow Connector 6"/>
+          <p:cNvCxnSpPr/>
+          <p:nvPr/>
+        </p:nvCxnSpPr>
+        <p:spPr>
+          <a:xfrm>
+            <a:off x="1403648" y="2408114"/>
+            <a:ext cx="0" cy="732854"/>
+          </a:xfrm>
+          <a:prstGeom prst="straightConnector1">
+            <a:avLst/>
+          </a:prstGeom>
+          <a:ln w="50800">
+            <a:solidFill>
+              <a:srgbClr val="FF0000"/>
+            </a:solidFill>
+            <a:tailEnd type="arrow"/>
+          </a:ln>
+        </p:spPr>
+        <p:style>
+          <a:lnRef idx="1">
+            <a:schemeClr val="accent1"/>
+          </a:lnRef>
+          <a:fillRef idx="0">
+            <a:schemeClr val="accent1"/>
+          </a:fillRef>
+          <a:effectRef idx="0">
+            <a:schemeClr val="accent1"/>
+          </a:effectRef>
+          <a:fontRef idx="minor">
+            <a:schemeClr val="tx1"/>
+          </a:fontRef>
+        </p:style>
+      </p:cxnSp>
+      <p:sp>
+        <p:nvSpPr>
+          <p:cNvPr id="8" name="TextBox 7"/>
+          <p:cNvSpPr txBox="1"/>
+          <p:nvPr/>
+        </p:nvSpPr>
+        <p:spPr>
+          <a:xfrm>
+            <a:off x="467544" y="2645296"/>
+            <a:ext cx="821122" cy="369332"/>
+          </a:xfrm>
+          <a:prstGeom prst="rect">
+            <a:avLst/>
+          </a:prstGeom>
+          <a:noFill/>
+        </p:spPr>
+        <p:txBody>
+          <a:bodyPr wrap="none" rtlCol="0">
+            <a:spAutoFit/>
+          </a:bodyPr>
+          <a:lstStyle/>
+          <a:p>
+            <a:r>
+              <a:rPr lang="nn-NO" dirty="0" smtClean="0">
+                <a:solidFill>
+                  <a:srgbClr val="FF0000"/>
+                </a:solidFill>
+              </a:rPr>
+              <a:t>1. Fork</a:t>
+            </a:r>
+            <a:endParaRPr lang="nn-NO" dirty="0">
+              <a:solidFill>
+                <a:srgbClr val="FF0000"/>
+              </a:solidFill>
+            </a:endParaRPr>
+          </a:p>
+        </p:txBody>
+      </p:sp>
+      <p:cxnSp>
+        <p:nvCxnSpPr>
+          <p:cNvPr id="9" name="Straight Arrow Connector 8"/>
+          <p:cNvCxnSpPr/>
+          <p:nvPr/>
+        </p:nvCxnSpPr>
+        <p:spPr>
+          <a:xfrm>
+            <a:off x="1763688" y="2420888"/>
+            <a:ext cx="0" cy="732854"/>
+          </a:xfrm>
+          <a:prstGeom prst="straightConnector1">
+            <a:avLst/>
+          </a:prstGeom>
+          <a:ln w="50800">
+            <a:solidFill>
+              <a:schemeClr val="tx1"/>
+            </a:solidFill>
+            <a:headEnd type="arrow"/>
+            <a:tailEnd type="none"/>
+          </a:ln>
+        </p:spPr>
+        <p:style>
+          <a:lnRef idx="1">
+            <a:schemeClr val="accent1"/>
+          </a:lnRef>
+          <a:fillRef idx="0">
+            <a:schemeClr val="accent1"/>
+          </a:fillRef>
+          <a:effectRef idx="0">
+            <a:schemeClr val="accent1"/>
+          </a:effectRef>
+          <a:fontRef idx="minor">
+            <a:schemeClr val="tx1"/>
+          </a:fontRef>
+        </p:style>
+      </p:cxnSp>
+      <p:sp>
+        <p:nvSpPr>
+          <p:cNvPr id="10" name="TextBox 9"/>
+          <p:cNvSpPr txBox="1"/>
+          <p:nvPr/>
+        </p:nvSpPr>
+        <p:spPr>
+          <a:xfrm>
+            <a:off x="1763688" y="2645296"/>
+            <a:ext cx="1644233" cy="369332"/>
+          </a:xfrm>
+          <a:prstGeom prst="rect">
+            <a:avLst/>
+          </a:prstGeom>
+          <a:noFill/>
+        </p:spPr>
+        <p:txBody>
+          <a:bodyPr wrap="none" rtlCol="0">
+            <a:spAutoFit/>
+          </a:bodyPr>
+          <a:lstStyle/>
+          <a:p>
+            <a:r>
+              <a:rPr lang="nn-NO" dirty="0" smtClean="0"/>
+              <a:t>7.7 Pull </a:t>
+            </a:r>
+            <a:r>
+              <a:rPr lang="nn-NO" dirty="0" err="1" smtClean="0"/>
+              <a:t>request</a:t>
+            </a:r>
+            <a:endParaRPr lang="nn-NO" dirty="0"/>
+          </a:p>
+        </p:txBody>
+      </p:sp>
+      <p:sp>
+        <p:nvSpPr>
+          <p:cNvPr id="11" name="TextBox 10"/>
+          <p:cNvSpPr txBox="1"/>
+          <p:nvPr/>
+        </p:nvSpPr>
+        <p:spPr>
+          <a:xfrm>
+            <a:off x="3266254" y="3183359"/>
+            <a:ext cx="1787028" cy="923330"/>
+          </a:xfrm>
+          <a:prstGeom prst="rect">
+            <a:avLst/>
+          </a:prstGeom>
+          <a:noFill/>
+          <a:ln w="50800">
+            <a:solidFill>
+              <a:schemeClr val="tx1"/>
+            </a:solidFill>
+          </a:ln>
+        </p:spPr>
+        <p:txBody>
+          <a:bodyPr wrap="none" rtlCol="0">
+            <a:spAutoFit/>
+          </a:bodyPr>
+          <a:lstStyle/>
+          <a:p>
+            <a:endParaRPr lang="nn-NO" dirty="0" smtClean="0"/>
+          </a:p>
+          <a:p>
+            <a:r>
+              <a:rPr lang="nn-NO" dirty="0" err="1" smtClean="0"/>
+              <a:t>crava</a:t>
+            </a:r>
+            <a:r>
+              <a:rPr lang="nn-NO" dirty="0"/>
+              <a:t> </a:t>
+            </a:r>
+            <a:r>
+              <a:rPr lang="nn-NO" dirty="0" err="1" smtClean="0"/>
+              <a:t>hovedgrein</a:t>
+            </a:r>
+            <a:endParaRPr lang="nn-NO" dirty="0" smtClean="0"/>
+          </a:p>
+          <a:p>
+            <a:endParaRPr lang="nn-NO" dirty="0"/>
+          </a:p>
+        </p:txBody>
+      </p:sp>
+      <p:sp>
+        <p:nvSpPr>
+          <p:cNvPr id="12" name="TextBox 11"/>
+          <p:cNvSpPr txBox="1"/>
+          <p:nvPr/>
+        </p:nvSpPr>
+        <p:spPr>
+          <a:xfrm>
+            <a:off x="6156176" y="3184326"/>
+            <a:ext cx="2070695" cy="923330"/>
+          </a:xfrm>
+          <a:prstGeom prst="rect">
+            <a:avLst/>
+          </a:prstGeom>
+          <a:noFill/>
+          <a:ln w="50800">
+            <a:solidFill>
+              <a:schemeClr val="tx1"/>
+            </a:solidFill>
+          </a:ln>
+        </p:spPr>
+        <p:txBody>
+          <a:bodyPr wrap="none" rtlCol="0">
+            <a:spAutoFit/>
+          </a:bodyPr>
+          <a:lstStyle/>
+          <a:p>
+            <a:endParaRPr lang="nn-NO" dirty="0" smtClean="0"/>
+          </a:p>
+          <a:p>
+            <a:r>
+              <a:rPr lang="nn-NO" dirty="0" err="1" smtClean="0"/>
+              <a:t>crava</a:t>
+            </a:r>
+            <a:r>
+              <a:rPr lang="nn-NO" dirty="0"/>
+              <a:t> </a:t>
+            </a:r>
+            <a:r>
+              <a:rPr lang="nn-NO" dirty="0" err="1" smtClean="0"/>
+              <a:t>arbeidsbranch</a:t>
+            </a:r>
+            <a:endParaRPr lang="nn-NO" dirty="0" smtClean="0"/>
+          </a:p>
+          <a:p>
+            <a:endParaRPr lang="nn-NO" dirty="0"/>
+          </a:p>
+        </p:txBody>
+      </p:sp>
+      <p:cxnSp>
+        <p:nvCxnSpPr>
+          <p:cNvPr id="13" name="Straight Arrow Connector 12"/>
+          <p:cNvCxnSpPr/>
+          <p:nvPr/>
+        </p:nvCxnSpPr>
+        <p:spPr>
+          <a:xfrm flipH="1">
+            <a:off x="2390264" y="3511674"/>
+            <a:ext cx="895040" cy="0"/>
+          </a:xfrm>
+          <a:prstGeom prst="straightConnector1">
+            <a:avLst/>
+          </a:prstGeom>
+          <a:ln w="50800">
+            <a:solidFill>
+              <a:srgbClr val="FF0000"/>
+            </a:solidFill>
+            <a:headEnd type="arrow"/>
+            <a:tailEnd type="none"/>
+          </a:ln>
+        </p:spPr>
+        <p:style>
+          <a:lnRef idx="1">
+            <a:schemeClr val="accent1"/>
+          </a:lnRef>
+          <a:fillRef idx="0">
+            <a:schemeClr val="accent1"/>
+          </a:fillRef>
+          <a:effectRef idx="0">
+            <a:schemeClr val="accent1"/>
+          </a:effectRef>
+          <a:fontRef idx="minor">
+            <a:schemeClr val="tx1"/>
+          </a:fontRef>
+        </p:style>
+      </p:cxnSp>
+      <p:cxnSp>
+        <p:nvCxnSpPr>
+          <p:cNvPr id="17" name="Straight Arrow Connector 16"/>
+          <p:cNvCxnSpPr/>
+          <p:nvPr/>
+        </p:nvCxnSpPr>
+        <p:spPr>
+          <a:xfrm flipH="1">
+            <a:off x="2361689" y="3736082"/>
+            <a:ext cx="895040" cy="0"/>
+          </a:xfrm>
+          <a:prstGeom prst="straightConnector1">
+            <a:avLst/>
+          </a:prstGeom>
+          <a:ln w="50800">
+            <a:solidFill>
+              <a:schemeClr val="tx1"/>
+            </a:solidFill>
+            <a:headEnd type="none"/>
+            <a:tailEnd type="arrow"/>
+          </a:ln>
+        </p:spPr>
+        <p:style>
+          <a:lnRef idx="1">
+            <a:schemeClr val="accent1"/>
+          </a:lnRef>
+          <a:fillRef idx="0">
+            <a:schemeClr val="accent1"/>
+          </a:fillRef>
+          <a:effectRef idx="0">
+            <a:schemeClr val="accent1"/>
+          </a:effectRef>
+          <a:fontRef idx="minor">
+            <a:schemeClr val="tx1"/>
+          </a:fontRef>
+        </p:style>
+      </p:cxnSp>
+      <p:sp>
+        <p:nvSpPr>
+          <p:cNvPr id="18" name="TextBox 17"/>
+          <p:cNvSpPr txBox="1"/>
+          <p:nvPr/>
+        </p:nvSpPr>
+        <p:spPr>
+          <a:xfrm>
+            <a:off x="2358390" y="3131676"/>
+            <a:ext cx="890500" cy="369332"/>
+          </a:xfrm>
+          <a:prstGeom prst="rect">
+            <a:avLst/>
+          </a:prstGeom>
+          <a:noFill/>
+        </p:spPr>
+        <p:txBody>
+          <a:bodyPr wrap="none" rtlCol="0">
+            <a:spAutoFit/>
+          </a:bodyPr>
+          <a:lstStyle/>
+          <a:p>
+            <a:r>
+              <a:rPr lang="nn-NO" dirty="0" smtClean="0">
+                <a:solidFill>
+                  <a:srgbClr val="FF0000"/>
+                </a:solidFill>
+              </a:rPr>
+              <a:t>2.Clone</a:t>
+            </a:r>
+            <a:endParaRPr lang="nn-NO" dirty="0">
+              <a:solidFill>
+                <a:srgbClr val="FF0000"/>
+              </a:solidFill>
+            </a:endParaRPr>
+          </a:p>
+        </p:txBody>
+      </p:sp>
+      <p:sp>
+        <p:nvSpPr>
+          <p:cNvPr id="19" name="TextBox 18"/>
+          <p:cNvSpPr txBox="1"/>
+          <p:nvPr/>
+        </p:nvSpPr>
+        <p:spPr>
+          <a:xfrm>
+            <a:off x="2347104" y="3789040"/>
+            <a:ext cx="981359" cy="369332"/>
+          </a:xfrm>
+          <a:prstGeom prst="rect">
+            <a:avLst/>
+          </a:prstGeom>
+          <a:noFill/>
+        </p:spPr>
+        <p:txBody>
+          <a:bodyPr wrap="none" rtlCol="0">
+            <a:spAutoFit/>
+          </a:bodyPr>
+          <a:lstStyle/>
+          <a:p>
+            <a:r>
+              <a:rPr lang="nn-NO" dirty="0" smtClean="0"/>
+              <a:t>7.5 Push</a:t>
+            </a:r>
+            <a:endParaRPr lang="nn-NO" dirty="0"/>
+          </a:p>
+        </p:txBody>
+      </p:sp>
+      <p:cxnSp>
+        <p:nvCxnSpPr>
+          <p:cNvPr id="20" name="Straight Arrow Connector 19"/>
+          <p:cNvCxnSpPr>
+            <a:stCxn id="11" idx="0"/>
+            <a:endCxn id="4" idx="3"/>
+          </p:cNvCxnSpPr>
+          <p:nvPr/>
+        </p:nvCxnSpPr>
+        <p:spPr>
+          <a:xfrm flipH="1" flipV="1">
+            <a:off x="2358390" y="1946449"/>
+            <a:ext cx="1801378" cy="1236910"/>
+          </a:xfrm>
+          <a:prstGeom prst="straightConnector1">
+            <a:avLst/>
+          </a:prstGeom>
+          <a:ln w="50800">
+            <a:solidFill>
+              <a:schemeClr val="tx1"/>
+            </a:solidFill>
+            <a:headEnd type="arrow"/>
+            <a:tailEnd type="none"/>
+          </a:ln>
+        </p:spPr>
+        <p:style>
+          <a:lnRef idx="1">
+            <a:schemeClr val="accent1"/>
+          </a:lnRef>
+          <a:fillRef idx="0">
+            <a:schemeClr val="accent1"/>
+          </a:fillRef>
+          <a:effectRef idx="0">
+            <a:schemeClr val="accent1"/>
+          </a:effectRef>
+          <a:fontRef idx="minor">
+            <a:schemeClr val="tx1"/>
+          </a:fontRef>
+        </p:style>
+      </p:cxnSp>
+      <p:sp>
+        <p:nvSpPr>
+          <p:cNvPr id="23" name="TextBox 22"/>
+          <p:cNvSpPr txBox="1"/>
+          <p:nvPr/>
+        </p:nvSpPr>
+        <p:spPr>
+          <a:xfrm>
+            <a:off x="2987824" y="2051556"/>
+            <a:ext cx="875561" cy="369332"/>
+          </a:xfrm>
+          <a:prstGeom prst="rect">
+            <a:avLst/>
+          </a:prstGeom>
+          <a:noFill/>
+        </p:spPr>
+        <p:txBody>
+          <a:bodyPr wrap="none" rtlCol="0">
+            <a:spAutoFit/>
+          </a:bodyPr>
+          <a:lstStyle/>
+          <a:p>
+            <a:r>
+              <a:rPr lang="nn-NO" dirty="0" smtClean="0"/>
+              <a:t>7.3 Pull</a:t>
+            </a:r>
+            <a:endParaRPr lang="nn-NO" dirty="0"/>
+          </a:p>
+        </p:txBody>
+      </p:sp>
+      <p:cxnSp>
+        <p:nvCxnSpPr>
+          <p:cNvPr id="29" name="Straight Arrow Connector 28"/>
+          <p:cNvCxnSpPr/>
+          <p:nvPr/>
+        </p:nvCxnSpPr>
+        <p:spPr>
+          <a:xfrm flipH="1" flipV="1">
+            <a:off x="5062807" y="3521199"/>
+            <a:ext cx="1102894" cy="967"/>
+          </a:xfrm>
+          <a:prstGeom prst="straightConnector1">
+            <a:avLst/>
+          </a:prstGeom>
+          <a:ln w="50800">
+            <a:solidFill>
+              <a:schemeClr val="tx1"/>
+            </a:solidFill>
+            <a:headEnd type="arrow"/>
+            <a:tailEnd type="none"/>
+          </a:ln>
+        </p:spPr>
+        <p:style>
+          <a:lnRef idx="1">
+            <a:schemeClr val="accent1"/>
+          </a:lnRef>
+          <a:fillRef idx="0">
+            <a:schemeClr val="accent1"/>
+          </a:fillRef>
+          <a:effectRef idx="0">
+            <a:schemeClr val="accent1"/>
+          </a:effectRef>
+          <a:fontRef idx="minor">
+            <a:schemeClr val="tx1"/>
+          </a:fontRef>
+        </p:style>
+      </p:cxnSp>
+      <p:sp>
+        <p:nvSpPr>
+          <p:cNvPr id="30" name="TextBox 29"/>
+          <p:cNvSpPr txBox="1"/>
+          <p:nvPr/>
+        </p:nvSpPr>
+        <p:spPr>
+          <a:xfrm>
+            <a:off x="5067743" y="3131676"/>
+            <a:ext cx="1064779" cy="369332"/>
+          </a:xfrm>
+          <a:prstGeom prst="rect">
+            <a:avLst/>
+          </a:prstGeom>
+          <a:noFill/>
+        </p:spPr>
+        <p:txBody>
+          <a:bodyPr wrap="none" rtlCol="0">
+            <a:spAutoFit/>
+          </a:bodyPr>
+          <a:lstStyle/>
+          <a:p>
+            <a:r>
+              <a:rPr lang="nn-NO" dirty="0"/>
+              <a:t>5</a:t>
+            </a:r>
+            <a:r>
+              <a:rPr lang="nn-NO" dirty="0" smtClean="0"/>
+              <a:t>. Branch</a:t>
+            </a:r>
+            <a:endParaRPr lang="nn-NO" dirty="0"/>
+          </a:p>
+        </p:txBody>
+      </p:sp>
+      <p:cxnSp>
+        <p:nvCxnSpPr>
+          <p:cNvPr id="22" name="Straight Arrow Connector 21"/>
+          <p:cNvCxnSpPr/>
+          <p:nvPr/>
+        </p:nvCxnSpPr>
+        <p:spPr>
+          <a:xfrm flipH="1" flipV="1">
+            <a:off x="5053282" y="3788073"/>
+            <a:ext cx="1102894" cy="967"/>
+          </a:xfrm>
+          <a:prstGeom prst="straightConnector1">
+            <a:avLst/>
+          </a:prstGeom>
+          <a:ln w="50800">
+            <a:solidFill>
+              <a:schemeClr val="tx1"/>
+            </a:solidFill>
+            <a:headEnd type="none"/>
+            <a:tailEnd type="arrow"/>
+          </a:ln>
+        </p:spPr>
+        <p:style>
+          <a:lnRef idx="1">
+            <a:schemeClr val="accent1"/>
+          </a:lnRef>
+          <a:fillRef idx="0">
+            <a:schemeClr val="accent1"/>
+          </a:fillRef>
+          <a:effectRef idx="0">
+            <a:schemeClr val="accent1"/>
+          </a:effectRef>
+          <a:fontRef idx="minor">
+            <a:schemeClr val="tx1"/>
+          </a:fontRef>
+        </p:style>
+      </p:cxnSp>
+      <p:sp>
+        <p:nvSpPr>
+          <p:cNvPr id="24" name="TextBox 23"/>
+          <p:cNvSpPr txBox="1"/>
+          <p:nvPr/>
+        </p:nvSpPr>
+        <p:spPr>
+          <a:xfrm>
+            <a:off x="5053282" y="3981921"/>
+            <a:ext cx="1141403" cy="369332"/>
+          </a:xfrm>
+          <a:prstGeom prst="rect">
+            <a:avLst/>
+          </a:prstGeom>
+          <a:noFill/>
+        </p:spPr>
+        <p:txBody>
+          <a:bodyPr wrap="none" rtlCol="0">
+            <a:spAutoFit/>
+          </a:bodyPr>
+          <a:lstStyle/>
+          <a:p>
+            <a:r>
+              <a:rPr lang="nn-NO" dirty="0" smtClean="0"/>
+              <a:t>7.2 </a:t>
+            </a:r>
+            <a:r>
+              <a:rPr lang="nn-NO" dirty="0" err="1" smtClean="0"/>
+              <a:t>Merge</a:t>
+            </a:r>
+            <a:endParaRPr lang="nn-NO" dirty="0"/>
+          </a:p>
+        </p:txBody>
+      </p:sp>
+      <p:sp>
+        <p:nvSpPr>
+          <p:cNvPr id="15" name="Left Brace 14"/>
+          <p:cNvSpPr/>
+          <p:nvPr/>
+        </p:nvSpPr>
+        <p:spPr>
+          <a:xfrm rot="16200000">
+            <a:off x="1334235" y="4074476"/>
+            <a:ext cx="693395" cy="1418665"/>
+          </a:xfrm>
+          <a:prstGeom prst="leftBrace">
+            <a:avLst/>
+          </a:prstGeom>
+          <a:ln w="50800">
+            <a:solidFill>
+              <a:schemeClr val="tx1"/>
+            </a:solidFill>
+          </a:ln>
+        </p:spPr>
+        <p:style>
+          <a:lnRef idx="1">
+            <a:schemeClr val="accent1"/>
+          </a:lnRef>
+          <a:fillRef idx="0">
+            <a:schemeClr val="accent1"/>
+          </a:fillRef>
+          <a:effectRef idx="0">
+            <a:schemeClr val="accent1"/>
+          </a:effectRef>
+          <a:fontRef idx="minor">
+            <a:schemeClr val="tx1"/>
+          </a:fontRef>
+        </p:style>
+        <p:txBody>
+          <a:bodyPr rtlCol="0" anchor="ctr"/>
+          <a:lstStyle/>
+          <a:p>
+            <a:pPr algn="ctr"/>
+            <a:endParaRPr lang="nn-NO"/>
+          </a:p>
+        </p:txBody>
+      </p:sp>
+      <p:sp>
+        <p:nvSpPr>
+          <p:cNvPr id="26" name="TextBox 25"/>
+          <p:cNvSpPr txBox="1"/>
+          <p:nvPr/>
+        </p:nvSpPr>
+        <p:spPr>
+          <a:xfrm>
+            <a:off x="820020" y="5373216"/>
+            <a:ext cx="1689950" cy="369332"/>
+          </a:xfrm>
+          <a:prstGeom prst="rect">
+            <a:avLst/>
+          </a:prstGeom>
+          <a:noFill/>
+        </p:spPr>
+        <p:txBody>
+          <a:bodyPr wrap="none" rtlCol="0">
+            <a:spAutoFit/>
+          </a:bodyPr>
+          <a:lstStyle/>
+          <a:p>
+            <a:r>
+              <a:rPr lang="nn-NO" dirty="0" smtClean="0"/>
+              <a:t>Lagra på </a:t>
+            </a:r>
+            <a:r>
+              <a:rPr lang="nn-NO" dirty="0" err="1" smtClean="0"/>
+              <a:t>GitHub</a:t>
+            </a:r>
+            <a:endParaRPr lang="nn-NO" dirty="0"/>
+          </a:p>
+        </p:txBody>
+      </p:sp>
+      <p:sp>
+        <p:nvSpPr>
+          <p:cNvPr id="27" name="Left Brace 26"/>
+          <p:cNvSpPr/>
+          <p:nvPr/>
+        </p:nvSpPr>
+        <p:spPr>
+          <a:xfrm rot="16200000">
+            <a:off x="5415413" y="2471448"/>
+            <a:ext cx="693395" cy="4929520"/>
+          </a:xfrm>
+          <a:prstGeom prst="leftBrace">
+            <a:avLst/>
+          </a:prstGeom>
+          <a:ln w="50800">
+            <a:solidFill>
+              <a:schemeClr val="tx1"/>
+            </a:solidFill>
+          </a:ln>
+        </p:spPr>
+        <p:style>
+          <a:lnRef idx="1">
+            <a:schemeClr val="accent1"/>
+          </a:lnRef>
+          <a:fillRef idx="0">
+            <a:schemeClr val="accent1"/>
+          </a:fillRef>
+          <a:effectRef idx="0">
+            <a:schemeClr val="accent1"/>
+          </a:effectRef>
+          <a:fontRef idx="minor">
+            <a:schemeClr val="tx1"/>
+          </a:fontRef>
+        </p:style>
+        <p:txBody>
+          <a:bodyPr rtlCol="0" anchor="ctr"/>
+          <a:lstStyle/>
+          <a:p>
+            <a:pPr algn="ctr"/>
+            <a:endParaRPr lang="nn-NO"/>
+          </a:p>
+        </p:txBody>
+      </p:sp>
+      <p:sp>
+        <p:nvSpPr>
+          <p:cNvPr id="28" name="TextBox 27"/>
+          <p:cNvSpPr txBox="1"/>
+          <p:nvPr/>
+        </p:nvSpPr>
+        <p:spPr>
+          <a:xfrm>
+            <a:off x="5199359" y="5373216"/>
+            <a:ext cx="1256370" cy="369332"/>
+          </a:xfrm>
+          <a:prstGeom prst="rect">
+            <a:avLst/>
+          </a:prstGeom>
+          <a:noFill/>
+        </p:spPr>
+        <p:txBody>
+          <a:bodyPr wrap="none" rtlCol="0">
+            <a:spAutoFit/>
+          </a:bodyPr>
+          <a:lstStyle/>
+          <a:p>
+            <a:r>
+              <a:rPr lang="nn-NO" dirty="0" smtClean="0"/>
+              <a:t>Lagra lokalt</a:t>
+            </a:r>
+            <a:endParaRPr lang="nn-NO" dirty="0"/>
+          </a:p>
+        </p:txBody>
+      </p:sp>
+      <p:sp>
+        <p:nvSpPr>
+          <p:cNvPr id="16" name="TextBox 15"/>
+          <p:cNvSpPr txBox="1"/>
+          <p:nvPr/>
+        </p:nvSpPr>
+        <p:spPr>
+          <a:xfrm>
+            <a:off x="4572000" y="1484784"/>
+            <a:ext cx="3550267" cy="369332"/>
+          </a:xfrm>
+          <a:prstGeom prst="rect">
+            <a:avLst/>
+          </a:prstGeom>
+          <a:noFill/>
+        </p:spPr>
+        <p:txBody>
+          <a:bodyPr wrap="none" rtlCol="0">
+            <a:spAutoFit/>
+          </a:bodyPr>
+          <a:lstStyle/>
+          <a:p>
+            <a:r>
+              <a:rPr lang="nn-NO" dirty="0" smtClean="0"/>
+              <a:t>Raude pilar er eingongsoperasjonar.</a:t>
+            </a:r>
+            <a:endParaRPr lang="nn-NO" dirty="0"/>
+          </a:p>
+        </p:txBody>
+      </p:sp>
+      <p:sp>
+        <p:nvSpPr>
+          <p:cNvPr id="25" name="Curved Left Arrow 24"/>
+          <p:cNvSpPr/>
+          <p:nvPr/>
+        </p:nvSpPr>
+        <p:spPr>
+          <a:xfrm>
+            <a:off x="8320930" y="3316342"/>
+            <a:ext cx="288032" cy="665579"/>
+          </a:xfrm>
+          <a:prstGeom prst="curvedLeftArrow">
+            <a:avLst/>
+          </a:prstGeom>
+          <a:solidFill>
+            <a:schemeClr val="tx1"/>
+          </a:solidFill>
+          <a:ln>
+            <a:solidFill>
+              <a:schemeClr val="tx1"/>
+            </a:solidFill>
+          </a:ln>
+        </p:spPr>
+        <p:style>
+          <a:lnRef idx="2">
+            <a:schemeClr val="accent1">
+              <a:shade val="50000"/>
+            </a:schemeClr>
+          </a:lnRef>
+          <a:fillRef idx="1">
+            <a:schemeClr val="accent1"/>
+          </a:fillRef>
+          <a:effectRef idx="0">
+            <a:schemeClr val="accent1"/>
+          </a:effectRef>
+          <a:fontRef idx="minor">
+            <a:schemeClr val="lt1"/>
+          </a:fontRef>
+        </p:style>
+        <p:txBody>
+          <a:bodyPr rtlCol="0" anchor="ctr"/>
+          <a:lstStyle/>
+          <a:p>
+            <a:pPr algn="ctr"/>
+            <a:endParaRPr lang="nn-NO">
+              <a:solidFill>
+                <a:schemeClr val="tx1"/>
+              </a:solidFill>
+            </a:endParaRPr>
+          </a:p>
+        </p:txBody>
+      </p:sp>
+      <p:sp>
+        <p:nvSpPr>
+          <p:cNvPr id="31" name="TextBox 30"/>
+          <p:cNvSpPr txBox="1"/>
+          <p:nvPr/>
+        </p:nvSpPr>
+        <p:spPr>
+          <a:xfrm>
+            <a:off x="7742887" y="2762344"/>
+            <a:ext cx="1156086" cy="369332"/>
+          </a:xfrm>
+          <a:prstGeom prst="rect">
+            <a:avLst/>
+          </a:prstGeom>
+          <a:noFill/>
+        </p:spPr>
+        <p:txBody>
+          <a:bodyPr wrap="none" rtlCol="0">
+            <a:spAutoFit/>
+          </a:bodyPr>
+          <a:lstStyle/>
+          <a:p>
+            <a:r>
+              <a:rPr lang="nn-NO" dirty="0" smtClean="0"/>
+              <a:t>6. </a:t>
+            </a:r>
+            <a:r>
+              <a:rPr lang="nn-NO" dirty="0" err="1" smtClean="0"/>
+              <a:t>Commit</a:t>
+            </a:r>
+            <a:endParaRPr lang="nn-NO" dirty="0"/>
+          </a:p>
+        </p:txBody>
+      </p:sp>
+      <p:sp>
+        <p:nvSpPr>
+          <p:cNvPr id="32" name="Curved Down Arrow 31"/>
+          <p:cNvSpPr/>
+          <p:nvPr/>
+        </p:nvSpPr>
+        <p:spPr>
+          <a:xfrm>
+            <a:off x="4417011" y="2910070"/>
+            <a:ext cx="603504" cy="256674"/>
+          </a:xfrm>
+          <a:prstGeom prst="curvedDownArrow">
+            <a:avLst/>
+          </a:prstGeom>
+          <a:solidFill>
+            <a:schemeClr val="tx1"/>
+          </a:solidFill>
+          <a:ln>
+            <a:solidFill>
+              <a:schemeClr val="tx1"/>
+            </a:solidFill>
+          </a:ln>
+        </p:spPr>
+        <p:style>
+          <a:lnRef idx="2">
+            <a:schemeClr val="accent1">
+              <a:shade val="50000"/>
+            </a:schemeClr>
+          </a:lnRef>
+          <a:fillRef idx="1">
+            <a:schemeClr val="accent1"/>
+          </a:fillRef>
+          <a:effectRef idx="0">
+            <a:schemeClr val="accent1"/>
+          </a:effectRef>
+          <a:fontRef idx="minor">
+            <a:schemeClr val="lt1"/>
+          </a:fontRef>
+        </p:style>
+        <p:txBody>
+          <a:bodyPr rtlCol="0" anchor="ctr"/>
+          <a:lstStyle/>
+          <a:p>
+            <a:pPr algn="ctr"/>
+            <a:endParaRPr lang="nn-NO">
+              <a:solidFill>
+                <a:schemeClr val="tx1"/>
+              </a:solidFill>
+            </a:endParaRPr>
+          </a:p>
+        </p:txBody>
+      </p:sp>
+      <p:sp>
+        <p:nvSpPr>
+          <p:cNvPr id="33" name="TextBox 32"/>
+          <p:cNvSpPr txBox="1"/>
+          <p:nvPr/>
+        </p:nvSpPr>
+        <p:spPr>
+          <a:xfrm>
+            <a:off x="4159768" y="2555612"/>
+            <a:ext cx="1273105" cy="369332"/>
+          </a:xfrm>
+          <a:prstGeom prst="rect">
+            <a:avLst/>
+          </a:prstGeom>
+          <a:noFill/>
+        </p:spPr>
+        <p:txBody>
+          <a:bodyPr wrap="none" rtlCol="0">
+            <a:spAutoFit/>
+          </a:bodyPr>
+          <a:lstStyle/>
+          <a:p>
+            <a:r>
+              <a:rPr lang="nn-NO" dirty="0" smtClean="0"/>
+              <a:t>7.4 </a:t>
+            </a:r>
+            <a:r>
+              <a:rPr lang="nn-NO" dirty="0" err="1" smtClean="0"/>
+              <a:t>Commit</a:t>
+            </a:r>
+            <a:endParaRPr lang="nn-NO" dirty="0"/>
+          </a:p>
+        </p:txBody>
+      </p:sp>
+    </p:spTree>
+    <p:extLst>
+      <p:ext uri="{BB962C8B-B14F-4D97-AF65-F5344CB8AC3E}">
+        <p14:creationId xmlns:p14="http://schemas.microsoft.com/office/powerpoint/2010/main" val="2642831985"/>
+      </p:ext>
+    </p:extLst>
+  </p:cSld>
+  <p:clrMapOvr>
+    <a:masterClrMapping/>
+  </p:clrMapOvr>
+</p:sld>
+</file>
+
+<file path=ppt/slides/slide4.xml><?xml version="1.0" encoding="utf-8"?>
+<p:sld xmlns:a="http://schemas.openxmlformats.org/drawingml/2006/main" xmlns:r="http://schemas.openxmlformats.org/officeDocument/2006/relationships" xmlns:p="http://schemas.openxmlformats.org/presentationml/2006/main">
+  <p:cSld>
+    <p:spTree>
+      <p:nvGrpSpPr>
+        <p:cNvPr id="1" name=""/>
+        <p:cNvGrpSpPr/>
+        <p:nvPr/>
+      </p:nvGrpSpPr>
+      <p:grpSpPr>
+        <a:xfrm>
+          <a:off x="0" y="0"/>
+          <a:ext cx="0" cy="0"/>
+          <a:chOff x="0" y="0"/>
+          <a:chExt cx="0" cy="0"/>
+        </a:xfrm>
+      </p:grpSpPr>
+      <p:sp>
+        <p:nvSpPr>
+          <p:cNvPr id="2" name="Title 1"/>
           <p:cNvSpPr>
             <a:spLocks noGrp="1"/>
           </p:cNvSpPr>
           <p:nvPr>
-            <p:ph sz="half" idx="1"/>
+            <p:ph type="title"/>
           </p:nvPr>
         </p:nvSpPr>
         <p:spPr/>
@@ -4159,82 +6826,26 @@
           <a:bodyPr/>
           <a:lstStyle/>
           <a:p>
-            <a:pPr marL="514350" indent="-514350">
-              <a:buFont typeface="+mj-lt"/>
-              <a:buAutoNum type="arabicPeriod"/>
-            </a:pPr>
-            <a:r>
-              <a:rPr lang="nn-NO" dirty="0" smtClean="0"/>
-              <a:t>Gå der du vil ha filane.</a:t>
-            </a:r>
-          </a:p>
-          <a:p>
-            <a:pPr marL="514350" indent="-514350">
-              <a:buFont typeface="+mj-lt"/>
-              <a:buAutoNum type="arabicPeriod"/>
-            </a:pPr>
-            <a:r>
-              <a:rPr lang="nn-NO" dirty="0" smtClean="0"/>
-              <a:t>Høgreklikk, </a:t>
-            </a:r>
-            <a:r>
-              <a:rPr lang="nn-NO" dirty="0" err="1" smtClean="0"/>
-              <a:t>velg</a:t>
-            </a:r>
-            <a:r>
-              <a:rPr lang="nn-NO" dirty="0" smtClean="0"/>
-              <a:t> </a:t>
-            </a:r>
-            <a:r>
-              <a:rPr lang="nn-NO" dirty="0" err="1" smtClean="0"/>
-              <a:t>Git</a:t>
-            </a:r>
-            <a:r>
-              <a:rPr lang="nn-NO" dirty="0" smtClean="0"/>
-              <a:t> </a:t>
-            </a:r>
-            <a:r>
-              <a:rPr lang="nn-NO" dirty="0" err="1" smtClean="0"/>
-              <a:t>clone</a:t>
-            </a:r>
-            <a:r>
-              <a:rPr lang="nn-NO" dirty="0" smtClean="0"/>
-              <a:t>. Du får menyen til høgre.</a:t>
-            </a:r>
-          </a:p>
-          <a:p>
-            <a:pPr marL="514350" indent="-514350">
-              <a:buFont typeface="+mj-lt"/>
-              <a:buAutoNum type="arabicPeriod"/>
-            </a:pPr>
-            <a:r>
-              <a:rPr lang="nn-NO" dirty="0" smtClean="0"/>
-              <a:t>Skriv inn URL som vist. Directory skulle vera ok.</a:t>
-            </a:r>
-          </a:p>
-          <a:p>
-            <a:pPr marL="514350" indent="-514350">
-              <a:buFont typeface="+mj-lt"/>
-              <a:buAutoNum type="arabicPeriod"/>
-            </a:pPr>
-            <a:r>
-              <a:rPr lang="nn-NO" dirty="0" smtClean="0"/>
-              <a:t>Trykk OK, og ta deg ein </a:t>
-            </a:r>
-            <a:r>
-              <a:rPr lang="nn-NO" dirty="0" err="1" smtClean="0"/>
-              <a:t>kaffepause</a:t>
-            </a:r>
-            <a:r>
-              <a:rPr lang="nn-NO" dirty="0" smtClean="0"/>
-              <a:t> (tar tid). </a:t>
-            </a:r>
-          </a:p>
-          <a:p>
-            <a:pPr marL="514350" indent="-514350">
-              <a:buFont typeface="+mj-lt"/>
-              <a:buAutoNum type="arabicPeriod"/>
-            </a:pPr>
+            <a:r>
+              <a:rPr lang="nn-NO" dirty="0" smtClean="0"/>
+              <a:t>1. </a:t>
+            </a:r>
+            <a:r>
+              <a:rPr lang="nn-NO" dirty="0" err="1" smtClean="0"/>
+              <a:t>Forking</a:t>
+            </a:r>
+            <a:r>
+              <a:rPr lang="nn-NO" dirty="0" smtClean="0"/>
+              <a:t> av </a:t>
+            </a:r>
+            <a:r>
+              <a:rPr lang="nn-NO" dirty="0" err="1" smtClean="0"/>
+              <a:t>repository</a:t>
+            </a:r>
+            <a:r>
+              <a:rPr lang="nn-NO" dirty="0" smtClean="0"/>
+              <a:t>	</a:t>
+            </a:r>
             <a:endParaRPr lang="nn-NO" dirty="0"/>
           </a:p>
         </p:txBody>
@@ -4247,7 +6858,7 @@
           </p:cNvPicPr>
           <p:nvPr/>
         </p:nvPicPr>
-        <p:blipFill>
+        <p:blipFill rotWithShape="1">
           <a:blip r:embed="rId2">
             <a:extLst>
               <a:ext uri="{28A0092B-C50C-407E-A947-70E740481C1C}">
@@ -4255,15 +6866,13 @@
               </a:ext>
             </a:extLst>
           </a:blip>
-          <a:srcRect/>
-          <a:stretch>
-            <a:fillRect/>
-          </a:stretch>
+          <a:srcRect l="11541" t="390" r="14692" b="49610"/>
+          <a:stretch/>
         </p:blipFill>
         <p:spPr bwMode="auto">
           <a:xfrm>
-            <a:off x="4427984" y="1484784"/>
-            <a:ext cx="4638675" cy="3629025"/>
+            <a:off x="515815" y="1340769"/>
+            <a:ext cx="8628185" cy="4405312"/>
           </a:xfrm>
           <a:prstGeom prst="rect">
             <a:avLst/>
@@ -4301,7 +6910,7 @@
         </p:nvSpPr>
         <p:spPr>
           <a:xfrm>
-            <a:off x="5148064" y="1988840"/>
+            <a:off x="438969" y="1672233"/>
             <a:ext cx="1944216" cy="432048"/>
           </a:xfrm>
           <a:prstGeom prst="ellipse">
@@ -4339,10 +6948,86 @@
           </a:p>
         </p:txBody>
       </p:sp>
+      <p:sp>
+        <p:nvSpPr>
+          <p:cNvPr id="7" name="Oval 6"/>
+          <p:cNvSpPr/>
+          <p:nvPr/>
+        </p:nvSpPr>
+        <p:spPr>
+          <a:xfrm>
+            <a:off x="8170304" y="2780928"/>
+            <a:ext cx="972108" cy="432048"/>
+          </a:xfrm>
+          <a:prstGeom prst="ellipse">
+            <a:avLst/>
+          </a:prstGeom>
+          <a:noFill/>
+          <a:ln w="38100">
+            <a:solidFill>
+              <a:srgbClr val="FF0000"/>
+            </a:solidFill>
+          </a:ln>
+        </p:spPr>
+        <p:style>
+          <a:lnRef idx="2">
+            <a:schemeClr val="accent1">
+              <a:shade val="50000"/>
+            </a:schemeClr>
+          </a:lnRef>
+          <a:fillRef idx="1">
+            <a:schemeClr val="accent1"/>
+          </a:fillRef>
+          <a:effectRef idx="0">
+            <a:schemeClr val="accent1"/>
+          </a:effectRef>
+          <a:fontRef idx="minor">
+            <a:schemeClr val="lt1"/>
+          </a:fontRef>
+        </p:style>
+        <p:txBody>
+          <a:bodyPr rtlCol="0" anchor="ctr"/>
+          <a:lstStyle/>
+          <a:p>
+            <a:pPr algn="ctr"/>
+            <a:endParaRPr lang="nn-NO"/>
+          </a:p>
+        </p:txBody>
+      </p:sp>
+      <p:sp>
+        <p:nvSpPr>
+          <p:cNvPr id="5" name="TextBox 4"/>
+          <p:cNvSpPr txBox="1"/>
+          <p:nvPr/>
+        </p:nvSpPr>
+        <p:spPr>
+          <a:xfrm>
+            <a:off x="693193" y="5831686"/>
+            <a:ext cx="7477111" cy="523220"/>
+          </a:xfrm>
+          <a:prstGeom prst="rect">
+            <a:avLst/>
+          </a:prstGeom>
+          <a:noFill/>
+        </p:spPr>
+        <p:txBody>
+          <a:bodyPr wrap="none" rtlCol="0">
+            <a:spAutoFit/>
+          </a:bodyPr>
+          <a:lstStyle/>
+          <a:p>
+            <a:r>
+              <a:rPr lang="nn-NO" sz="2800" dirty="0" smtClean="0"/>
+              <a:t>Hugs å leggja fork på din brukar når du vert spurd.</a:t>
+            </a:r>
+            <a:endParaRPr lang="nn-NO" sz="2800" dirty="0"/>
+          </a:p>
+        </p:txBody>
+      </p:sp>
     </p:spTree>
     <p:extLst>
       <p:ext uri="{BB962C8B-B14F-4D97-AF65-F5344CB8AC3E}">
-        <p14:creationId xmlns:p14="http://schemas.microsoft.com/office/powerpoint/2010/main" val="3863478127"/>
+        <p14:creationId xmlns:p14="http://schemas.microsoft.com/office/powerpoint/2010/main" val="1841217560"/>
       </p:ext>
     </p:extLst>
   </p:cSld>
@@ -4352,7 +7037,7 @@
 </p:sld>
 </file>
 
-<file path=ppt/slides/slide4.xml><?xml version="1.0" encoding="utf-8"?>
+<file path=ppt/slides/slide5.xml><?xml version="1.0" encoding="utf-8"?>
 <p:sld xmlns:a="http://schemas.openxmlformats.org/drawingml/2006/main" xmlns:r="http://schemas.openxmlformats.org/officeDocument/2006/relationships" xmlns:p="http://schemas.openxmlformats.org/presentationml/2006/main">
   <p:cSld>
     <p:spTree>
@@ -4369,159 +7054,9 @@
           <a:chExt cx="0" cy="0"/>
         </a:xfrm>
       </p:grpSpPr>
-      <p:sp>
-        <p:nvSpPr>
-          <p:cNvPr id="2" name="Title 1"/>
-          <p:cNvSpPr>
-            <a:spLocks noGrp="1"/>
-          </p:cNvSpPr>
-          <p:nvPr>
-            <p:ph type="title"/>
-          </p:nvPr>
-        </p:nvSpPr>
-        <p:spPr/>
-        <p:txBody>
-          <a:bodyPr/>
-          <a:lstStyle/>
-          <a:p>
-            <a:pPr marL="742950" indent="-742950">
-              <a:buFont typeface="+mj-lt"/>
-              <a:buAutoNum type="arabicPeriod" startAt="2"/>
-            </a:pPr>
-            <a:r>
-              <a:rPr lang="nn-NO" dirty="0" smtClean="0"/>
-              <a:t>Laging av </a:t>
-            </a:r>
-            <a:r>
-              <a:rPr lang="nn-NO" dirty="0" err="1" smtClean="0"/>
-              <a:t>branch</a:t>
-            </a:r>
-            <a:endParaRPr lang="nn-NO" dirty="0"/>
-          </a:p>
-        </p:txBody>
-      </p:sp>
-      <p:sp>
-        <p:nvSpPr>
-          <p:cNvPr id="3" name="Content Placeholder 2"/>
-          <p:cNvSpPr>
-            <a:spLocks noGrp="1"/>
-          </p:cNvSpPr>
-          <p:nvPr>
-            <p:ph sz="half" idx="1"/>
-          </p:nvPr>
-        </p:nvSpPr>
-        <p:spPr/>
-        <p:txBody>
-          <a:bodyPr/>
-          <a:lstStyle/>
-          <a:p>
-            <a:pPr marL="514350" indent="-514350">
-              <a:buFont typeface="+mj-lt"/>
-              <a:buAutoNum type="arabicPeriod"/>
-            </a:pPr>
-            <a:r>
-              <a:rPr lang="nn-NO" dirty="0" smtClean="0"/>
-              <a:t>Høgreklikk på ditt </a:t>
-            </a:r>
-            <a:r>
-              <a:rPr lang="nn-NO" dirty="0" err="1" smtClean="0"/>
-              <a:t>repository</a:t>
-            </a:r>
-            <a:r>
-              <a:rPr lang="nn-NO" dirty="0" smtClean="0"/>
-              <a:t>, og </a:t>
-            </a:r>
-            <a:r>
-              <a:rPr lang="nn-NO" dirty="0" err="1" smtClean="0"/>
-              <a:t>velg</a:t>
-            </a:r>
-            <a:r>
-              <a:rPr lang="nn-NO" dirty="0" smtClean="0"/>
-              <a:t> </a:t>
-            </a:r>
-            <a:r>
-              <a:rPr lang="nn-NO" dirty="0" err="1" smtClean="0"/>
-              <a:t>TortoiseGit</a:t>
-            </a:r>
-            <a:r>
-              <a:rPr lang="nn-NO" dirty="0" smtClean="0"/>
-              <a:t>-&gt; </a:t>
-            </a:r>
-            <a:r>
-              <a:rPr lang="nn-NO" dirty="0" err="1" smtClean="0"/>
-              <a:t>Create</a:t>
-            </a:r>
-            <a:r>
-              <a:rPr lang="nn-NO" dirty="0" smtClean="0"/>
-              <a:t> </a:t>
-            </a:r>
-            <a:r>
-              <a:rPr lang="nn-NO" dirty="0" err="1" smtClean="0"/>
-              <a:t>branch</a:t>
-            </a:r>
-            <a:r>
-              <a:rPr lang="nn-NO" dirty="0" smtClean="0"/>
-              <a:t>.</a:t>
-            </a:r>
-          </a:p>
-          <a:p>
-            <a:pPr marL="514350" indent="-514350">
-              <a:buFont typeface="+mj-lt"/>
-              <a:buAutoNum type="arabicPeriod"/>
-            </a:pPr>
-            <a:r>
-              <a:rPr lang="nn-NO" dirty="0" smtClean="0"/>
-              <a:t>Skriv </a:t>
-            </a:r>
-            <a:r>
-              <a:rPr lang="nn-NO" dirty="0" err="1" smtClean="0"/>
-              <a:t>Jira</a:t>
-            </a:r>
-            <a:r>
-              <a:rPr lang="nn-NO" dirty="0" smtClean="0"/>
-              <a:t>-nummer som </a:t>
-            </a:r>
-            <a:r>
-              <a:rPr lang="nn-NO" dirty="0" err="1" smtClean="0"/>
-              <a:t>name</a:t>
-            </a:r>
-            <a:r>
-              <a:rPr lang="nn-NO" dirty="0" smtClean="0"/>
-              <a:t>, og kryss av på Switch to </a:t>
-            </a:r>
-            <a:r>
-              <a:rPr lang="nn-NO" dirty="0" err="1" smtClean="0"/>
-              <a:t>new</a:t>
-            </a:r>
-            <a:r>
-              <a:rPr lang="nn-NO" dirty="0" smtClean="0"/>
-              <a:t> </a:t>
-            </a:r>
-            <a:r>
-              <a:rPr lang="nn-NO" dirty="0" err="1" smtClean="0"/>
-              <a:t>branch</a:t>
-            </a:r>
-            <a:r>
-              <a:rPr lang="nn-NO" dirty="0" smtClean="0"/>
-              <a:t>.</a:t>
-            </a:r>
-          </a:p>
-          <a:p>
-            <a:pPr marL="514350" indent="-514350">
-              <a:buFont typeface="+mj-lt"/>
-              <a:buAutoNum type="arabicPeriod"/>
-            </a:pPr>
-            <a:r>
-              <a:rPr lang="nn-NO" dirty="0" smtClean="0"/>
-              <a:t>Trykk på initialane til Odd.</a:t>
-            </a:r>
-            <a:endParaRPr lang="nn-NO" dirty="0"/>
-          </a:p>
-        </p:txBody>
-      </p:sp>
       <p:pic>
         <p:nvPicPr>
-          <p:cNvPr id="2050" name="Picture 2"/>
+          <p:cNvPr id="3074" name="Picture 2"/>
           <p:cNvPicPr>
             <a:picLocks noChangeAspect="1" noChangeArrowheads="1"/>
           </p:cNvPicPr>
@@ -4542,8 +7077,8 @@
         </p:blipFill>
         <p:spPr bwMode="auto">
           <a:xfrm>
-            <a:off x="4788024" y="1657350"/>
-            <a:ext cx="4305300" cy="3543300"/>
+            <a:off x="4505325" y="1489348"/>
+            <a:ext cx="4638675" cy="3629025"/>
           </a:xfrm>
           <a:prstGeom prst="rect">
             <a:avLst/>
@@ -4575,14 +7110,128 @@
       </p:pic>
       <p:sp>
         <p:nvSpPr>
-          <p:cNvPr id="5" name="Oval 4"/>
+          <p:cNvPr id="2" name="Title 1"/>
+          <p:cNvSpPr>
+            <a:spLocks noGrp="1"/>
+          </p:cNvSpPr>
+          <p:nvPr>
+            <p:ph type="title"/>
+          </p:nvPr>
+        </p:nvSpPr>
+        <p:spPr/>
+        <p:txBody>
+          <a:bodyPr/>
+          <a:lstStyle/>
+          <a:p>
+            <a:r>
+              <a:rPr lang="nn-NO" dirty="0" smtClean="0"/>
+              <a:t>2. Kloning av </a:t>
+            </a:r>
+            <a:r>
+              <a:rPr lang="nn-NO" dirty="0" err="1" smtClean="0"/>
+              <a:t>repository</a:t>
+            </a:r>
+            <a:endParaRPr lang="nn-NO" dirty="0"/>
+          </a:p>
+        </p:txBody>
+      </p:sp>
+      <p:sp>
+        <p:nvSpPr>
+          <p:cNvPr id="3" name="Content Placeholder 2"/>
+          <p:cNvSpPr>
+            <a:spLocks noGrp="1"/>
+          </p:cNvSpPr>
+          <p:nvPr>
+            <p:ph sz="half" idx="1"/>
+          </p:nvPr>
+        </p:nvSpPr>
+        <p:spPr/>
+        <p:txBody>
+          <a:bodyPr/>
+          <a:lstStyle/>
+          <a:p>
+            <a:pPr marL="514350" indent="-514350">
+              <a:buFont typeface="+mj-lt"/>
+              <a:buAutoNum type="arabicPeriod"/>
+            </a:pPr>
+            <a:r>
+              <a:rPr lang="nn-NO" dirty="0" smtClean="0"/>
+              <a:t>Gå der du vil ha filane.</a:t>
+            </a:r>
+          </a:p>
+          <a:p>
+            <a:pPr marL="514350" indent="-514350">
+              <a:buFont typeface="+mj-lt"/>
+              <a:buAutoNum type="arabicPeriod"/>
+            </a:pPr>
+            <a:r>
+              <a:rPr lang="nn-NO" dirty="0" smtClean="0"/>
+              <a:t>Høgreklikk, </a:t>
+            </a:r>
+            <a:r>
+              <a:rPr lang="nn-NO" dirty="0" err="1" smtClean="0"/>
+              <a:t>velg</a:t>
+            </a:r>
+            <a:r>
+              <a:rPr lang="nn-NO" dirty="0" smtClean="0"/>
+              <a:t> </a:t>
+            </a:r>
+            <a:r>
+              <a:rPr lang="nn-NO" dirty="0" err="1" smtClean="0"/>
+              <a:t>Git</a:t>
+            </a:r>
+            <a:r>
+              <a:rPr lang="nn-NO" dirty="0" smtClean="0"/>
+              <a:t> </a:t>
+            </a:r>
+            <a:r>
+              <a:rPr lang="nn-NO" dirty="0" err="1" smtClean="0"/>
+              <a:t>clone</a:t>
+            </a:r>
+            <a:r>
+              <a:rPr lang="nn-NO" dirty="0" smtClean="0"/>
+              <a:t>. Du får menyen til høgre.</a:t>
+            </a:r>
+          </a:p>
+          <a:p>
+            <a:pPr marL="514350" indent="-514350">
+              <a:buFont typeface="+mj-lt"/>
+              <a:buAutoNum type="arabicPeriod"/>
+            </a:pPr>
+            <a:r>
+              <a:rPr lang="nn-NO" dirty="0" smtClean="0"/>
+              <a:t>Skriv inn URL til din fork. Directory skulle vera ok.</a:t>
+            </a:r>
+          </a:p>
+          <a:p>
+            <a:pPr marL="514350" indent="-514350">
+              <a:buFont typeface="+mj-lt"/>
+              <a:buAutoNum type="arabicPeriod"/>
+            </a:pPr>
+            <a:r>
+              <a:rPr lang="nn-NO" dirty="0" smtClean="0"/>
+              <a:t>Trykk OK.</a:t>
+            </a:r>
+          </a:p>
+          <a:p>
+            <a:pPr marL="514350" indent="-514350">
+              <a:buFont typeface="+mj-lt"/>
+              <a:buAutoNum type="arabicPeriod"/>
+            </a:pPr>
+            <a:endParaRPr lang="nn-NO" dirty="0"/>
+          </a:p>
+        </p:txBody>
+      </p:sp>
+      <p:sp>
+        <p:nvSpPr>
+          <p:cNvPr id="6" name="Oval 5"/>
           <p:cNvSpPr/>
           <p:nvPr/>
         </p:nvSpPr>
         <p:spPr>
           <a:xfrm>
-            <a:off x="6732240" y="3717032"/>
-            <a:ext cx="1368152" cy="432048"/>
+            <a:off x="5148064" y="1988840"/>
+            <a:ext cx="2592288" cy="432048"/>
           </a:xfrm>
           <a:prstGeom prst="ellipse">
             <a:avLst/>
@@ -4619,56 +7268,10 @@
           </a:p>
         </p:txBody>
       </p:sp>
-      <p:sp>
-        <p:nvSpPr>
-          <p:cNvPr id="7" name="Oval 6"/>
-          <p:cNvSpPr/>
-          <p:nvPr/>
-        </p:nvSpPr>
-        <p:spPr>
-          <a:xfrm>
-            <a:off x="5940152" y="1988840"/>
-            <a:ext cx="648072" cy="432048"/>
-          </a:xfrm>
-          <a:prstGeom prst="ellipse">
-            <a:avLst/>
-          </a:prstGeom>
-          <a:noFill/>
-          <a:ln w="38100">
-            <a:solidFill>
-              <a:srgbClr val="FF0000"/>
-            </a:solidFill>
-          </a:ln>
-        </p:spPr>
-        <p:style>
-          <a:lnRef idx="2">
-            <a:schemeClr val="accent1">
-              <a:shade val="50000"/>
-            </a:schemeClr>
-          </a:lnRef>
-          <a:fillRef idx="1">
-            <a:schemeClr val="accent1"/>
-          </a:fillRef>
-          <a:effectRef idx="0">
-            <a:schemeClr val="accent1"/>
-          </a:effectRef>
-          <a:fontRef idx="minor">
-            <a:schemeClr val="lt1"/>
-          </a:fontRef>
-        </p:style>
-        <p:txBody>
-          <a:bodyPr rtlCol="0" anchor="ctr"/>
-          <a:lstStyle/>
-          <a:p>
-            <a:pPr algn="ctr"/>
-            <a:endParaRPr lang="nn-NO"/>
-          </a:p>
-        </p:txBody>
-      </p:sp>
     </p:spTree>
     <p:extLst>
       <p:ext uri="{BB962C8B-B14F-4D97-AF65-F5344CB8AC3E}">
-        <p14:creationId xmlns:p14="http://schemas.microsoft.com/office/powerpoint/2010/main" val="4182911895"/>
+        <p14:creationId xmlns:p14="http://schemas.microsoft.com/office/powerpoint/2010/main" val="3863478127"/>
       </p:ext>
     </p:extLst>
   </p:cSld>
@@ -4678,7 +7281,7 @@
 </p:sld>
 </file>
 
-<file path=ppt/slides/slide5.xml><?xml version="1.0" encoding="utf-8"?>
+<file path=ppt/slides/slide6.xml><?xml version="1.0" encoding="utf-8"?>
 <p:sld xmlns:a="http://schemas.openxmlformats.org/drawingml/2006/main" xmlns:r="http://schemas.openxmlformats.org/officeDocument/2006/relationships" xmlns:p="http://schemas.openxmlformats.org/presentationml/2006/main">
   <p:cSld>
     <p:spTree>
@@ -4710,62 +7313,21 @@
           <a:bodyPr/>
           <a:lstStyle/>
           <a:p>
-            <a:pPr marL="742950" indent="-742950">
-              <a:buFont typeface="+mj-lt"/>
-              <a:buAutoNum type="arabicPeriod" startAt="3"/>
-            </a:pPr>
-            <a:r>
-              <a:rPr lang="nn-NO" dirty="0" err="1" smtClean="0"/>
-              <a:t>Commit</a:t>
-            </a:r>
-            <a:endParaRPr lang="nn-NO" dirty="0"/>
-          </a:p>
-        </p:txBody>
-      </p:sp>
-      <p:sp>
-        <p:nvSpPr>
-          <p:cNvPr id="3" name="Content Placeholder 2"/>
-          <p:cNvSpPr>
-            <a:spLocks noGrp="1"/>
-          </p:cNvSpPr>
-          <p:nvPr>
-            <p:ph sz="half" idx="1"/>
-          </p:nvPr>
-        </p:nvSpPr>
-        <p:spPr/>
-        <p:txBody>
-          <a:bodyPr/>
-          <a:lstStyle/>
-          <a:p>
-            <a:pPr marL="514350" indent="-514350">
-              <a:buFont typeface="+mj-lt"/>
-              <a:buAutoNum type="arabicPeriod"/>
-            </a:pPr>
-            <a:r>
-              <a:rPr lang="nn-NO" dirty="0" smtClean="0"/>
-              <a:t>Høgreklikk på det du vil ta </a:t>
-            </a:r>
-            <a:r>
-              <a:rPr lang="nn-NO" dirty="0" err="1" smtClean="0"/>
-              <a:t>commit</a:t>
-            </a:r>
-            <a:r>
-              <a:rPr lang="nn-NO" dirty="0" smtClean="0"/>
-              <a:t> på (som i SVN).</a:t>
-            </a:r>
-          </a:p>
-          <a:p>
-            <a:pPr marL="514350" indent="-514350">
-              <a:buFont typeface="+mj-lt"/>
-              <a:buAutoNum type="arabicPeriod"/>
-            </a:pPr>
-            <a:r>
-              <a:rPr lang="nn-NO" dirty="0" err="1" smtClean="0"/>
-              <a:t>Velg</a:t>
-            </a:r>
-            <a:r>
-              <a:rPr lang="nn-NO" dirty="0" smtClean="0"/>
-              <a:t> </a:t>
+            <a:r>
+              <a:rPr lang="nn-NO" dirty="0"/>
+              <a:t>4</a:t>
+            </a:r>
+            <a:r>
+              <a:rPr lang="nn-NO" dirty="0" smtClean="0"/>
+              <a:t>. Lag ein </a:t>
+            </a:r>
+            <a:r>
+              <a:rPr lang="nn-NO" dirty="0" err="1" smtClean="0"/>
+              <a:t>upstream</a:t>
+            </a:r>
+            <a:r>
+              <a:rPr lang="nn-NO" dirty="0" smtClean="0"/>
+              <a:t> i </a:t>
             </a:r>
             <a:r>
               <a:rPr lang="nn-NO" dirty="0" err="1" smtClean="0"/>
@@ -4773,49 +7335,7 @@
             </a:r>
             <a:r>
               <a:rPr lang="nn-NO" dirty="0" smtClean="0"/>
-              <a:t> </a:t>
-            </a:r>
-            <a:r>
-              <a:rPr lang="nn-NO" dirty="0" err="1" smtClean="0"/>
-              <a:t>commit</a:t>
-            </a:r>
-            <a:r>
-              <a:rPr lang="nn-NO" dirty="0" smtClean="0"/>
-              <a:t>. (Den viser også </a:t>
-            </a:r>
-            <a:r>
-              <a:rPr lang="nn-NO" dirty="0" err="1" smtClean="0"/>
-              <a:t>branchen</a:t>
-            </a:r>
-            <a:r>
-              <a:rPr lang="nn-NO" dirty="0" smtClean="0"/>
-              <a:t> du tar </a:t>
-            </a:r>
-            <a:r>
-              <a:rPr lang="nn-NO" dirty="0" err="1" smtClean="0"/>
-              <a:t>commit</a:t>
-            </a:r>
-            <a:r>
-              <a:rPr lang="nn-NO" dirty="0" smtClean="0"/>
-              <a:t> til.)</a:t>
-            </a:r>
-          </a:p>
-          <a:p>
-            <a:pPr marL="514350" indent="-514350">
-              <a:buFont typeface="+mj-lt"/>
-              <a:buAutoNum type="arabicPeriod"/>
-            </a:pPr>
-            <a:r>
-              <a:rPr lang="nn-NO" dirty="0" smtClean="0"/>
-              <a:t>Skrive ein kommentar, </a:t>
-            </a:r>
-            <a:r>
-              <a:rPr lang="nn-NO" dirty="0" err="1" smtClean="0"/>
-              <a:t>velg</a:t>
-            </a:r>
-            <a:r>
-              <a:rPr lang="nn-NO" dirty="0" smtClean="0"/>
-              <a:t> filar, og trykk ok.</a:t>
+              <a:t>:</a:t>
             </a:r>
             <a:endParaRPr lang="nn-NO" dirty="0"/>
           </a:p>
@@ -4823,13 +7343,13 @@
       </p:sp>
       <p:pic>
         <p:nvPicPr>
-          <p:cNvPr id="3074" name="Picture 2"/>
+          <p:cNvPr id="2050" name="Picture 2"/>
           <p:cNvPicPr>
             <a:picLocks noChangeAspect="1" noChangeArrowheads="1"/>
           </p:cNvPicPr>
           <p:nvPr/>
         </p:nvPicPr>
-        <p:blipFill>
+        <p:blipFill rotWithShape="1">
           <a:blip r:embed="rId2">
             <a:extLst>
               <a:ext uri="{28A0092B-C50C-407E-A947-70E740481C1C}">
@@ -4837,15 +7357,13 @@
               </a:ext>
             </a:extLst>
           </a:blip>
-          <a:srcRect/>
-          <a:stretch>
-            <a:fillRect/>
-          </a:stretch>
+          <a:srcRect b="62503"/>
+          <a:stretch/>
         </p:blipFill>
         <p:spPr bwMode="auto">
           <a:xfrm>
-            <a:off x="4627144" y="1700808"/>
-            <a:ext cx="4434951" cy="4248472"/>
+            <a:off x="251520" y="1951509"/>
+            <a:ext cx="5724525" cy="1621507"/>
           </a:xfrm>
           <a:prstGeom prst="rect">
             <a:avLst/>
@@ -4877,14 +7395,80 @@
       </p:pic>
       <p:sp>
         <p:nvSpPr>
-          <p:cNvPr id="6" name="Oval 5"/>
+          <p:cNvPr id="5" name="TextBox 4"/>
+          <p:cNvSpPr txBox="1"/>
+          <p:nvPr/>
+        </p:nvSpPr>
+        <p:spPr>
+          <a:xfrm>
+            <a:off x="266800" y="1516142"/>
+            <a:ext cx="4794261" cy="461665"/>
+          </a:xfrm>
+          <a:prstGeom prst="rect">
+            <a:avLst/>
+          </a:prstGeom>
+          <a:noFill/>
+        </p:spPr>
+        <p:txBody>
+          <a:bodyPr wrap="none" rtlCol="0">
+            <a:spAutoFit/>
+          </a:bodyPr>
+          <a:lstStyle/>
+          <a:p>
+            <a:r>
+              <a:rPr lang="nn-NO" sz="2400" dirty="0" err="1" smtClean="0"/>
+              <a:t>Velg</a:t>
+            </a:r>
+            <a:r>
+              <a:rPr lang="nn-NO" sz="2400" dirty="0" smtClean="0"/>
+              <a:t> </a:t>
+            </a:r>
+            <a:r>
+              <a:rPr lang="nn-NO" sz="2400" dirty="0" err="1" smtClean="0"/>
+              <a:t>Sync</a:t>
+            </a:r>
+            <a:r>
+              <a:rPr lang="nn-NO" sz="2400" dirty="0" smtClean="0"/>
+              <a:t> under </a:t>
+            </a:r>
+            <a:r>
+              <a:rPr lang="nn-NO" sz="2400" dirty="0" err="1" smtClean="0"/>
+              <a:t>Git</a:t>
+            </a:r>
+            <a:r>
+              <a:rPr lang="nn-NO" sz="2400" dirty="0" smtClean="0"/>
+              <a:t>, og </a:t>
+            </a:r>
+            <a:r>
+              <a:rPr lang="nn-NO" sz="2400" dirty="0" err="1" smtClean="0"/>
+              <a:t>velg</a:t>
+            </a:r>
+            <a:r>
+              <a:rPr lang="nn-NO" sz="2400" dirty="0" smtClean="0"/>
+              <a:t> </a:t>
+            </a:r>
+            <a:r>
+              <a:rPr lang="nn-NO" sz="2400" dirty="0" err="1" smtClean="0"/>
+              <a:t>Manage</a:t>
+            </a:r>
+            <a:r>
+              <a:rPr lang="nn-NO" sz="2400" dirty="0" smtClean="0"/>
+              <a:t>:</a:t>
+            </a:r>
+            <a:endParaRPr lang="nn-NO" sz="2400" dirty="0"/>
+          </a:p>
+        </p:txBody>
+      </p:sp>
+      <p:sp>
+        <p:nvSpPr>
+          <p:cNvPr id="7" name="Oval 6"/>
           <p:cNvSpPr/>
           <p:nvPr/>
         </p:nvSpPr>
         <p:spPr>
           <a:xfrm>
-            <a:off x="4788024" y="2276872"/>
-            <a:ext cx="1368152" cy="432048"/>
+            <a:off x="4932040" y="2636912"/>
+            <a:ext cx="936104" cy="432048"/>
           </a:xfrm>
           <a:prstGeom prst="ellipse">
             <a:avLst/>
@@ -4921,231 +7505,29 @@
           </a:p>
         </p:txBody>
       </p:sp>
-      <p:sp>
-        <p:nvSpPr>
-          <p:cNvPr id="7" name="Oval 6"/>
-          <p:cNvSpPr/>
-          <p:nvPr/>
-        </p:nvSpPr>
-        <p:spPr>
-          <a:xfrm>
-            <a:off x="4756607" y="4365104"/>
-            <a:ext cx="1368152" cy="360040"/>
-          </a:xfrm>
-          <a:prstGeom prst="ellipse">
-            <a:avLst/>
-          </a:prstGeom>
-          <a:noFill/>
-          <a:ln w="38100">
-            <a:solidFill>
-              <a:srgbClr val="FF0000"/>
-            </a:solidFill>
-          </a:ln>
-        </p:spPr>
-        <p:style>
-          <a:lnRef idx="2">
-            <a:schemeClr val="accent1">
-              <a:shade val="50000"/>
-            </a:schemeClr>
-          </a:lnRef>
-          <a:fillRef idx="1">
-            <a:schemeClr val="accent1"/>
-          </a:fillRef>
-          <a:effectRef idx="0">
-            <a:schemeClr val="accent1"/>
-          </a:effectRef>
-          <a:fontRef idx="minor">
-            <a:schemeClr val="lt1"/>
-          </a:fontRef>
-        </p:style>
-        <p:txBody>
-          <a:bodyPr rtlCol="0" anchor="ctr"/>
-          <a:lstStyle/>
-          <a:p>
-            <a:pPr algn="ctr"/>
-            <a:endParaRPr lang="nn-NO"/>
-          </a:p>
-        </p:txBody>
-      </p:sp>
-    </p:spTree>
-    <p:extLst>
-      <p:ext uri="{BB962C8B-B14F-4D97-AF65-F5344CB8AC3E}">
-        <p14:creationId xmlns:p14="http://schemas.microsoft.com/office/powerpoint/2010/main" val="1200121894"/>
-      </p:ext>
-    </p:extLst>
-  </p:cSld>
-  <p:clrMapOvr>
-    <a:masterClrMapping/>
-  </p:clrMapOvr>
-</p:sld>
-</file>
-
-<file path=ppt/slides/slide6.xml><?xml version="1.0" encoding="utf-8"?>
-<p:sld xmlns:a="http://schemas.openxmlformats.org/drawingml/2006/main" xmlns:r="http://schemas.openxmlformats.org/officeDocument/2006/relationships" xmlns:p="http://schemas.openxmlformats.org/presentationml/2006/main">
-  <p:cSld>
-    <p:spTree>
-      <p:nvGrpSpPr>
-        <p:cNvPr id="1" name=""/>
-        <p:cNvGrpSpPr/>
-        <p:nvPr/>
-      </p:nvGrpSpPr>
-      <p:grpSpPr>
-        <a:xfrm>
-          <a:off x="0" y="0"/>
-          <a:ext cx="0" cy="0"/>
-          <a:chOff x="0" y="0"/>
-          <a:chExt cx="0" cy="0"/>
-        </a:xfrm>
-      </p:grpSpPr>
-      <p:sp>
-        <p:nvSpPr>
-          <p:cNvPr id="2" name="Title 1"/>
-          <p:cNvSpPr>
-            <a:spLocks noGrp="1"/>
-          </p:cNvSpPr>
-          <p:nvPr>
-            <p:ph type="title"/>
-          </p:nvPr>
-        </p:nvSpPr>
-        <p:spPr/>
-        <p:txBody>
-          <a:bodyPr/>
-          <a:lstStyle/>
-          <a:p>
-            <a:r>
-              <a:rPr lang="nn-NO" dirty="0" smtClean="0"/>
-              <a:t>4.1 Skifting av </a:t>
-            </a:r>
-            <a:r>
-              <a:rPr lang="nn-NO" dirty="0" err="1" smtClean="0"/>
-              <a:t>branch</a:t>
-            </a:r>
-            <a:endParaRPr lang="nn-NO" dirty="0"/>
-          </a:p>
-        </p:txBody>
-      </p:sp>
-      <p:sp>
-        <p:nvSpPr>
-          <p:cNvPr id="3" name="Content Placeholder 2"/>
-          <p:cNvSpPr>
-            <a:spLocks noGrp="1"/>
-          </p:cNvSpPr>
-          <p:nvPr>
-            <p:ph sz="half" idx="1"/>
-          </p:nvPr>
-        </p:nvSpPr>
-        <p:spPr/>
-        <p:txBody>
-          <a:bodyPr/>
-          <a:lstStyle/>
-          <a:p>
-            <a:pPr marL="514350" indent="-514350">
-              <a:buFont typeface="+mj-lt"/>
-              <a:buAutoNum type="arabicPeriod"/>
-            </a:pPr>
-            <a:r>
-              <a:rPr lang="nn-NO" dirty="0" smtClean="0"/>
-              <a:t>Høgreklikk i </a:t>
-            </a:r>
-            <a:r>
-              <a:rPr lang="nn-NO" dirty="0" err="1" smtClean="0"/>
-              <a:t>repositoriet</a:t>
-            </a:r>
-            <a:r>
-              <a:rPr lang="nn-NO" dirty="0" smtClean="0"/>
-              <a:t>, og </a:t>
-            </a:r>
-            <a:r>
-              <a:rPr lang="nn-NO" dirty="0" err="1" smtClean="0"/>
-              <a:t>velg</a:t>
-            </a:r>
-            <a:r>
-              <a:rPr lang="nn-NO" dirty="0" smtClean="0"/>
-              <a:t> </a:t>
-            </a:r>
-            <a:r>
-              <a:rPr lang="nn-NO" dirty="0" err="1" smtClean="0"/>
-              <a:t>TortoiseGit</a:t>
-            </a:r>
-            <a:r>
-              <a:rPr lang="nn-NO" dirty="0" smtClean="0"/>
-              <a:t>-&gt; Switch/</a:t>
-            </a:r>
-            <a:r>
-              <a:rPr lang="nn-NO" dirty="0" err="1" smtClean="0"/>
-              <a:t>Checkout</a:t>
-            </a:r>
-            <a:r>
-              <a:rPr lang="nn-NO" dirty="0" smtClean="0"/>
-              <a:t>.</a:t>
-            </a:r>
-          </a:p>
-          <a:p>
-            <a:pPr marL="514350" indent="-514350">
-              <a:buFont typeface="+mj-lt"/>
-              <a:buAutoNum type="arabicPeriod"/>
-            </a:pPr>
-            <a:r>
-              <a:rPr lang="nn-NO" dirty="0" err="1" smtClean="0"/>
-              <a:t>Velg</a:t>
-            </a:r>
-            <a:r>
-              <a:rPr lang="nn-NO" dirty="0" smtClean="0"/>
-              <a:t> </a:t>
-            </a:r>
-            <a:r>
-              <a:rPr lang="nn-NO" dirty="0" err="1" smtClean="0"/>
-              <a:t>branch</a:t>
-            </a:r>
-            <a:r>
-              <a:rPr lang="nn-NO" dirty="0" smtClean="0"/>
-              <a:t> frå </a:t>
-            </a:r>
-            <a:r>
-              <a:rPr lang="nn-NO" dirty="0" err="1" smtClean="0"/>
-              <a:t>dropdown</a:t>
-            </a:r>
-            <a:r>
-              <a:rPr lang="nn-NO" dirty="0" smtClean="0"/>
-              <a:t>-menyen. Ligg unna dei med «</a:t>
-            </a:r>
-            <a:r>
-              <a:rPr lang="nn-NO" dirty="0" err="1" smtClean="0"/>
-              <a:t>remotes</a:t>
-            </a:r>
-            <a:r>
-              <a:rPr lang="nn-NO" dirty="0" smtClean="0"/>
-              <a:t>/».</a:t>
-            </a:r>
-            <a:endParaRPr lang="nn-NO" dirty="0"/>
-          </a:p>
-        </p:txBody>
-      </p:sp>
       <p:pic>
         <p:nvPicPr>
-          <p:cNvPr id="4098" name="Picture 2"/>
+          <p:cNvPr id="2051" name="Picture 3"/>
           <p:cNvPicPr>
             <a:picLocks noChangeAspect="1" noChangeArrowheads="1"/>
           </p:cNvPicPr>
           <p:nvPr/>
         </p:nvPicPr>
-        <p:blipFill>
-          <a:blip r:embed="rId2">
+        <p:blipFill rotWithShape="1">
+          <a:blip r:embed="rId3">
             <a:extLst>
               <a:ext uri="{28A0092B-C50C-407E-A947-70E740481C1C}">
                 <a14:useLocalDpi xmlns:a14="http://schemas.microsoft.com/office/drawing/2010/main" val="0"/>
               </a:ext>
             </a:extLst>
           </a:blip>
-          <a:srcRect/>
-          <a:stretch>
-            <a:fillRect/>
-          </a:stretch>
+          <a:srcRect l="33746" b="33787"/>
+          <a:stretch/>
         </p:blipFill>
         <p:spPr bwMode="auto">
           <a:xfrm>
-            <a:off x="4820054" y="1866900"/>
-            <a:ext cx="4305300" cy="3124200"/>
+            <a:off x="4705350" y="3789040"/>
+            <a:ext cx="4411190" cy="2964185"/>
           </a:xfrm>
           <a:prstGeom prst="rect">
             <a:avLst/>
@@ -5177,14 +7559,14 @@
       </p:pic>
       <p:sp>
         <p:nvSpPr>
-          <p:cNvPr id="6" name="Oval 5"/>
+          <p:cNvPr id="9" name="Oval 8"/>
           <p:cNvSpPr/>
           <p:nvPr/>
         </p:nvSpPr>
         <p:spPr>
           <a:xfrm>
-            <a:off x="6012160" y="2348880"/>
-            <a:ext cx="2664296" cy="360040"/>
+            <a:off x="6487641" y="4653136"/>
+            <a:ext cx="936104" cy="288032"/>
           </a:xfrm>
           <a:prstGeom prst="ellipse">
             <a:avLst/>
@@ -5221,10 +7603,174 @@
           </a:p>
         </p:txBody>
       </p:sp>
+      <p:sp>
+        <p:nvSpPr>
+          <p:cNvPr id="10" name="Oval 9"/>
+          <p:cNvSpPr/>
+          <p:nvPr/>
+        </p:nvSpPr>
+        <p:spPr>
+          <a:xfrm>
+            <a:off x="6582890" y="4935835"/>
+            <a:ext cx="1877541" cy="288032"/>
+          </a:xfrm>
+          <a:prstGeom prst="ellipse">
+            <a:avLst/>
+          </a:prstGeom>
+          <a:noFill/>
+          <a:ln w="38100">
+            <a:solidFill>
+              <a:srgbClr val="FF0000"/>
+            </a:solidFill>
+          </a:ln>
+        </p:spPr>
+        <p:style>
+          <a:lnRef idx="2">
+            <a:schemeClr val="accent1">
+              <a:shade val="50000"/>
+            </a:schemeClr>
+          </a:lnRef>
+          <a:fillRef idx="1">
+            <a:schemeClr val="accent1"/>
+          </a:fillRef>
+          <a:effectRef idx="0">
+            <a:schemeClr val="accent1"/>
+          </a:effectRef>
+          <a:fontRef idx="minor">
+            <a:schemeClr val="lt1"/>
+          </a:fontRef>
+        </p:style>
+        <p:txBody>
+          <a:bodyPr rtlCol="0" anchor="ctr"/>
+          <a:lstStyle/>
+          <a:p>
+            <a:pPr algn="ctr"/>
+            <a:endParaRPr lang="nn-NO"/>
+          </a:p>
+        </p:txBody>
+      </p:sp>
+      <p:sp>
+        <p:nvSpPr>
+          <p:cNvPr id="11" name="TextBox 10"/>
+          <p:cNvSpPr txBox="1"/>
+          <p:nvPr/>
+        </p:nvSpPr>
+        <p:spPr>
+          <a:xfrm>
+            <a:off x="251520" y="4479503"/>
+            <a:ext cx="4320481" cy="2308324"/>
+          </a:xfrm>
+          <a:prstGeom prst="rect">
+            <a:avLst/>
+          </a:prstGeom>
+          <a:noFill/>
+        </p:spPr>
+        <p:txBody>
+          <a:bodyPr wrap="square" rtlCol="0">
+            <a:spAutoFit/>
+          </a:bodyPr>
+          <a:lstStyle/>
+          <a:p>
+            <a:r>
+              <a:rPr lang="nn-NO" sz="2400" dirty="0" smtClean="0"/>
+              <a:t>Fyll inn desse felta.</a:t>
+            </a:r>
+          </a:p>
+          <a:p>
+            <a:endParaRPr lang="nn-NO" sz="2400" dirty="0" smtClean="0"/>
+          </a:p>
+          <a:p>
+            <a:r>
+              <a:rPr lang="nn-NO" sz="2400" dirty="0" smtClean="0"/>
+              <a:t>Merk adresseringa med </a:t>
+            </a:r>
+            <a:r>
+              <a:rPr lang="nn-NO" sz="2400" dirty="0" err="1" smtClean="0"/>
+              <a:t>git</a:t>
+            </a:r>
+            <a:r>
+              <a:rPr lang="nn-NO" sz="2400" dirty="0" smtClean="0"/>
+              <a:t>://, som gjer denne </a:t>
+            </a:r>
+            <a:r>
+              <a:rPr lang="nn-NO" sz="2400" dirty="0" err="1" smtClean="0"/>
+              <a:t>read-only</a:t>
+            </a:r>
+            <a:r>
+              <a:rPr lang="nn-NO" sz="2400" dirty="0" smtClean="0"/>
+              <a:t>.</a:t>
+            </a:r>
+          </a:p>
+          <a:p>
+            <a:endParaRPr lang="nn-NO" sz="2400" dirty="0" smtClean="0"/>
+          </a:p>
+          <a:p>
+            <a:r>
+              <a:rPr lang="nn-NO" sz="2400" dirty="0" smtClean="0"/>
+              <a:t>Trykk </a:t>
+            </a:r>
+            <a:r>
+              <a:rPr lang="nn-NO" sz="2400" dirty="0" err="1" smtClean="0"/>
+              <a:t>Add</a:t>
+            </a:r>
+            <a:r>
+              <a:rPr lang="nn-NO" sz="2400" dirty="0" smtClean="0"/>
+              <a:t> New/Save.</a:t>
+            </a:r>
+            <a:endParaRPr lang="nn-NO" sz="2400" dirty="0"/>
+          </a:p>
+        </p:txBody>
+      </p:sp>
+      <p:sp>
+        <p:nvSpPr>
+          <p:cNvPr id="12" name="Oval 11"/>
+          <p:cNvSpPr/>
+          <p:nvPr/>
+        </p:nvSpPr>
+        <p:spPr>
+          <a:xfrm>
+            <a:off x="6050260" y="5824314"/>
+            <a:ext cx="936104" cy="432048"/>
+          </a:xfrm>
+          <a:prstGeom prst="ellipse">
+            <a:avLst/>
+          </a:prstGeom>
+          <a:noFill/>
+          <a:ln w="38100">
+            <a:solidFill>
+              <a:srgbClr val="FF0000"/>
+            </a:solidFill>
+          </a:ln>
+        </p:spPr>
+        <p:style>
+          <a:lnRef idx="2">
+            <a:schemeClr val="accent1">
+              <a:shade val="50000"/>
+            </a:schemeClr>
+          </a:lnRef>
+          <a:fillRef idx="1">
+            <a:schemeClr val="accent1"/>
+          </a:fillRef>
+          <a:effectRef idx="0">
+            <a:schemeClr val="accent1"/>
+          </a:effectRef>
+          <a:fontRef idx="minor">
+            <a:schemeClr val="lt1"/>
+          </a:fontRef>
+        </p:style>
+        <p:txBody>
+          <a:bodyPr rtlCol="0" anchor="ctr"/>
+          <a:lstStyle/>
+          <a:p>
+            <a:pPr algn="ctr"/>
+            <a:endParaRPr lang="nn-NO"/>
+          </a:p>
+        </p:txBody>
+      </p:sp>
     </p:spTree>
     <p:extLst>
       <p:ext uri="{BB962C8B-B14F-4D97-AF65-F5344CB8AC3E}">
-        <p14:creationId xmlns:p14="http://schemas.microsoft.com/office/powerpoint/2010/main" val="1193122278"/>
+        <p14:creationId xmlns:p14="http://schemas.microsoft.com/office/powerpoint/2010/main" val="160204263"/>
       </p:ext>
     </p:extLst>
   </p:cSld>
@@ -5267,8 +7813,16 @@
           <a:lstStyle/>
           <a:p>
             <a:r>
-              <a:rPr lang="nn-NO" dirty="0" smtClean="0"/>
-              <a:t>4.2 Pull frå sentral master</a:t>
+              <a:rPr lang="nn-NO" dirty="0"/>
+              <a:t>5</a:t>
+            </a:r>
+            <a:r>
+              <a:rPr lang="nn-NO" dirty="0" smtClean="0"/>
+              <a:t>. Laging av </a:t>
+            </a:r>
+            <a:r>
+              <a:rPr lang="nn-NO" dirty="0" err="1" smtClean="0"/>
+              <a:t>branch</a:t>
             </a:r>
             <a:endParaRPr lang="nn-NO" dirty="0"/>
           </a:p>
@@ -5295,7 +7849,7 @@
             </a:pPr>
             <a:r>
               <a:rPr lang="nn-NO" dirty="0" smtClean="0"/>
-              <a:t>Høgreklikk på toppnivå av </a:t>
+              <a:t>Høgreklikk på ditt </a:t>
             </a:r>
             <a:r>
               <a:rPr lang="nn-NO" dirty="0" err="1" smtClean="0"/>
@@ -5315,7 +7869,15 @@
             </a:r>
             <a:r>
               <a:rPr lang="nn-NO" dirty="0" err="1" smtClean="0"/>
-              <a:t>Git</a:t>
+              <a:t>TortoiseGit</a:t>
+            </a:r>
+            <a:r>
+              <a:rPr lang="nn-NO" dirty="0" smtClean="0"/>
+              <a:t>-&gt; </a:t>
+            </a:r>
+            <a:r>
+              <a:rPr lang="nn-NO" dirty="0" err="1" smtClean="0"/>
+              <a:t>Create</a:t>
             </a:r>
             <a:r>
               <a:rPr lang="nn-NO" dirty="0" smtClean="0"/>
@@ -5323,7 +7885,7 @@
             </a:r>
             <a:r>
               <a:rPr lang="nn-NO" dirty="0" err="1" smtClean="0"/>
-              <a:t>Sync</a:t>
+              <a:t>branch</a:t>
             </a:r>
             <a:r>
               <a:rPr lang="nn-NO" dirty="0" smtClean="0"/>
@@ -5337,19 +7899,27 @@
             </a:pPr>
             <a:r>
               <a:rPr lang="nn-NO" dirty="0" smtClean="0"/>
-              <a:t>Pass på at </a:t>
-            </a:r>
-            <a:r>
-              <a:rPr lang="nn-NO" dirty="0" err="1" smtClean="0"/>
-              <a:t>local</a:t>
-            </a:r>
-            <a:r>
-              <a:rPr lang="nn-NO" dirty="0" smtClean="0"/>
-              <a:t> og </a:t>
-            </a:r>
-            <a:r>
-              <a:rPr lang="nn-NO" dirty="0" err="1" smtClean="0"/>
-              <a:t>remote</a:t>
+              <a:t>Skriv </a:t>
+            </a:r>
+            <a:r>
+              <a:rPr lang="nn-NO" dirty="0" err="1" smtClean="0"/>
+              <a:t>Jira</a:t>
+            </a:r>
+            <a:r>
+              <a:rPr lang="nn-NO" dirty="0" smtClean="0"/>
+              <a:t>-nummer som </a:t>
+            </a:r>
+            <a:r>
+              <a:rPr lang="nn-NO" dirty="0" err="1" smtClean="0"/>
+              <a:t>name</a:t>
+            </a:r>
+            <a:r>
+              <a:rPr lang="nn-NO" dirty="0" smtClean="0"/>
+              <a:t>, og kryss av på Switch to </a:t>
+            </a:r>
+            <a:r>
+              <a:rPr lang="nn-NO" dirty="0" err="1" smtClean="0"/>
+              <a:t>new</a:t>
             </a:r>
             <a:r>
               <a:rPr lang="nn-NO" dirty="0" smtClean="0"/>
@@ -5361,7 +7931,7 @@
             </a:r>
             <a:r>
               <a:rPr lang="nn-NO" dirty="0" smtClean="0"/>
-              <a:t> er lik.</a:t>
+              <a:t>.</a:t>
             </a:r>
           </a:p>
           <a:p>
@@ -5371,7 +7941,7 @@
             </a:pPr>
             <a:r>
               <a:rPr lang="nn-NO" dirty="0" smtClean="0"/>
-              <a:t>Trykk Pull.</a:t>
+              <a:t>Trykk på initialane til Odd.</a:t>
             </a:r>
             <a:endParaRPr lang="nn-NO" dirty="0"/>
           </a:p>
@@ -5379,7 +7949,7 @@
       </p:sp>
       <p:pic>
         <p:nvPicPr>
-          <p:cNvPr id="5122" name="Picture 2"/>
+          <p:cNvPr id="2050" name="Picture 2"/>
           <p:cNvPicPr>
             <a:picLocks noChangeAspect="1" noChangeArrowheads="1"/>
           </p:cNvPicPr>
@@ -5400,8 +7970,8 @@
         </p:blipFill>
         <p:spPr bwMode="auto">
           <a:xfrm>
-            <a:off x="4659723" y="2132856"/>
-            <a:ext cx="4480198" cy="3384376"/>
+            <a:off x="4788024" y="1657350"/>
+            <a:ext cx="4305300" cy="3543300"/>
           </a:xfrm>
           <a:prstGeom prst="rect">
             <a:avLst/>
@@ -5433,208 +8003,14 @@
       </p:pic>
       <p:sp>
         <p:nvSpPr>
-          <p:cNvPr id="6" name="Oval 5"/>
+          <p:cNvPr id="5" name="Oval 4"/>
           <p:cNvSpPr/>
           <p:nvPr/>
         </p:nvSpPr>
         <p:spPr>
           <a:xfrm>
-            <a:off x="5243718" y="2427442"/>
-            <a:ext cx="1056474" cy="360040"/>
-          </a:xfrm>
-          <a:prstGeom prst="ellipse">
-            <a:avLst/>
-          </a:prstGeom>
-          <a:noFill/>
-          <a:ln w="38100">
-            <a:solidFill>
-              <a:srgbClr val="21FF21"/>
-            </a:solidFill>
-          </a:ln>
-        </p:spPr>
-        <p:style>
-          <a:lnRef idx="2">
-            <a:schemeClr val="accent1">
-              <a:shade val="50000"/>
-            </a:schemeClr>
-          </a:lnRef>
-          <a:fillRef idx="1">
-            <a:schemeClr val="accent1"/>
-          </a:fillRef>
-          <a:effectRef idx="0">
-            <a:schemeClr val="accent1"/>
-          </a:effectRef>
-          <a:fontRef idx="minor">
-            <a:schemeClr val="lt1"/>
-          </a:fontRef>
-        </p:style>
-        <p:txBody>
-          <a:bodyPr rtlCol="0" anchor="ctr"/>
-          <a:lstStyle/>
-          <a:p>
-            <a:pPr algn="ctr"/>
-            <a:endParaRPr lang="nn-NO"/>
-          </a:p>
-        </p:txBody>
-      </p:sp>
-      <p:sp>
-        <p:nvSpPr>
-          <p:cNvPr id="7" name="Oval 6"/>
-          <p:cNvSpPr/>
-          <p:nvPr/>
-        </p:nvSpPr>
-        <p:spPr>
-          <a:xfrm>
-            <a:off x="7020272" y="2427442"/>
-            <a:ext cx="1056474" cy="360040"/>
-          </a:xfrm>
-          <a:prstGeom prst="ellipse">
-            <a:avLst/>
-          </a:prstGeom>
-          <a:noFill/>
-          <a:ln w="38100">
-            <a:solidFill>
-              <a:srgbClr val="21FF21"/>
-            </a:solidFill>
-          </a:ln>
-        </p:spPr>
-        <p:style>
-          <a:lnRef idx="2">
-            <a:schemeClr val="accent1">
-              <a:shade val="50000"/>
-            </a:schemeClr>
-          </a:lnRef>
-          <a:fillRef idx="1">
-            <a:schemeClr val="accent1"/>
-          </a:fillRef>
-          <a:effectRef idx="0">
-            <a:schemeClr val="accent1"/>
-          </a:effectRef>
-          <a:fontRef idx="minor">
-            <a:schemeClr val="lt1"/>
-          </a:fontRef>
-        </p:style>
-        <p:txBody>
-          <a:bodyPr rtlCol="0" anchor="ctr"/>
-          <a:lstStyle/>
-          <a:p>
-            <a:pPr algn="ctr"/>
-            <a:endParaRPr lang="nn-NO"/>
-          </a:p>
-        </p:txBody>
-      </p:sp>
-      <p:sp>
-        <p:nvSpPr>
-          <p:cNvPr id="5" name="TextBox 4"/>
-          <p:cNvSpPr txBox="1"/>
-          <p:nvPr/>
-        </p:nvSpPr>
-        <p:spPr>
-          <a:xfrm>
-            <a:off x="6236211" y="1541974"/>
-            <a:ext cx="1277979" cy="369332"/>
-          </a:xfrm>
-          <a:prstGeom prst="rect">
-            <a:avLst/>
-          </a:prstGeom>
-          <a:noFill/>
-        </p:spPr>
-        <p:txBody>
-          <a:bodyPr wrap="none" rtlCol="0">
-            <a:spAutoFit/>
-          </a:bodyPr>
-          <a:lstStyle/>
-          <a:p>
-            <a:r>
-              <a:rPr lang="nn-NO" dirty="0" smtClean="0"/>
-              <a:t>Sjekk at like</a:t>
-            </a:r>
-            <a:endParaRPr lang="nn-NO" dirty="0"/>
-          </a:p>
-        </p:txBody>
-      </p:sp>
-      <p:cxnSp>
-        <p:nvCxnSpPr>
-          <p:cNvPr id="9" name="Straight Arrow Connector 8"/>
-          <p:cNvCxnSpPr/>
-          <p:nvPr/>
-        </p:nvCxnSpPr>
-        <p:spPr>
-          <a:xfrm flipH="1">
-            <a:off x="6084168" y="1911306"/>
-            <a:ext cx="360040" cy="516136"/>
-          </a:xfrm>
-          <a:prstGeom prst="straightConnector1">
-            <a:avLst/>
-          </a:prstGeom>
-          <a:ln w="38100">
-            <a:solidFill>
-              <a:schemeClr val="tx1"/>
-            </a:solidFill>
-            <a:tailEnd type="arrow"/>
-          </a:ln>
-        </p:spPr>
-        <p:style>
-          <a:lnRef idx="1">
-            <a:schemeClr val="accent1"/>
-          </a:lnRef>
-          <a:fillRef idx="0">
-            <a:schemeClr val="accent1"/>
-          </a:fillRef>
-          <a:effectRef idx="0">
-            <a:schemeClr val="accent1"/>
-          </a:effectRef>
-          <a:fontRef idx="minor">
-            <a:schemeClr val="tx1"/>
-          </a:fontRef>
-        </p:style>
-      </p:cxnSp>
-      <p:cxnSp>
-        <p:nvCxnSpPr>
-          <p:cNvPr id="12" name="Straight Arrow Connector 11"/>
-          <p:cNvCxnSpPr/>
-          <p:nvPr/>
-        </p:nvCxnSpPr>
-        <p:spPr>
-          <a:xfrm>
-            <a:off x="7236296" y="1916832"/>
-            <a:ext cx="72008" cy="516136"/>
-          </a:xfrm>
-          <a:prstGeom prst="straightConnector1">
-            <a:avLst/>
-          </a:prstGeom>
-          <a:ln w="38100">
-            <a:solidFill>
-              <a:schemeClr val="tx1"/>
-            </a:solidFill>
-            <a:tailEnd type="arrow"/>
-          </a:ln>
-        </p:spPr>
-        <p:style>
-          <a:lnRef idx="1">
-            <a:schemeClr val="accent1"/>
-          </a:lnRef>
-          <a:fillRef idx="0">
-            <a:schemeClr val="accent1"/>
-          </a:fillRef>
-          <a:effectRef idx="0">
-            <a:schemeClr val="accent1"/>
-          </a:effectRef>
-          <a:fontRef idx="minor">
-            <a:schemeClr val="tx1"/>
-          </a:fontRef>
-        </p:style>
-      </p:cxnSp>
-      <p:sp>
-        <p:nvSpPr>
-          <p:cNvPr id="14" name="Oval 13"/>
-          <p:cNvSpPr/>
-          <p:nvPr/>
-        </p:nvSpPr>
-        <p:spPr>
-          <a:xfrm>
-            <a:off x="4656177" y="4852068"/>
-            <a:ext cx="929081" cy="288032"/>
+            <a:off x="6732240" y="3717032"/>
+            <a:ext cx="1368152" cy="432048"/>
           </a:xfrm>
           <a:prstGeom prst="ellipse">
             <a:avLst/>
@@ -5671,10 +8047,56 @@
           </a:p>
         </p:txBody>
       </p:sp>
+      <p:sp>
+        <p:nvSpPr>
+          <p:cNvPr id="7" name="Oval 6"/>
+          <p:cNvSpPr/>
+          <p:nvPr/>
+        </p:nvSpPr>
+        <p:spPr>
+          <a:xfrm>
+            <a:off x="5940152" y="1988840"/>
+            <a:ext cx="648072" cy="432048"/>
+          </a:xfrm>
+          <a:prstGeom prst="ellipse">
+            <a:avLst/>
+          </a:prstGeom>
+          <a:noFill/>
+          <a:ln w="38100">
+            <a:solidFill>
+              <a:srgbClr val="FF0000"/>
+            </a:solidFill>
+          </a:ln>
+        </p:spPr>
+        <p:style>
+          <a:lnRef idx="2">
+            <a:schemeClr val="accent1">
+              <a:shade val="50000"/>
+            </a:schemeClr>
+          </a:lnRef>
+          <a:fillRef idx="1">
+            <a:schemeClr val="accent1"/>
+          </a:fillRef>
+          <a:effectRef idx="0">
+            <a:schemeClr val="accent1"/>
+          </a:effectRef>
+          <a:fontRef idx="minor">
+            <a:schemeClr val="lt1"/>
+          </a:fontRef>
+        </p:style>
+        <p:txBody>
+          <a:bodyPr rtlCol="0" anchor="ctr"/>
+          <a:lstStyle/>
+          <a:p>
+            <a:pPr algn="ctr"/>
+            <a:endParaRPr lang="nn-NO"/>
+          </a:p>
+        </p:txBody>
+      </p:sp>
     </p:spTree>
     <p:extLst>
       <p:ext uri="{BB962C8B-B14F-4D97-AF65-F5344CB8AC3E}">
-        <p14:creationId xmlns:p14="http://schemas.microsoft.com/office/powerpoint/2010/main" val="3098394504"/>
+        <p14:creationId xmlns:p14="http://schemas.microsoft.com/office/powerpoint/2010/main" val="4182911895"/>
       </p:ext>
     </p:extLst>
   </p:cSld>
@@ -5713,30 +8135,16 @@
         </p:nvSpPr>
         <p:spPr/>
         <p:txBody>
-          <a:bodyPr>
-            <a:normAutofit fontScale="90000"/>
-          </a:bodyPr>
-          <a:lstStyle/>
-          <a:p>
-            <a:r>
-              <a:rPr lang="nn-NO" dirty="0" smtClean="0"/>
-              <a:t>4.3 </a:t>
-            </a:r>
-            <a:r>
-              <a:rPr lang="nn-NO" dirty="0" err="1" smtClean="0"/>
-              <a:t>Merge</a:t>
-            </a:r>
-            <a:r>
-              <a:rPr lang="nn-NO" dirty="0" smtClean="0"/>
-              <a:t> din </a:t>
-            </a:r>
-            <a:r>
-              <a:rPr lang="nn-NO" dirty="0" err="1" smtClean="0"/>
-              <a:t>branch</a:t>
-            </a:r>
-            <a:r>
-              <a:rPr lang="nn-NO" dirty="0" smtClean="0"/>
-              <a:t> inn på master</a:t>
+          <a:bodyPr/>
+          <a:lstStyle/>
+          <a:p>
+            <a:r>
+              <a:rPr lang="nn-NO" dirty="0" smtClean="0"/>
+              <a:t>6. </a:t>
+            </a:r>
+            <a:r>
+              <a:rPr lang="nn-NO" dirty="0" err="1" smtClean="0"/>
+              <a:t>Commit</a:t>
             </a:r>
             <a:endParaRPr lang="nn-NO" dirty="0"/>
           </a:p>
@@ -5754,9 +8162,7 @@
         </p:nvSpPr>
         <p:spPr/>
         <p:txBody>
-          <a:bodyPr>
-            <a:normAutofit lnSpcReduction="10000"/>
-          </a:bodyPr>
+          <a:bodyPr/>
           <a:lstStyle/>
           <a:p>
             <a:pPr marL="514350" indent="-514350">
@@ -5765,39 +8171,15 @@
             </a:pPr>
             <a:r>
               <a:rPr lang="nn-NO" dirty="0" smtClean="0"/>
-              <a:t>Høgreklikk på toppnivå av </a:t>
-            </a:r>
-            <a:r>
-              <a:rPr lang="nn-NO" dirty="0" err="1" smtClean="0"/>
-              <a:t>repository</a:t>
-            </a:r>
-            <a:r>
-              <a:rPr lang="nn-NO" dirty="0" smtClean="0"/>
-              <a:t>, og </a:t>
-            </a:r>
-            <a:r>
-              <a:rPr lang="nn-NO" dirty="0" err="1" smtClean="0"/>
-              <a:t>velg</a:t>
-            </a:r>
-            <a:r>
-              <a:rPr lang="nn-NO" dirty="0" smtClean="0"/>
-              <a:t> </a:t>
-            </a:r>
-            <a:r>
-              <a:rPr lang="nn-NO" dirty="0" err="1" smtClean="0"/>
-              <a:t>TortoiseGit</a:t>
-            </a:r>
-            <a:r>
-              <a:rPr lang="nn-NO" dirty="0" smtClean="0"/>
-              <a:t>-&gt;</a:t>
-            </a:r>
-            <a:r>
-              <a:rPr lang="nn-NO" dirty="0" err="1" smtClean="0"/>
-              <a:t>Merge</a:t>
-            </a:r>
-            <a:r>
-              <a:rPr lang="nn-NO" dirty="0" smtClean="0"/>
-              <a:t>.</a:t>
+              <a:t>Høgreklikk på det du vil ta </a:t>
+            </a:r>
+            <a:r>
+              <a:rPr lang="nn-NO" dirty="0" err="1" smtClean="0"/>
+              <a:t>commit</a:t>
+            </a:r>
+            <a:r>
+              <a:rPr lang="nn-NO" dirty="0" smtClean="0"/>
+              <a:t> på (som i SVN).</a:t>
             </a:r>
           </a:p>
           <a:p>
@@ -5811,39 +8193,39 @@
             </a:r>
             <a:r>
               <a:rPr lang="nn-NO" dirty="0" smtClean="0"/>
-              <a:t> din </a:t>
-            </a:r>
-            <a:r>
-              <a:rPr lang="nn-NO" dirty="0" err="1" smtClean="0"/>
-              <a:t>branch</a:t>
-            </a:r>
-            <a:r>
-              <a:rPr lang="nn-NO" dirty="0" smtClean="0"/>
-              <a:t> under from. På </a:t>
-            </a:r>
-            <a:r>
-              <a:rPr lang="nn-NO" dirty="0" err="1" smtClean="0"/>
-              <a:t>Merge</a:t>
-            </a:r>
-            <a:r>
-              <a:rPr lang="nn-NO" dirty="0" smtClean="0"/>
               <a:t> </a:t>
             </a:r>
             <a:r>
-              <a:rPr lang="nn-NO" dirty="0"/>
-              <a:t>M</a:t>
-            </a:r>
-            <a:r>
-              <a:rPr lang="nn-NO" dirty="0" smtClean="0"/>
-              <a:t>essage skriv du tekst tilsvarande dagens SVN-</a:t>
-            </a:r>
-            <a:r>
-              <a:rPr lang="nn-NO" dirty="0" err="1" smtClean="0"/>
-              <a:t>innsjekk</a:t>
-            </a:r>
-            <a:r>
-              <a:rPr lang="nn-NO" dirty="0" smtClean="0"/>
-              <a:t>.</a:t>
+              <a:rPr lang="nn-NO" dirty="0" err="1" smtClean="0"/>
+              <a:t>Git</a:t>
+            </a:r>
+            <a:r>
+              <a:rPr lang="nn-NO" dirty="0" smtClean="0"/>
+              <a:t> </a:t>
+            </a:r>
+            <a:r>
+              <a:rPr lang="nn-NO" dirty="0" err="1" smtClean="0"/>
+              <a:t>commit</a:t>
+            </a:r>
+            <a:r>
+              <a:rPr lang="nn-NO" dirty="0" smtClean="0"/>
+              <a:t>. (Den viser også </a:t>
+            </a:r>
+            <a:r>
+              <a:rPr lang="nn-NO" dirty="0" err="1" smtClean="0"/>
+              <a:t>branchen</a:t>
+            </a:r>
+            <a:r>
+              <a:rPr lang="nn-NO" dirty="0" smtClean="0"/>
+              <a:t> du tar </a:t>
+            </a:r>
+            <a:r>
+              <a:rPr lang="nn-NO" dirty="0" err="1" smtClean="0"/>
+              <a:t>commit</a:t>
+            </a:r>
+            <a:r>
+              <a:rPr lang="nn-NO" dirty="0" smtClean="0"/>
+              <a:t> til.)</a:t>
             </a:r>
           </a:p>
           <a:p>
@@ -5853,21 +8235,23 @@
             </a:pPr>
             <a:r>
               <a:rPr lang="nn-NO" dirty="0" smtClean="0"/>
-              <a:t>Trykk OK. Det er no mulig du må løysa konfliktar.</a:t>
-            </a:r>
-          </a:p>
-          <a:p>
-            <a:pPr marL="514350" indent="-514350">
-              <a:buFont typeface="+mj-lt"/>
-              <a:buAutoNum type="arabicPeriod"/>
-            </a:pPr>
+              <a:t>Skrive ein kommentar, </a:t>
+            </a:r>
+            <a:r>
+              <a:rPr lang="nn-NO" dirty="0" err="1" smtClean="0"/>
+              <a:t>velg</a:t>
+            </a:r>
+            <a:r>
+              <a:rPr lang="nn-NO" dirty="0" smtClean="0"/>
+              <a:t> filar, og trykk ok.</a:t>
+            </a:r>
             <a:endParaRPr lang="nn-NO" dirty="0"/>
           </a:p>
         </p:txBody>
       </p:sp>
       <p:pic>
         <p:nvPicPr>
-          <p:cNvPr id="6146" name="Picture 2"/>
+          <p:cNvPr id="3074" name="Picture 2"/>
           <p:cNvPicPr>
             <a:picLocks noChangeAspect="1" noChangeArrowheads="1"/>
           </p:cNvPicPr>
@@ -5888,8 +8272,8 @@
         </p:blipFill>
         <p:spPr bwMode="auto">
           <a:xfrm>
-            <a:off x="4716016" y="1844824"/>
-            <a:ext cx="4346648" cy="3336205"/>
+            <a:off x="4627144" y="1700808"/>
+            <a:ext cx="4434951" cy="4248472"/>
           </a:xfrm>
           <a:prstGeom prst="rect">
             <a:avLst/>
@@ -5927,8 +8311,8 @@
         </p:nvSpPr>
         <p:spPr>
           <a:xfrm>
-            <a:off x="5707036" y="2293964"/>
-            <a:ext cx="3024336" cy="288032"/>
+            <a:off x="4788024" y="2276872"/>
+            <a:ext cx="1368152" cy="432048"/>
           </a:xfrm>
           <a:prstGeom prst="ellipse">
             <a:avLst/>
@@ -5973,8 +8357,8 @@
         </p:nvSpPr>
         <p:spPr>
           <a:xfrm>
-            <a:off x="5004048" y="3861048"/>
-            <a:ext cx="3727324" cy="792088"/>
+            <a:off x="4756607" y="4365104"/>
+            <a:ext cx="1368152" cy="360040"/>
           </a:xfrm>
           <a:prstGeom prst="ellipse">
             <a:avLst/>
@@ -6014,7 +8398,7 @@
     </p:spTree>
     <p:extLst>
       <p:ext uri="{BB962C8B-B14F-4D97-AF65-F5344CB8AC3E}">
-        <p14:creationId xmlns:p14="http://schemas.microsoft.com/office/powerpoint/2010/main" val="1724476074"/>
+        <p14:creationId xmlns:p14="http://schemas.microsoft.com/office/powerpoint/2010/main" val="1200121894"/>
       </p:ext>
     </p:extLst>
   </p:cSld>
@@ -6057,8 +8441,16 @@
           <a:lstStyle/>
           <a:p>
             <a:r>
-              <a:rPr lang="nn-NO" dirty="0" smtClean="0"/>
-              <a:t>4.4 Push til sentral master</a:t>
+              <a:rPr lang="nn-NO" dirty="0"/>
+              <a:t>7</a:t>
+            </a:r>
+            <a:r>
+              <a:rPr lang="nn-NO" dirty="0" smtClean="0"/>
+              <a:t>.1 Skifting av </a:t>
+            </a:r>
+            <a:r>
+              <a:rPr lang="nn-NO" dirty="0" err="1" smtClean="0"/>
+              <a:t>branch</a:t>
             </a:r>
             <a:endParaRPr lang="nn-NO" dirty="0"/>
           </a:p>
@@ -6076,9 +8468,7 @@
         </p:nvSpPr>
         <p:spPr/>
         <p:txBody>
-          <a:bodyPr>
-            <a:normAutofit fontScale="92500" lnSpcReduction="10000"/>
-          </a:bodyPr>
+          <a:bodyPr/>
           <a:lstStyle/>
           <a:p>
             <a:pPr marL="514350" indent="-514350">
@@ -6087,7 +8477,39 @@
             </a:pPr>
             <a:r>
               <a:rPr lang="nn-NO" dirty="0" smtClean="0"/>
-              <a:t>Pass på at koden din går gjennom testsuiten.</a:t>
+              <a:t>Høgreklikk i </a:t>
+            </a:r>
+            <a:r>
+              <a:rPr lang="nn-NO" dirty="0" err="1" smtClean="0"/>
+              <a:t>repositoriet</a:t>
+            </a:r>
+            <a:r>
+              <a:rPr lang="nn-NO" dirty="0" smtClean="0"/>
+              <a:t>, og </a:t>
+            </a:r>
+            <a:r>
+              <a:rPr lang="nn-NO" dirty="0" err="1" smtClean="0"/>
+              <a:t>velg</a:t>
+            </a:r>
+            <a:r>
+              <a:rPr lang="nn-NO" dirty="0" smtClean="0"/>
+              <a:t> </a:t>
+            </a:r>
+            <a:r>
+              <a:rPr lang="nn-NO" dirty="0" err="1" smtClean="0"/>
+              <a:t>TortoiseGit</a:t>
+            </a:r>
+            <a:r>
+              <a:rPr lang="nn-NO" dirty="0" smtClean="0"/>
+              <a:t>-&gt; Switch/</a:t>
+            </a:r>
+            <a:r>
+              <a:rPr lang="nn-NO" dirty="0" err="1" smtClean="0"/>
+              <a:t>Checkout</a:t>
+            </a:r>
+            <a:r>
+              <a:rPr lang="nn-NO" dirty="0" smtClean="0"/>
+              <a:t>.</a:t>
             </a:r>
           </a:p>
           <a:p>
@@ -6096,12 +8518,8 @@
               <a:buAutoNum type="arabicPeriod"/>
             </a:pPr>
             <a:r>
-              <a:rPr lang="nn-NO" dirty="0" smtClean="0"/>
-              <a:t>Høgreklikk på toppnivå, </a:t>
-            </a:r>
-            <a:r>
-              <a:rPr lang="nn-NO" dirty="0" err="1" smtClean="0"/>
-              <a:t>velg</a:t>
+              <a:rPr lang="nn-NO" dirty="0" err="1" smtClean="0"/>
+              <a:t>Velg</a:t>
             </a:r>
             <a:r>
               <a:rPr lang="nn-NO" dirty="0" smtClean="0"/>
@@ -6109,94 +8527,35 @@
             </a:r>
             <a:r>
               <a:rPr lang="nn-NO" dirty="0" err="1" smtClean="0"/>
-              <a:t>Git</a:t>
-            </a:r>
-            <a:r>
-              <a:rPr lang="nn-NO" dirty="0" smtClean="0"/>
-              <a:t> </a:t>
-            </a:r>
-            <a:r>
-              <a:rPr lang="nn-NO" dirty="0" err="1" smtClean="0"/>
-              <a:t>Sync</a:t>
-            </a:r>
-            <a:r>
-              <a:rPr lang="nn-NO" dirty="0" smtClean="0"/>
-              <a:t>.</a:t>
-            </a:r>
-          </a:p>
-          <a:p>
-            <a:pPr marL="514350" indent="-514350">
-              <a:buFont typeface="+mj-lt"/>
-              <a:buAutoNum type="arabicPeriod"/>
-            </a:pPr>
-            <a:r>
-              <a:rPr lang="nn-NO" dirty="0" smtClean="0"/>
-              <a:t>Sjekk at </a:t>
-            </a:r>
-            <a:r>
-              <a:rPr lang="nn-NO" dirty="0" err="1" smtClean="0"/>
               <a:t>branch</a:t>
             </a:r>
             <a:r>
               <a:rPr lang="nn-NO" dirty="0" smtClean="0"/>
-              <a:t> er lik.</a:t>
-            </a:r>
-          </a:p>
-          <a:p>
-            <a:pPr marL="514350" indent="-514350">
-              <a:buFont typeface="+mj-lt"/>
-              <a:buAutoNum type="arabicPeriod"/>
-            </a:pPr>
-            <a:r>
-              <a:rPr lang="nn-NO" dirty="0" smtClean="0"/>
-              <a:t>Trykk Push.</a:t>
-            </a:r>
-          </a:p>
-          <a:p>
-            <a:pPr marL="514350" indent="-514350">
-              <a:buFont typeface="+mj-lt"/>
-              <a:buAutoNum type="arabicPeriod"/>
-            </a:pPr>
-            <a:r>
-              <a:rPr lang="nn-NO" dirty="0" smtClean="0"/>
-              <a:t>Dette </a:t>
-            </a:r>
-            <a:r>
-              <a:rPr lang="nn-NO" dirty="0" err="1" smtClean="0"/>
-              <a:t>tilsvarar</a:t>
-            </a:r>
-            <a:r>
-              <a:rPr lang="nn-NO" dirty="0" smtClean="0"/>
-              <a:t> SVN </a:t>
-            </a:r>
-            <a:r>
-              <a:rPr lang="nn-NO" dirty="0" err="1" smtClean="0"/>
-              <a:t>commit</a:t>
-            </a:r>
-            <a:r>
-              <a:rPr lang="nn-NO" dirty="0" smtClean="0"/>
-              <a:t>, og er einaste operasjon der du kan skapa problem for andre.</a:t>
-            </a:r>
-          </a:p>
-          <a:p>
-            <a:pPr marL="514350" indent="-514350">
-              <a:buFont typeface="+mj-lt"/>
-              <a:buAutoNum type="arabicPeriod"/>
-            </a:pPr>
-            <a:endParaRPr lang="nn-NO" dirty="0" smtClean="0"/>
-          </a:p>
-          <a:p>
-            <a:pPr marL="514350" indent="-514350">
-              <a:buFont typeface="+mj-lt"/>
-              <a:buAutoNum type="arabicPeriod"/>
-            </a:pPr>
+              <a:t> frå </a:t>
+            </a:r>
+            <a:r>
+              <a:rPr lang="nn-NO" dirty="0" err="1" smtClean="0"/>
+              <a:t>dropdown</a:t>
+            </a:r>
+            <a:r>
+              <a:rPr lang="nn-NO" dirty="0" smtClean="0"/>
+              <a:t>-menyen. Ligg unna dei med «</a:t>
+            </a:r>
+            <a:r>
+              <a:rPr lang="nn-NO" dirty="0" err="1" smtClean="0"/>
+              <a:t>remotes</a:t>
+            </a:r>
+            <a:r>
+              <a:rPr lang="nn-NO" dirty="0" smtClean="0"/>
+              <a:t>/».</a:t>
+            </a:r>
             <a:endParaRPr lang="nn-NO" dirty="0"/>
           </a:p>
         </p:txBody>
       </p:sp>
       <p:pic>
         <p:nvPicPr>
-          <p:cNvPr id="6" name="Picture 2"/>
+          <p:cNvPr id="4098" name="Picture 2"/>
           <p:cNvPicPr>
             <a:picLocks noChangeAspect="1" noChangeArrowheads="1"/>
           </p:cNvPicPr>
@@ -6217,8 +8576,8 @@
         </p:blipFill>
         <p:spPr bwMode="auto">
           <a:xfrm>
-            <a:off x="4659723" y="2132856"/>
-            <a:ext cx="4480198" cy="3384376"/>
+            <a:off x="4820054" y="1866900"/>
+            <a:ext cx="4305300" cy="3124200"/>
           </a:xfrm>
           <a:prstGeom prst="rect">
             <a:avLst/>
@@ -6250,208 +8609,14 @@
       </p:pic>
       <p:sp>
         <p:nvSpPr>
-          <p:cNvPr id="7" name="Oval 6"/>
+          <p:cNvPr id="6" name="Oval 5"/>
           <p:cNvSpPr/>
           <p:nvPr/>
         </p:nvSpPr>
         <p:spPr>
           <a:xfrm>
-            <a:off x="5243718" y="2427442"/>
-            <a:ext cx="1056474" cy="360040"/>
-          </a:xfrm>
-          <a:prstGeom prst="ellipse">
-            <a:avLst/>
-          </a:prstGeom>
-          <a:noFill/>
-          <a:ln w="38100">
-            <a:solidFill>
-              <a:srgbClr val="21FF21"/>
-            </a:solidFill>
-          </a:ln>
-        </p:spPr>
-        <p:style>
-          <a:lnRef idx="2">
-            <a:schemeClr val="accent1">
-              <a:shade val="50000"/>
-            </a:schemeClr>
-          </a:lnRef>
-          <a:fillRef idx="1">
-            <a:schemeClr val="accent1"/>
-          </a:fillRef>
-          <a:effectRef idx="0">
-            <a:schemeClr val="accent1"/>
-          </a:effectRef>
-          <a:fontRef idx="minor">
-            <a:schemeClr val="lt1"/>
-          </a:fontRef>
-        </p:style>
-        <p:txBody>
-          <a:bodyPr rtlCol="0" anchor="ctr"/>
-          <a:lstStyle/>
-          <a:p>
-            <a:pPr algn="ctr"/>
-            <a:endParaRPr lang="nn-NO"/>
-          </a:p>
-        </p:txBody>
-      </p:sp>
-      <p:sp>
-        <p:nvSpPr>
-          <p:cNvPr id="8" name="Oval 7"/>
-          <p:cNvSpPr/>
-          <p:nvPr/>
-        </p:nvSpPr>
-        <p:spPr>
-          <a:xfrm>
-            <a:off x="7020272" y="2427442"/>
-            <a:ext cx="1056474" cy="360040"/>
-          </a:xfrm>
-          <a:prstGeom prst="ellipse">
-            <a:avLst/>
-          </a:prstGeom>
-          <a:noFill/>
-          <a:ln w="38100">
-            <a:solidFill>
-              <a:srgbClr val="21FF21"/>
-            </a:solidFill>
-          </a:ln>
-        </p:spPr>
-        <p:style>
-          <a:lnRef idx="2">
-            <a:schemeClr val="accent1">
-              <a:shade val="50000"/>
-            </a:schemeClr>
-          </a:lnRef>
-          <a:fillRef idx="1">
-            <a:schemeClr val="accent1"/>
-          </a:fillRef>
-          <a:effectRef idx="0">
-            <a:schemeClr val="accent1"/>
-          </a:effectRef>
-          <a:fontRef idx="minor">
-            <a:schemeClr val="lt1"/>
-          </a:fontRef>
-        </p:style>
-        <p:txBody>
-          <a:bodyPr rtlCol="0" anchor="ctr"/>
-          <a:lstStyle/>
-          <a:p>
-            <a:pPr algn="ctr"/>
-            <a:endParaRPr lang="nn-NO"/>
-          </a:p>
-        </p:txBody>
-      </p:sp>
-      <p:sp>
-        <p:nvSpPr>
-          <p:cNvPr id="9" name="TextBox 8"/>
-          <p:cNvSpPr txBox="1"/>
-          <p:nvPr/>
-        </p:nvSpPr>
-        <p:spPr>
-          <a:xfrm>
-            <a:off x="6236211" y="1541974"/>
-            <a:ext cx="1277979" cy="369332"/>
-          </a:xfrm>
-          <a:prstGeom prst="rect">
-            <a:avLst/>
-          </a:prstGeom>
-          <a:noFill/>
-        </p:spPr>
-        <p:txBody>
-          <a:bodyPr wrap="none" rtlCol="0">
-            <a:spAutoFit/>
-          </a:bodyPr>
-          <a:lstStyle/>
-          <a:p>
-            <a:r>
-              <a:rPr lang="nn-NO" dirty="0" smtClean="0"/>
-              <a:t>Sjekk at like</a:t>
-            </a:r>
-            <a:endParaRPr lang="nn-NO" dirty="0"/>
-          </a:p>
-        </p:txBody>
-      </p:sp>
-      <p:cxnSp>
-        <p:nvCxnSpPr>
-          <p:cNvPr id="10" name="Straight Arrow Connector 9"/>
-          <p:cNvCxnSpPr/>
-          <p:nvPr/>
-        </p:nvCxnSpPr>
-        <p:spPr>
-          <a:xfrm flipH="1">
-            <a:off x="6084168" y="1911306"/>
-            <a:ext cx="360040" cy="516136"/>
-          </a:xfrm>
-          <a:prstGeom prst="straightConnector1">
-            <a:avLst/>
-          </a:prstGeom>
-          <a:ln w="38100">
-            <a:solidFill>
-              <a:schemeClr val="tx1"/>
-            </a:solidFill>
-            <a:tailEnd type="arrow"/>
-          </a:ln>
-        </p:spPr>
-        <p:style>
-          <a:lnRef idx="1">
-            <a:schemeClr val="accent1"/>
-          </a:lnRef>
-          <a:fillRef idx="0">
-            <a:schemeClr val="accent1"/>
-          </a:fillRef>
-          <a:effectRef idx="0">
-            <a:schemeClr val="accent1"/>
-          </a:effectRef>
-          <a:fontRef idx="minor">
-            <a:schemeClr val="tx1"/>
-          </a:fontRef>
-        </p:style>
-      </p:cxnSp>
-      <p:cxnSp>
-        <p:nvCxnSpPr>
-          <p:cNvPr id="11" name="Straight Arrow Connector 10"/>
-          <p:cNvCxnSpPr/>
-          <p:nvPr/>
-        </p:nvCxnSpPr>
-        <p:spPr>
-          <a:xfrm>
-            <a:off x="7236296" y="1916832"/>
-            <a:ext cx="72008" cy="516136"/>
-          </a:xfrm>
-          <a:prstGeom prst="straightConnector1">
-            <a:avLst/>
-          </a:prstGeom>
-          <a:ln w="38100">
-            <a:solidFill>
-              <a:schemeClr val="tx1"/>
-            </a:solidFill>
-            <a:tailEnd type="arrow"/>
-          </a:ln>
-        </p:spPr>
-        <p:style>
-          <a:lnRef idx="1">
-            <a:schemeClr val="accent1"/>
-          </a:lnRef>
-          <a:fillRef idx="0">
-            <a:schemeClr val="accent1"/>
-          </a:fillRef>
-          <a:effectRef idx="0">
-            <a:schemeClr val="accent1"/>
-          </a:effectRef>
-          <a:fontRef idx="minor">
-            <a:schemeClr val="tx1"/>
-          </a:fontRef>
-        </p:style>
-      </p:cxnSp>
-      <p:sp>
-        <p:nvSpPr>
-          <p:cNvPr id="12" name="Oval 11"/>
-          <p:cNvSpPr/>
-          <p:nvPr/>
-        </p:nvSpPr>
-        <p:spPr>
-          <a:xfrm>
-            <a:off x="5585258" y="4850125"/>
-            <a:ext cx="929081" cy="288032"/>
+            <a:off x="6012160" y="2348880"/>
+            <a:ext cx="2664296" cy="360040"/>
           </a:xfrm>
           <a:prstGeom prst="ellipse">
             <a:avLst/>
@@ -6491,7 +8656,7 @@
     </p:spTree>
     <p:extLst>
       <p:ext uri="{BB962C8B-B14F-4D97-AF65-F5344CB8AC3E}">
-        <p14:creationId xmlns:p14="http://schemas.microsoft.com/office/powerpoint/2010/main" val="3935319813"/>
+        <p14:creationId xmlns:p14="http://schemas.microsoft.com/office/powerpoint/2010/main" val="1193122278"/>
       </p:ext>
     </p:extLst>
   </p:cSld>
